--- a/Part_01/Section03.pptx
+++ b/Part_01/Section03.pptx
@@ -4,6 +4,13 @@
   <p:sldMasterIdLst>
     <p:sldMasterId id="2147483648" r:id="rId1"/>
   </p:sldMasterIdLst>
+  <p:sldIdLst>
+    <p:sldId id="259" r:id="rId2"/>
+    <p:sldId id="260" r:id="rId3"/>
+    <p:sldId id="256" r:id="rId4"/>
+    <p:sldId id="257" r:id="rId5"/>
+    <p:sldId id="258" r:id="rId6"/>
+  </p:sldIdLst>
   <p:sldSz cx="12192000" cy="6858000"/>
   <p:notesSz cx="6858000" cy="9144000"/>
   <p:defaultTextStyle>
@@ -101,6 +108,11 @@
       </a:defRPr>
     </a:lvl9pPr>
   </p:defaultTextStyle>
+  <p:extLst>
+    <p:ext uri="{EFAFB233-063F-42B5-8137-9DF3F51BA10A}">
+      <p15:sldGuideLst xmlns:p15="http://schemas.microsoft.com/office/powerpoint/2012/main"/>
+    </p:ext>
+  </p:extLst>
 </p:presentation>
 </file>
 
@@ -235,9 +247,9 @@
           <a:p>
             <a:fld id="{816A8EE7-6A8D-452B-B8C3-E64C291F1CAD}" type="datetimeFigureOut">
               <a:rPr lang="en-US" smtClean="0"/>
-              <a:t>10/19/2018</a:t>
+              <a:t>11/3/2018</a:t>
             </a:fld>
-            <a:endParaRPr lang="en-US"/>
+            <a:endParaRPr lang="en-US" dirty="0"/>
           </a:p>
         </p:txBody>
       </p:sp>
@@ -256,7 +268,7 @@
           <a:bodyPr/>
           <a:lstStyle/>
           <a:p>
-            <a:endParaRPr lang="en-US"/>
+            <a:endParaRPr lang="en-US" dirty="0"/>
           </a:p>
         </p:txBody>
       </p:sp>
@@ -279,7 +291,7 @@
               <a:rPr lang="en-US" smtClean="0"/>
               <a:t>‹#›</a:t>
             </a:fld>
-            <a:endParaRPr lang="en-US"/>
+            <a:endParaRPr lang="en-US" dirty="0"/>
           </a:p>
         </p:txBody>
       </p:sp>
@@ -405,9 +417,9 @@
           <a:p>
             <a:fld id="{816A8EE7-6A8D-452B-B8C3-E64C291F1CAD}" type="datetimeFigureOut">
               <a:rPr lang="en-US" smtClean="0"/>
-              <a:t>10/19/2018</a:t>
+              <a:t>11/3/2018</a:t>
             </a:fld>
-            <a:endParaRPr lang="en-US"/>
+            <a:endParaRPr lang="en-US" dirty="0"/>
           </a:p>
         </p:txBody>
       </p:sp>
@@ -426,7 +438,7 @@
           <a:bodyPr/>
           <a:lstStyle/>
           <a:p>
-            <a:endParaRPr lang="en-US"/>
+            <a:endParaRPr lang="en-US" dirty="0"/>
           </a:p>
         </p:txBody>
       </p:sp>
@@ -449,7 +461,7 @@
               <a:rPr lang="en-US" smtClean="0"/>
               <a:t>‹#›</a:t>
             </a:fld>
-            <a:endParaRPr lang="en-US"/>
+            <a:endParaRPr lang="en-US" dirty="0"/>
           </a:p>
         </p:txBody>
       </p:sp>
@@ -585,9 +597,9 @@
           <a:p>
             <a:fld id="{816A8EE7-6A8D-452B-B8C3-E64C291F1CAD}" type="datetimeFigureOut">
               <a:rPr lang="en-US" smtClean="0"/>
-              <a:t>10/19/2018</a:t>
+              <a:t>11/3/2018</a:t>
             </a:fld>
-            <a:endParaRPr lang="en-US"/>
+            <a:endParaRPr lang="en-US" dirty="0"/>
           </a:p>
         </p:txBody>
       </p:sp>
@@ -606,7 +618,7 @@
           <a:bodyPr/>
           <a:lstStyle/>
           <a:p>
-            <a:endParaRPr lang="en-US"/>
+            <a:endParaRPr lang="en-US" dirty="0"/>
           </a:p>
         </p:txBody>
       </p:sp>
@@ -629,7 +641,7 @@
               <a:rPr lang="en-US" smtClean="0"/>
               <a:t>‹#›</a:t>
             </a:fld>
-            <a:endParaRPr lang="en-US"/>
+            <a:endParaRPr lang="en-US" dirty="0"/>
           </a:p>
         </p:txBody>
       </p:sp>
@@ -755,9 +767,9 @@
           <a:p>
             <a:fld id="{816A8EE7-6A8D-452B-B8C3-E64C291F1CAD}" type="datetimeFigureOut">
               <a:rPr lang="en-US" smtClean="0"/>
-              <a:t>10/19/2018</a:t>
+              <a:t>11/3/2018</a:t>
             </a:fld>
-            <a:endParaRPr lang="en-US"/>
+            <a:endParaRPr lang="en-US" dirty="0"/>
           </a:p>
         </p:txBody>
       </p:sp>
@@ -776,7 +788,7 @@
           <a:bodyPr/>
           <a:lstStyle/>
           <a:p>
-            <a:endParaRPr lang="en-US"/>
+            <a:endParaRPr lang="en-US" dirty="0"/>
           </a:p>
         </p:txBody>
       </p:sp>
@@ -799,7 +811,7 @@
               <a:rPr lang="en-US" smtClean="0"/>
               <a:t>‹#›</a:t>
             </a:fld>
-            <a:endParaRPr lang="en-US"/>
+            <a:endParaRPr lang="en-US" dirty="0"/>
           </a:p>
         </p:txBody>
       </p:sp>
@@ -1001,9 +1013,9 @@
           <a:p>
             <a:fld id="{816A8EE7-6A8D-452B-B8C3-E64C291F1CAD}" type="datetimeFigureOut">
               <a:rPr lang="en-US" smtClean="0"/>
-              <a:t>10/19/2018</a:t>
+              <a:t>11/3/2018</a:t>
             </a:fld>
-            <a:endParaRPr lang="en-US"/>
+            <a:endParaRPr lang="en-US" dirty="0"/>
           </a:p>
         </p:txBody>
       </p:sp>
@@ -1022,7 +1034,7 @@
           <a:bodyPr/>
           <a:lstStyle/>
           <a:p>
-            <a:endParaRPr lang="en-US"/>
+            <a:endParaRPr lang="en-US" dirty="0"/>
           </a:p>
         </p:txBody>
       </p:sp>
@@ -1045,7 +1057,7 @@
               <a:rPr lang="en-US" smtClean="0"/>
               <a:t>‹#›</a:t>
             </a:fld>
-            <a:endParaRPr lang="en-US"/>
+            <a:endParaRPr lang="en-US" dirty="0"/>
           </a:p>
         </p:txBody>
       </p:sp>
@@ -1233,9 +1245,9 @@
           <a:p>
             <a:fld id="{816A8EE7-6A8D-452B-B8C3-E64C291F1CAD}" type="datetimeFigureOut">
               <a:rPr lang="en-US" smtClean="0"/>
-              <a:t>10/19/2018</a:t>
+              <a:t>11/3/2018</a:t>
             </a:fld>
-            <a:endParaRPr lang="en-US"/>
+            <a:endParaRPr lang="en-US" dirty="0"/>
           </a:p>
         </p:txBody>
       </p:sp>
@@ -1254,7 +1266,7 @@
           <a:bodyPr/>
           <a:lstStyle/>
           <a:p>
-            <a:endParaRPr lang="en-US"/>
+            <a:endParaRPr lang="en-US" dirty="0"/>
           </a:p>
         </p:txBody>
       </p:sp>
@@ -1277,7 +1289,7 @@
               <a:rPr lang="en-US" smtClean="0"/>
               <a:t>‹#›</a:t>
             </a:fld>
-            <a:endParaRPr lang="en-US"/>
+            <a:endParaRPr lang="en-US" dirty="0"/>
           </a:p>
         </p:txBody>
       </p:sp>
@@ -1600,9 +1612,9 @@
           <a:p>
             <a:fld id="{816A8EE7-6A8D-452B-B8C3-E64C291F1CAD}" type="datetimeFigureOut">
               <a:rPr lang="en-US" smtClean="0"/>
-              <a:t>10/19/2018</a:t>
+              <a:t>11/3/2018</a:t>
             </a:fld>
-            <a:endParaRPr lang="en-US"/>
+            <a:endParaRPr lang="en-US" dirty="0"/>
           </a:p>
         </p:txBody>
       </p:sp>
@@ -1621,7 +1633,7 @@
           <a:bodyPr/>
           <a:lstStyle/>
           <a:p>
-            <a:endParaRPr lang="en-US"/>
+            <a:endParaRPr lang="en-US" dirty="0"/>
           </a:p>
         </p:txBody>
       </p:sp>
@@ -1644,7 +1656,7 @@
               <a:rPr lang="en-US" smtClean="0"/>
               <a:t>‹#›</a:t>
             </a:fld>
-            <a:endParaRPr lang="en-US"/>
+            <a:endParaRPr lang="en-US" dirty="0"/>
           </a:p>
         </p:txBody>
       </p:sp>
@@ -1718,9 +1730,9 @@
           <a:p>
             <a:fld id="{816A8EE7-6A8D-452B-B8C3-E64C291F1CAD}" type="datetimeFigureOut">
               <a:rPr lang="en-US" smtClean="0"/>
-              <a:t>10/19/2018</a:t>
+              <a:t>11/3/2018</a:t>
             </a:fld>
-            <a:endParaRPr lang="en-US"/>
+            <a:endParaRPr lang="en-US" dirty="0"/>
           </a:p>
         </p:txBody>
       </p:sp>
@@ -1739,7 +1751,7 @@
           <a:bodyPr/>
           <a:lstStyle/>
           <a:p>
-            <a:endParaRPr lang="en-US"/>
+            <a:endParaRPr lang="en-US" dirty="0"/>
           </a:p>
         </p:txBody>
       </p:sp>
@@ -1762,7 +1774,7 @@
               <a:rPr lang="en-US" smtClean="0"/>
               <a:t>‹#›</a:t>
             </a:fld>
-            <a:endParaRPr lang="en-US"/>
+            <a:endParaRPr lang="en-US" dirty="0"/>
           </a:p>
         </p:txBody>
       </p:sp>
@@ -1813,9 +1825,9 @@
           <a:p>
             <a:fld id="{816A8EE7-6A8D-452B-B8C3-E64C291F1CAD}" type="datetimeFigureOut">
               <a:rPr lang="en-US" smtClean="0"/>
-              <a:t>10/19/2018</a:t>
+              <a:t>11/3/2018</a:t>
             </a:fld>
-            <a:endParaRPr lang="en-US"/>
+            <a:endParaRPr lang="en-US" dirty="0"/>
           </a:p>
         </p:txBody>
       </p:sp>
@@ -1834,7 +1846,7 @@
           <a:bodyPr/>
           <a:lstStyle/>
           <a:p>
-            <a:endParaRPr lang="en-US"/>
+            <a:endParaRPr lang="en-US" dirty="0"/>
           </a:p>
         </p:txBody>
       </p:sp>
@@ -1857,7 +1869,7 @@
               <a:rPr lang="en-US" smtClean="0"/>
               <a:t>‹#›</a:t>
             </a:fld>
-            <a:endParaRPr lang="en-US"/>
+            <a:endParaRPr lang="en-US" dirty="0"/>
           </a:p>
         </p:txBody>
       </p:sp>
@@ -2090,9 +2102,9 @@
           <a:p>
             <a:fld id="{816A8EE7-6A8D-452B-B8C3-E64C291F1CAD}" type="datetimeFigureOut">
               <a:rPr lang="en-US" smtClean="0"/>
-              <a:t>10/19/2018</a:t>
+              <a:t>11/3/2018</a:t>
             </a:fld>
-            <a:endParaRPr lang="en-US"/>
+            <a:endParaRPr lang="en-US" dirty="0"/>
           </a:p>
         </p:txBody>
       </p:sp>
@@ -2111,7 +2123,7 @@
           <a:bodyPr/>
           <a:lstStyle/>
           <a:p>
-            <a:endParaRPr lang="en-US"/>
+            <a:endParaRPr lang="en-US" dirty="0"/>
           </a:p>
         </p:txBody>
       </p:sp>
@@ -2134,7 +2146,7 @@
               <a:rPr lang="en-US" smtClean="0"/>
               <a:t>‹#›</a:t>
             </a:fld>
-            <a:endParaRPr lang="en-US"/>
+            <a:endParaRPr lang="en-US" dirty="0"/>
           </a:p>
         </p:txBody>
       </p:sp>
@@ -2257,7 +2269,7 @@
             </a:lvl9pPr>
           </a:lstStyle>
           <a:p>
-            <a:endParaRPr lang="en-US"/>
+            <a:endParaRPr lang="en-US" dirty="0"/>
           </a:p>
         </p:txBody>
       </p:sp>
@@ -2343,9 +2355,9 @@
           <a:p>
             <a:fld id="{816A8EE7-6A8D-452B-B8C3-E64C291F1CAD}" type="datetimeFigureOut">
               <a:rPr lang="en-US" smtClean="0"/>
-              <a:t>10/19/2018</a:t>
+              <a:t>11/3/2018</a:t>
             </a:fld>
-            <a:endParaRPr lang="en-US"/>
+            <a:endParaRPr lang="en-US" dirty="0"/>
           </a:p>
         </p:txBody>
       </p:sp>
@@ -2364,7 +2376,7 @@
           <a:bodyPr/>
           <a:lstStyle/>
           <a:p>
-            <a:endParaRPr lang="en-US"/>
+            <a:endParaRPr lang="en-US" dirty="0"/>
           </a:p>
         </p:txBody>
       </p:sp>
@@ -2387,7 +2399,7 @@
               <a:rPr lang="en-US" smtClean="0"/>
               <a:t>‹#›</a:t>
             </a:fld>
-            <a:endParaRPr lang="en-US"/>
+            <a:endParaRPr lang="en-US" dirty="0"/>
           </a:p>
         </p:txBody>
       </p:sp>
@@ -2556,9 +2568,9 @@
           <a:p>
             <a:fld id="{816A8EE7-6A8D-452B-B8C3-E64C291F1CAD}" type="datetimeFigureOut">
               <a:rPr lang="en-US" smtClean="0"/>
-              <a:t>10/19/2018</a:t>
+              <a:t>11/3/2018</a:t>
             </a:fld>
-            <a:endParaRPr lang="en-US"/>
+            <a:endParaRPr lang="en-US" dirty="0"/>
           </a:p>
         </p:txBody>
       </p:sp>
@@ -2595,7 +2607,7 @@
             </a:lvl1pPr>
           </a:lstStyle>
           <a:p>
-            <a:endParaRPr lang="en-US"/>
+            <a:endParaRPr lang="en-US" dirty="0"/>
           </a:p>
         </p:txBody>
       </p:sp>
@@ -2636,7 +2648,7 @@
               <a:rPr lang="en-US" smtClean="0"/>
               <a:t>‹#›</a:t>
             </a:fld>
-            <a:endParaRPr lang="en-US"/>
+            <a:endParaRPr lang="en-US" dirty="0"/>
           </a:p>
         </p:txBody>
       </p:sp>
@@ -2944,6 +2956,463 @@
 </p:sldMaster>
 </file>
 
+<file path=ppt/slides/slide1.xml><?xml version="1.0" encoding="utf-8"?>
+<p:sld xmlns:a="http://schemas.openxmlformats.org/drawingml/2006/main" xmlns:r="http://schemas.openxmlformats.org/officeDocument/2006/relationships" xmlns:p="http://schemas.openxmlformats.org/presentationml/2006/main">
+  <p:cSld>
+    <p:spTree>
+      <p:nvGrpSpPr>
+        <p:cNvPr id="1" name=""/>
+        <p:cNvGrpSpPr/>
+        <p:nvPr/>
+      </p:nvGrpSpPr>
+      <p:grpSpPr>
+        <a:xfrm>
+          <a:off x="0" y="0"/>
+          <a:ext cx="0" cy="0"/>
+          <a:chOff x="0" y="0"/>
+          <a:chExt cx="0" cy="0"/>
+        </a:xfrm>
+      </p:grpSpPr>
+      <p:sp>
+        <p:nvSpPr>
+          <p:cNvPr id="2" name="Title 1"/>
+          <p:cNvSpPr>
+            <a:spLocks noGrp="1"/>
+          </p:cNvSpPr>
+          <p:nvPr>
+            <p:ph type="ctrTitle"/>
+          </p:nvPr>
+        </p:nvSpPr>
+        <p:spPr/>
+        <p:txBody>
+          <a:bodyPr/>
+          <a:lstStyle/>
+          <a:p>
+            <a:r>
+              <a:rPr lang="en-US" dirty="0" smtClean="0"/>
+              <a:t>HECC 2018</a:t>
+            </a:r>
+            <a:endParaRPr lang="en-US" dirty="0"/>
+          </a:p>
+        </p:txBody>
+      </p:sp>
+      <p:sp>
+        <p:nvSpPr>
+          <p:cNvPr id="3" name="Subtitle 2"/>
+          <p:cNvSpPr>
+            <a:spLocks noGrp="1"/>
+          </p:cNvSpPr>
+          <p:nvPr>
+            <p:ph type="subTitle" idx="1"/>
+          </p:nvPr>
+        </p:nvSpPr>
+        <p:spPr/>
+        <p:txBody>
+          <a:bodyPr/>
+          <a:lstStyle/>
+          <a:p>
+            <a:r>
+              <a:rPr lang="en-US" dirty="0"/>
+              <a:t>2053 - Deploying Windows 10 With MDT (Part 1</a:t>
+            </a:r>
+            <a:r>
+              <a:rPr lang="en-US" dirty="0" smtClean="0"/>
+              <a:t>)</a:t>
+            </a:r>
+          </a:p>
+          <a:p>
+            <a:r>
+              <a:rPr lang="en-US" sz="2000" dirty="0" smtClean="0"/>
+              <a:t>Section </a:t>
+            </a:r>
+            <a:r>
+              <a:rPr lang="en-US" sz="2000" dirty="0" smtClean="0"/>
+              <a:t>3</a:t>
+            </a:r>
+            <a:endParaRPr lang="en-US" sz="2000" dirty="0"/>
+          </a:p>
+        </p:txBody>
+      </p:sp>
+    </p:spTree>
+    <p:extLst>
+      <p:ext uri="{BB962C8B-B14F-4D97-AF65-F5344CB8AC3E}">
+        <p14:creationId xmlns:p14="http://schemas.microsoft.com/office/powerpoint/2010/main" val="2473697117"/>
+      </p:ext>
+    </p:extLst>
+  </p:cSld>
+  <p:clrMapOvr>
+    <a:masterClrMapping/>
+  </p:clrMapOvr>
+  <p:timing>
+    <p:tnLst>
+      <p:par>
+        <p:cTn id="1" dur="indefinite" restart="never" nodeType="tmRoot"/>
+      </p:par>
+    </p:tnLst>
+  </p:timing>
+</p:sld>
+</file>
+
+<file path=ppt/slides/slide2.xml><?xml version="1.0" encoding="utf-8"?>
+<p:sld xmlns:a="http://schemas.openxmlformats.org/drawingml/2006/main" xmlns:r="http://schemas.openxmlformats.org/officeDocument/2006/relationships" xmlns:p="http://schemas.openxmlformats.org/presentationml/2006/main">
+  <p:cSld>
+    <p:spTree>
+      <p:nvGrpSpPr>
+        <p:cNvPr id="1" name=""/>
+        <p:cNvGrpSpPr/>
+        <p:nvPr/>
+      </p:nvGrpSpPr>
+      <p:grpSpPr>
+        <a:xfrm>
+          <a:off x="0" y="0"/>
+          <a:ext cx="0" cy="0"/>
+          <a:chOff x="0" y="0"/>
+          <a:chExt cx="0" cy="0"/>
+        </a:xfrm>
+      </p:grpSpPr>
+      <p:sp>
+        <p:nvSpPr>
+          <p:cNvPr id="2" name="Title 1"/>
+          <p:cNvSpPr>
+            <a:spLocks noGrp="1"/>
+          </p:cNvSpPr>
+          <p:nvPr>
+            <p:ph type="title"/>
+          </p:nvPr>
+        </p:nvSpPr>
+        <p:spPr>
+          <a:xfrm>
+            <a:off x="838200" y="365125"/>
+            <a:ext cx="10515600" cy="999651"/>
+          </a:xfrm>
+        </p:spPr>
+        <p:txBody>
+          <a:bodyPr/>
+          <a:lstStyle/>
+          <a:p>
+            <a:r>
+              <a:rPr lang="en-US" dirty="0" smtClean="0"/>
+              <a:t>Agenda</a:t>
+            </a:r>
+            <a:endParaRPr lang="en-US" dirty="0"/>
+          </a:p>
+        </p:txBody>
+      </p:sp>
+      <p:sp>
+        <p:nvSpPr>
+          <p:cNvPr id="3" name="Content Placeholder 2"/>
+          <p:cNvSpPr>
+            <a:spLocks noGrp="1"/>
+          </p:cNvSpPr>
+          <p:nvPr>
+            <p:ph idx="1"/>
+          </p:nvPr>
+        </p:nvSpPr>
+        <p:spPr>
+          <a:xfrm>
+            <a:off x="838200" y="1380698"/>
+            <a:ext cx="10342830" cy="4921369"/>
+          </a:xfrm>
+        </p:spPr>
+        <p:txBody>
+          <a:bodyPr>
+            <a:normAutofit/>
+          </a:bodyPr>
+          <a:lstStyle/>
+          <a:p>
+            <a:r>
+              <a:rPr lang="en-US" dirty="0"/>
+              <a:t>Build, Capture, Automation</a:t>
+            </a:r>
+            <a:endParaRPr lang="en-US" dirty="0" smtClean="0"/>
+          </a:p>
+          <a:p>
+            <a:pPr lvl="1"/>
+            <a:r>
+              <a:rPr lang="en-US" dirty="0"/>
+              <a:t>Build and </a:t>
+            </a:r>
+            <a:r>
+              <a:rPr lang="en-US" dirty="0" smtClean="0"/>
+              <a:t>Capture</a:t>
+            </a:r>
+          </a:p>
+          <a:p>
+            <a:pPr lvl="1"/>
+            <a:r>
+              <a:rPr lang="en-US" dirty="0"/>
+              <a:t>Image Factory </a:t>
+            </a:r>
+            <a:endParaRPr lang="en-US" dirty="0" smtClean="0"/>
+          </a:p>
+          <a:p>
+            <a:pPr lvl="2"/>
+            <a:r>
+              <a:rPr lang="en-US" dirty="0" smtClean="0"/>
+              <a:t>Factory </a:t>
+            </a:r>
+            <a:r>
+              <a:rPr lang="en-US" dirty="0"/>
+              <a:t>Setup</a:t>
+            </a:r>
+          </a:p>
+          <a:p>
+            <a:pPr lvl="2"/>
+            <a:r>
+              <a:rPr lang="en-US" dirty="0" smtClean="0"/>
+              <a:t>Process</a:t>
+            </a:r>
+          </a:p>
+          <a:p>
+            <a:pPr lvl="1"/>
+            <a:r>
+              <a:rPr lang="en-US" dirty="0" smtClean="0"/>
+              <a:t>Demo</a:t>
+            </a:r>
+          </a:p>
+          <a:p>
+            <a:pPr lvl="1"/>
+            <a:r>
+              <a:rPr lang="en-US" dirty="0" smtClean="0"/>
+              <a:t>Questions</a:t>
+            </a:r>
+            <a:endParaRPr lang="en-US" dirty="0" smtClean="0"/>
+          </a:p>
+        </p:txBody>
+      </p:sp>
+    </p:spTree>
+    <p:extLst>
+      <p:ext uri="{BB962C8B-B14F-4D97-AF65-F5344CB8AC3E}">
+        <p14:creationId xmlns:p14="http://schemas.microsoft.com/office/powerpoint/2010/main" val="626071622"/>
+      </p:ext>
+    </p:extLst>
+  </p:cSld>
+  <p:clrMapOvr>
+    <a:masterClrMapping/>
+  </p:clrMapOvr>
+  <p:timing>
+    <p:tnLst>
+      <p:par>
+        <p:cTn id="1" dur="indefinite" restart="never" nodeType="tmRoot"/>
+      </p:par>
+    </p:tnLst>
+  </p:timing>
+</p:sld>
+</file>
+
+<file path=ppt/slides/slide3.xml><?xml version="1.0" encoding="utf-8"?>
+<p:sld xmlns:a="http://schemas.openxmlformats.org/drawingml/2006/main" xmlns:r="http://schemas.openxmlformats.org/officeDocument/2006/relationships" xmlns:p="http://schemas.openxmlformats.org/presentationml/2006/main">
+  <p:cSld>
+    <p:spTree>
+      <p:nvGrpSpPr>
+        <p:cNvPr id="1" name=""/>
+        <p:cNvGrpSpPr/>
+        <p:nvPr/>
+      </p:nvGrpSpPr>
+      <p:grpSpPr>
+        <a:xfrm>
+          <a:off x="0" y="0"/>
+          <a:ext cx="0" cy="0"/>
+          <a:chOff x="0" y="0"/>
+          <a:chExt cx="0" cy="0"/>
+        </a:xfrm>
+      </p:grpSpPr>
+      <p:sp>
+        <p:nvSpPr>
+          <p:cNvPr id="2" name="Title 1"/>
+          <p:cNvSpPr>
+            <a:spLocks noGrp="1"/>
+          </p:cNvSpPr>
+          <p:nvPr>
+            <p:ph type="title"/>
+          </p:nvPr>
+        </p:nvSpPr>
+        <p:spPr>
+          <a:xfrm>
+            <a:off x="838200" y="365125"/>
+            <a:ext cx="10515600" cy="5461934"/>
+          </a:xfrm>
+        </p:spPr>
+        <p:txBody>
+          <a:bodyPr>
+            <a:normAutofit/>
+          </a:bodyPr>
+          <a:lstStyle/>
+          <a:p>
+            <a:pPr algn="ctr"/>
+            <a:r>
+              <a:rPr lang="en-US" sz="16600" dirty="0" smtClean="0"/>
+              <a:t>Demo</a:t>
+            </a:r>
+            <a:endParaRPr lang="en-US" sz="16600" dirty="0"/>
+          </a:p>
+        </p:txBody>
+      </p:sp>
+    </p:spTree>
+    <p:extLst>
+      <p:ext uri="{BB962C8B-B14F-4D97-AF65-F5344CB8AC3E}">
+        <p14:creationId xmlns:p14="http://schemas.microsoft.com/office/powerpoint/2010/main" val="1990139637"/>
+      </p:ext>
+    </p:extLst>
+  </p:cSld>
+  <p:clrMapOvr>
+    <a:masterClrMapping/>
+  </p:clrMapOvr>
+  <p:timing>
+    <p:tnLst>
+      <p:par>
+        <p:cTn id="1" dur="indefinite" restart="never" nodeType="tmRoot"/>
+      </p:par>
+    </p:tnLst>
+  </p:timing>
+</p:sld>
+</file>
+
+<file path=ppt/slides/slide4.xml><?xml version="1.0" encoding="utf-8"?>
+<p:sld xmlns:a="http://schemas.openxmlformats.org/drawingml/2006/main" xmlns:r="http://schemas.openxmlformats.org/officeDocument/2006/relationships" xmlns:p="http://schemas.openxmlformats.org/presentationml/2006/main">
+  <p:cSld>
+    <p:spTree>
+      <p:nvGrpSpPr>
+        <p:cNvPr id="1" name=""/>
+        <p:cNvGrpSpPr/>
+        <p:nvPr/>
+      </p:nvGrpSpPr>
+      <p:grpSpPr>
+        <a:xfrm>
+          <a:off x="0" y="0"/>
+          <a:ext cx="0" cy="0"/>
+          <a:chOff x="0" y="0"/>
+          <a:chExt cx="0" cy="0"/>
+        </a:xfrm>
+      </p:grpSpPr>
+      <p:sp>
+        <p:nvSpPr>
+          <p:cNvPr id="2" name="Title 1"/>
+          <p:cNvSpPr>
+            <a:spLocks noGrp="1"/>
+          </p:cNvSpPr>
+          <p:nvPr>
+            <p:ph type="title"/>
+          </p:nvPr>
+        </p:nvSpPr>
+        <p:spPr>
+          <a:xfrm>
+            <a:off x="838200" y="365125"/>
+            <a:ext cx="10515600" cy="5641228"/>
+          </a:xfrm>
+        </p:spPr>
+        <p:txBody>
+          <a:bodyPr>
+            <a:normAutofit/>
+          </a:bodyPr>
+          <a:lstStyle/>
+          <a:p>
+            <a:pPr algn="ctr"/>
+            <a:r>
+              <a:rPr lang="en-US" sz="13800" dirty="0" smtClean="0"/>
+              <a:t>Questions</a:t>
+            </a:r>
+            <a:endParaRPr lang="en-US" sz="13800" dirty="0"/>
+          </a:p>
+        </p:txBody>
+      </p:sp>
+    </p:spTree>
+    <p:extLst>
+      <p:ext uri="{BB962C8B-B14F-4D97-AF65-F5344CB8AC3E}">
+        <p14:creationId xmlns:p14="http://schemas.microsoft.com/office/powerpoint/2010/main" val="2437956704"/>
+      </p:ext>
+    </p:extLst>
+  </p:cSld>
+  <p:clrMapOvr>
+    <a:masterClrMapping/>
+  </p:clrMapOvr>
+  <p:timing>
+    <p:tnLst>
+      <p:par>
+        <p:cTn id="1" dur="indefinite" restart="never" nodeType="tmRoot"/>
+      </p:par>
+    </p:tnLst>
+  </p:timing>
+</p:sld>
+</file>
+
+<file path=ppt/slides/slide5.xml><?xml version="1.0" encoding="utf-8"?>
+<p:sld xmlns:a="http://schemas.openxmlformats.org/drawingml/2006/main" xmlns:r="http://schemas.openxmlformats.org/officeDocument/2006/relationships" xmlns:p="http://schemas.openxmlformats.org/presentationml/2006/main">
+  <p:cSld>
+    <p:spTree>
+      <p:nvGrpSpPr>
+        <p:cNvPr id="1" name=""/>
+        <p:cNvGrpSpPr/>
+        <p:nvPr/>
+      </p:nvGrpSpPr>
+      <p:grpSpPr>
+        <a:xfrm>
+          <a:off x="0" y="0"/>
+          <a:ext cx="0" cy="0"/>
+          <a:chOff x="0" y="0"/>
+          <a:chExt cx="0" cy="0"/>
+        </a:xfrm>
+      </p:grpSpPr>
+      <p:sp>
+        <p:nvSpPr>
+          <p:cNvPr id="2" name="Title 1"/>
+          <p:cNvSpPr>
+            <a:spLocks noGrp="1"/>
+          </p:cNvSpPr>
+          <p:nvPr>
+            <p:ph type="title"/>
+          </p:nvPr>
+        </p:nvSpPr>
+        <p:spPr>
+          <a:xfrm>
+            <a:off x="838200" y="365125"/>
+            <a:ext cx="10515600" cy="5730875"/>
+          </a:xfrm>
+        </p:spPr>
+        <p:txBody>
+          <a:bodyPr/>
+          <a:lstStyle/>
+          <a:p>
+            <a:pPr algn="ctr"/>
+            <a:r>
+              <a:rPr lang="en-US" sz="13800" dirty="0" smtClean="0"/>
+              <a:t>Thanks</a:t>
+            </a:r>
+            <a:r>
+              <a:rPr lang="en-US" sz="13800" dirty="0" smtClean="0"/>
+              <a:t/>
+            </a:r>
+            <a:br>
+              <a:rPr lang="en-US" sz="13800" dirty="0" smtClean="0"/>
+            </a:br>
+            <a:r>
+              <a:rPr lang="en-US" sz="3200" dirty="0" smtClean="0"/>
+              <a:t>Please fill out class evaluation</a:t>
+            </a:r>
+            <a:endParaRPr lang="en-US" dirty="0"/>
+          </a:p>
+        </p:txBody>
+      </p:sp>
+    </p:spTree>
+    <p:extLst>
+      <p:ext uri="{BB962C8B-B14F-4D97-AF65-F5344CB8AC3E}">
+        <p14:creationId xmlns:p14="http://schemas.microsoft.com/office/powerpoint/2010/main" val="3100417482"/>
+      </p:ext>
+    </p:extLst>
+  </p:cSld>
+  <p:clrMapOvr>
+    <a:masterClrMapping/>
+  </p:clrMapOvr>
+  <p:timing>
+    <p:tnLst>
+      <p:par>
+        <p:cTn id="1" dur="indefinite" restart="never" nodeType="tmRoot"/>
+      </p:par>
+    </p:tnLst>
+  </p:timing>
+</p:sld>
+</file>
+
 <file path=ppt/theme/theme1.xml><?xml version="1.0" encoding="utf-8"?>
 <a:theme xmlns:a="http://schemas.openxmlformats.org/drawingml/2006/main" name="Office Theme">
   <a:themeElements>

--- a/Part_01/Section03.pptx
+++ b/Part_01/Section03.pptx
@@ -7,9 +7,12 @@
   <p:sldIdLst>
     <p:sldId id="259" r:id="rId2"/>
     <p:sldId id="260" r:id="rId3"/>
-    <p:sldId id="256" r:id="rId4"/>
-    <p:sldId id="257" r:id="rId5"/>
-    <p:sldId id="258" r:id="rId6"/>
+    <p:sldId id="261" r:id="rId4"/>
+    <p:sldId id="262" r:id="rId5"/>
+    <p:sldId id="256" r:id="rId6"/>
+    <p:sldId id="257" r:id="rId7"/>
+    <p:sldId id="263" r:id="rId8"/>
+    <p:sldId id="258" r:id="rId9"/>
   </p:sldIdLst>
   <p:sldSz cx="12192000" cy="6858000"/>
   <p:notesSz cx="6858000" cy="9144000"/>
@@ -3023,11 +3026,7 @@
           <a:p>
             <a:r>
               <a:rPr lang="en-US" sz="2000" dirty="0" smtClean="0"/>
-              <a:t>Section </a:t>
-            </a:r>
-            <a:r>
-              <a:rPr lang="en-US" sz="2000" dirty="0" smtClean="0"/>
-              <a:t>3</a:t>
+              <a:t>Section 3</a:t>
             </a:r>
             <a:endParaRPr lang="en-US" sz="2000" dirty="0"/>
           </a:p>
@@ -3176,6 +3175,32 @@
               <a:rPr lang="en-US" dirty="0" smtClean="0"/>
               <a:t>Questions</a:t>
             </a:r>
+          </a:p>
+          <a:p>
+            <a:pPr lvl="1"/>
+            <a:r>
+              <a:rPr lang="en-US" dirty="0" smtClean="0"/>
+              <a:t>Class </a:t>
+            </a:r>
+            <a:r>
+              <a:rPr lang="en-US" dirty="0"/>
+              <a:t>files and slide </a:t>
+            </a:r>
+            <a:r>
+              <a:rPr lang="en-US" dirty="0" smtClean="0"/>
+              <a:t>deck</a:t>
+            </a:r>
+          </a:p>
+          <a:p>
+            <a:pPr lvl="1"/>
+            <a:r>
+              <a:rPr lang="en-US" smtClean="0"/>
+              <a:t>Feedback</a:t>
+            </a:r>
+            <a:endParaRPr lang="en-US" dirty="0"/>
+          </a:p>
+          <a:p>
+            <a:pPr lvl="1"/>
             <a:endParaRPr lang="en-US" dirty="0" smtClean="0"/>
           </a:p>
         </p:txBody>
@@ -3227,6 +3252,150 @@
             <p:ph type="title"/>
           </p:nvPr>
         </p:nvSpPr>
+        <p:spPr/>
+        <p:txBody>
+          <a:bodyPr/>
+          <a:lstStyle/>
+          <a:p>
+            <a:r>
+              <a:rPr lang="en-US" dirty="0" smtClean="0"/>
+              <a:t>Build and Capture</a:t>
+            </a:r>
+            <a:endParaRPr lang="en-US" dirty="0"/>
+          </a:p>
+        </p:txBody>
+      </p:sp>
+      <p:sp>
+        <p:nvSpPr>
+          <p:cNvPr id="3" name="Content Placeholder 2"/>
+          <p:cNvSpPr>
+            <a:spLocks noGrp="1"/>
+          </p:cNvSpPr>
+          <p:nvPr>
+            <p:ph idx="1"/>
+          </p:nvPr>
+        </p:nvSpPr>
+        <p:spPr/>
+        <p:txBody>
+          <a:bodyPr/>
+          <a:lstStyle/>
+          <a:p>
+            <a:endParaRPr lang="en-US"/>
+          </a:p>
+        </p:txBody>
+      </p:sp>
+    </p:spTree>
+    <p:extLst>
+      <p:ext uri="{BB962C8B-B14F-4D97-AF65-F5344CB8AC3E}">
+        <p14:creationId xmlns:p14="http://schemas.microsoft.com/office/powerpoint/2010/main" val="1850980228"/>
+      </p:ext>
+    </p:extLst>
+  </p:cSld>
+  <p:clrMapOvr>
+    <a:masterClrMapping/>
+  </p:clrMapOvr>
+</p:sld>
+</file>
+
+<file path=ppt/slides/slide4.xml><?xml version="1.0" encoding="utf-8"?>
+<p:sld xmlns:a="http://schemas.openxmlformats.org/drawingml/2006/main" xmlns:r="http://schemas.openxmlformats.org/officeDocument/2006/relationships" xmlns:p="http://schemas.openxmlformats.org/presentationml/2006/main">
+  <p:cSld>
+    <p:spTree>
+      <p:nvGrpSpPr>
+        <p:cNvPr id="1" name=""/>
+        <p:cNvGrpSpPr/>
+        <p:nvPr/>
+      </p:nvGrpSpPr>
+      <p:grpSpPr>
+        <a:xfrm>
+          <a:off x="0" y="0"/>
+          <a:ext cx="0" cy="0"/>
+          <a:chOff x="0" y="0"/>
+          <a:chExt cx="0" cy="0"/>
+        </a:xfrm>
+      </p:grpSpPr>
+      <p:sp>
+        <p:nvSpPr>
+          <p:cNvPr id="2" name="Title 1"/>
+          <p:cNvSpPr>
+            <a:spLocks noGrp="1"/>
+          </p:cNvSpPr>
+          <p:nvPr>
+            <p:ph type="title"/>
+          </p:nvPr>
+        </p:nvSpPr>
+        <p:spPr/>
+        <p:txBody>
+          <a:bodyPr/>
+          <a:lstStyle/>
+          <a:p>
+            <a:r>
+              <a:rPr lang="en-US" dirty="0" smtClean="0"/>
+              <a:t>Image Factory</a:t>
+            </a:r>
+            <a:endParaRPr lang="en-US" dirty="0"/>
+          </a:p>
+        </p:txBody>
+      </p:sp>
+      <p:sp>
+        <p:nvSpPr>
+          <p:cNvPr id="3" name="Content Placeholder 2"/>
+          <p:cNvSpPr>
+            <a:spLocks noGrp="1"/>
+          </p:cNvSpPr>
+          <p:nvPr>
+            <p:ph idx="1"/>
+          </p:nvPr>
+        </p:nvSpPr>
+        <p:spPr/>
+        <p:txBody>
+          <a:bodyPr/>
+          <a:lstStyle/>
+          <a:p>
+            <a:endParaRPr lang="en-US"/>
+          </a:p>
+        </p:txBody>
+      </p:sp>
+    </p:spTree>
+    <p:extLst>
+      <p:ext uri="{BB962C8B-B14F-4D97-AF65-F5344CB8AC3E}">
+        <p14:creationId xmlns:p14="http://schemas.microsoft.com/office/powerpoint/2010/main" val="2306027015"/>
+      </p:ext>
+    </p:extLst>
+  </p:cSld>
+  <p:clrMapOvr>
+    <a:masterClrMapping/>
+  </p:clrMapOvr>
+</p:sld>
+</file>
+
+<file path=ppt/slides/slide5.xml><?xml version="1.0" encoding="utf-8"?>
+<p:sld xmlns:a="http://schemas.openxmlformats.org/drawingml/2006/main" xmlns:r="http://schemas.openxmlformats.org/officeDocument/2006/relationships" xmlns:p="http://schemas.openxmlformats.org/presentationml/2006/main">
+  <p:cSld>
+    <p:spTree>
+      <p:nvGrpSpPr>
+        <p:cNvPr id="1" name=""/>
+        <p:cNvGrpSpPr/>
+        <p:nvPr/>
+      </p:nvGrpSpPr>
+      <p:grpSpPr>
+        <a:xfrm>
+          <a:off x="0" y="0"/>
+          <a:ext cx="0" cy="0"/>
+          <a:chOff x="0" y="0"/>
+          <a:chExt cx="0" cy="0"/>
+        </a:xfrm>
+      </p:grpSpPr>
+      <p:sp>
+        <p:nvSpPr>
+          <p:cNvPr id="2" name="Title 1"/>
+          <p:cNvSpPr>
+            <a:spLocks noGrp="1"/>
+          </p:cNvSpPr>
+          <p:nvPr>
+            <p:ph type="title"/>
+          </p:nvPr>
+        </p:nvSpPr>
         <p:spPr>
           <a:xfrm>
             <a:off x="838200" y="365125"/>
@@ -3268,7 +3437,7 @@
 </p:sld>
 </file>
 
-<file path=ppt/slides/slide4.xml><?xml version="1.0" encoding="utf-8"?>
+<file path=ppt/slides/slide6.xml><?xml version="1.0" encoding="utf-8"?>
 <p:sld xmlns:a="http://schemas.openxmlformats.org/drawingml/2006/main" xmlns:r="http://schemas.openxmlformats.org/officeDocument/2006/relationships" xmlns:p="http://schemas.openxmlformats.org/presentationml/2006/main">
   <p:cSld>
     <p:spTree>
@@ -3336,7 +3505,7 @@
 </p:sld>
 </file>
 
-<file path=ppt/slides/slide5.xml><?xml version="1.0" encoding="utf-8"?>
+<file path=ppt/slides/slide7.xml><?xml version="1.0" encoding="utf-8"?>
 <p:sld xmlns:a="http://schemas.openxmlformats.org/drawingml/2006/main" xmlns:r="http://schemas.openxmlformats.org/officeDocument/2006/relationships" xmlns:p="http://schemas.openxmlformats.org/presentationml/2006/main">
   <p:cSld>
     <p:spTree>
@@ -3363,6 +3532,160 @@
             <p:ph type="title"/>
           </p:nvPr>
         </p:nvSpPr>
+        <p:spPr/>
+        <p:txBody>
+          <a:bodyPr/>
+          <a:lstStyle/>
+          <a:p>
+            <a:r>
+              <a:rPr lang="en-US" dirty="0" smtClean="0"/>
+              <a:t>Class files and slide deck</a:t>
+            </a:r>
+            <a:endParaRPr lang="en-US" dirty="0"/>
+          </a:p>
+        </p:txBody>
+      </p:sp>
+      <p:sp>
+        <p:nvSpPr>
+          <p:cNvPr id="3" name="Content Placeholder 2"/>
+          <p:cNvSpPr>
+            <a:spLocks noGrp="1"/>
+          </p:cNvSpPr>
+          <p:nvPr>
+            <p:ph idx="1"/>
+          </p:nvPr>
+        </p:nvSpPr>
+        <p:spPr/>
+        <p:txBody>
+          <a:bodyPr/>
+          <a:lstStyle/>
+          <a:p>
+            <a:r>
+              <a:rPr lang="en-US" dirty="0" smtClean="0"/>
+              <a:t>All the files used for class and slide deck can be found on my GitHub account.</a:t>
+            </a:r>
+          </a:p>
+          <a:p>
+            <a:r>
+              <a:rPr lang="en-US" dirty="0">
+                <a:hlinkClick r:id="rId2"/>
+              </a:rPr>
+              <a:t>https://</a:t>
+            </a:r>
+            <a:r>
+              <a:rPr lang="en-US" dirty="0" smtClean="0">
+                <a:hlinkClick r:id="rId2"/>
+              </a:rPr>
+              <a:t>github.com/jryanwall/HECC-2018</a:t>
+            </a:r>
+            <a:endParaRPr lang="en-US" dirty="0" smtClean="0"/>
+          </a:p>
+          <a:p>
+            <a:r>
+              <a:rPr lang="en-US" dirty="0" smtClean="0"/>
+              <a:t>If you don’t find something or have questions shoot me an email or hit me up on Twitter</a:t>
+            </a:r>
+          </a:p>
+          <a:p>
+            <a:pPr lvl="1"/>
+            <a:r>
+              <a:rPr lang="en-US" dirty="0" smtClean="0">
+                <a:hlinkClick r:id="rId3"/>
+              </a:rPr>
+              <a:t>rwall@hccsc.k12.in.us</a:t>
+            </a:r>
+            <a:endParaRPr lang="en-US" dirty="0" smtClean="0"/>
+          </a:p>
+          <a:p>
+            <a:pPr lvl="1"/>
+            <a:r>
+              <a:rPr lang="en-US" dirty="0" smtClean="0">
+                <a:hlinkClick r:id="rId4"/>
+              </a:rPr>
+              <a:t>@</a:t>
+            </a:r>
+            <a:r>
+              <a:rPr lang="en-US" dirty="0" err="1" smtClean="0">
+                <a:hlinkClick r:id="rId4"/>
+              </a:rPr>
+              <a:t>JRyanWall</a:t>
+            </a:r>
+            <a:endParaRPr lang="en-US" dirty="0" smtClean="0"/>
+          </a:p>
+          <a:p>
+            <a:pPr lvl="1"/>
+            <a:endParaRPr lang="en-US" dirty="0"/>
+          </a:p>
+          <a:p>
+            <a:r>
+              <a:rPr lang="en-US" dirty="0" smtClean="0"/>
+              <a:t>I also have a list on Twitter of related to OSD</a:t>
+            </a:r>
+          </a:p>
+          <a:p>
+            <a:pPr lvl="1"/>
+            <a:r>
+              <a:rPr lang="en-US" dirty="0">
+                <a:hlinkClick r:id="rId5"/>
+              </a:rPr>
+              <a:t>https://</a:t>
+            </a:r>
+            <a:r>
+              <a:rPr lang="en-US" dirty="0" smtClean="0">
+                <a:hlinkClick r:id="rId5"/>
+              </a:rPr>
+              <a:t>twitter.com/jryanwall/lists/deployment</a:t>
+            </a:r>
+            <a:endParaRPr lang="en-US" dirty="0" smtClean="0"/>
+          </a:p>
+          <a:p>
+            <a:pPr marL="457200" lvl="1" indent="0">
+              <a:buNone/>
+            </a:pPr>
+            <a:endParaRPr lang="en-US" dirty="0"/>
+          </a:p>
+        </p:txBody>
+      </p:sp>
+    </p:spTree>
+    <p:extLst>
+      <p:ext uri="{BB962C8B-B14F-4D97-AF65-F5344CB8AC3E}">
+        <p14:creationId xmlns:p14="http://schemas.microsoft.com/office/powerpoint/2010/main" val="2550038910"/>
+      </p:ext>
+    </p:extLst>
+  </p:cSld>
+  <p:clrMapOvr>
+    <a:masterClrMapping/>
+  </p:clrMapOvr>
+</p:sld>
+</file>
+
+<file path=ppt/slides/slide8.xml><?xml version="1.0" encoding="utf-8"?>
+<p:sld xmlns:a="http://schemas.openxmlformats.org/drawingml/2006/main" xmlns:r="http://schemas.openxmlformats.org/officeDocument/2006/relationships" xmlns:p="http://schemas.openxmlformats.org/presentationml/2006/main">
+  <p:cSld>
+    <p:spTree>
+      <p:nvGrpSpPr>
+        <p:cNvPr id="1" name=""/>
+        <p:cNvGrpSpPr/>
+        <p:nvPr/>
+      </p:nvGrpSpPr>
+      <p:grpSpPr>
+        <a:xfrm>
+          <a:off x="0" y="0"/>
+          <a:ext cx="0" cy="0"/>
+          <a:chOff x="0" y="0"/>
+          <a:chExt cx="0" cy="0"/>
+        </a:xfrm>
+      </p:grpSpPr>
+      <p:sp>
+        <p:nvSpPr>
+          <p:cNvPr id="2" name="Title 1"/>
+          <p:cNvSpPr>
+            <a:spLocks noGrp="1"/>
+          </p:cNvSpPr>
+          <p:nvPr>
+            <p:ph type="title"/>
+          </p:nvPr>
+        </p:nvSpPr>
         <p:spPr>
           <a:xfrm>
             <a:off x="838200" y="365125"/>
@@ -3377,10 +3700,6 @@
             <a:r>
               <a:rPr lang="en-US" sz="13800" dirty="0" smtClean="0"/>
               <a:t>Thanks</a:t>
-            </a:r>
-            <a:r>
-              <a:rPr lang="en-US" sz="13800" dirty="0" smtClean="0"/>
-              <a:t/>
             </a:r>
             <a:br>
               <a:rPr lang="en-US" sz="13800" dirty="0" smtClean="0"/>

--- a/Part_01/Section03.pptx
+++ b/Part_01/Section03.pptx
@@ -8,11 +8,13 @@
     <p:sldId id="259" r:id="rId2"/>
     <p:sldId id="260" r:id="rId3"/>
     <p:sldId id="261" r:id="rId4"/>
-    <p:sldId id="262" r:id="rId5"/>
-    <p:sldId id="256" r:id="rId6"/>
-    <p:sldId id="257" r:id="rId7"/>
-    <p:sldId id="263" r:id="rId8"/>
-    <p:sldId id="258" r:id="rId9"/>
+    <p:sldId id="265" r:id="rId5"/>
+    <p:sldId id="264" r:id="rId6"/>
+    <p:sldId id="262" r:id="rId7"/>
+    <p:sldId id="256" r:id="rId8"/>
+    <p:sldId id="257" r:id="rId9"/>
+    <p:sldId id="263" r:id="rId10"/>
+    <p:sldId id="258" r:id="rId11"/>
   </p:sldIdLst>
   <p:sldSz cx="12192000" cy="6858000"/>
   <p:notesSz cx="6858000" cy="9144000"/>
@@ -3052,6 +3054,79 @@
 </p:sld>
 </file>
 
+<file path=ppt/slides/slide10.xml><?xml version="1.0" encoding="utf-8"?>
+<p:sld xmlns:a="http://schemas.openxmlformats.org/drawingml/2006/main" xmlns:r="http://schemas.openxmlformats.org/officeDocument/2006/relationships" xmlns:p="http://schemas.openxmlformats.org/presentationml/2006/main">
+  <p:cSld>
+    <p:spTree>
+      <p:nvGrpSpPr>
+        <p:cNvPr id="1" name=""/>
+        <p:cNvGrpSpPr/>
+        <p:nvPr/>
+      </p:nvGrpSpPr>
+      <p:grpSpPr>
+        <a:xfrm>
+          <a:off x="0" y="0"/>
+          <a:ext cx="0" cy="0"/>
+          <a:chOff x="0" y="0"/>
+          <a:chExt cx="0" cy="0"/>
+        </a:xfrm>
+      </p:grpSpPr>
+      <p:sp>
+        <p:nvSpPr>
+          <p:cNvPr id="2" name="Title 1"/>
+          <p:cNvSpPr>
+            <a:spLocks noGrp="1"/>
+          </p:cNvSpPr>
+          <p:nvPr>
+            <p:ph type="title"/>
+          </p:nvPr>
+        </p:nvSpPr>
+        <p:spPr>
+          <a:xfrm>
+            <a:off x="838200" y="365125"/>
+            <a:ext cx="10515600" cy="5730875"/>
+          </a:xfrm>
+        </p:spPr>
+        <p:txBody>
+          <a:bodyPr/>
+          <a:lstStyle/>
+          <a:p>
+            <a:pPr algn="ctr"/>
+            <a:r>
+              <a:rPr lang="en-US" sz="13800" dirty="0" smtClean="0"/>
+              <a:t>Thanks</a:t>
+            </a:r>
+            <a:br>
+              <a:rPr lang="en-US" sz="13800" dirty="0" smtClean="0"/>
+            </a:br>
+            <a:r>
+              <a:rPr lang="en-US" sz="3200" dirty="0" smtClean="0"/>
+              <a:t>Please fill out class evaluation</a:t>
+            </a:r>
+            <a:endParaRPr lang="en-US" dirty="0"/>
+          </a:p>
+        </p:txBody>
+      </p:sp>
+    </p:spTree>
+    <p:extLst>
+      <p:ext uri="{BB962C8B-B14F-4D97-AF65-F5344CB8AC3E}">
+        <p14:creationId xmlns:p14="http://schemas.microsoft.com/office/powerpoint/2010/main" val="3100417482"/>
+      </p:ext>
+    </p:extLst>
+  </p:cSld>
+  <p:clrMapOvr>
+    <a:masterClrMapping/>
+  </p:clrMapOvr>
+  <p:timing>
+    <p:tnLst>
+      <p:par>
+        <p:cTn id="1" dur="indefinite" restart="never" nodeType="tmRoot"/>
+      </p:par>
+    </p:tnLst>
+  </p:timing>
+</p:sld>
+</file>
+
 <file path=ppt/slides/slide2.xml><?xml version="1.0" encoding="utf-8"?>
 <p:sld xmlns:a="http://schemas.openxmlformats.org/drawingml/2006/main" xmlns:r="http://schemas.openxmlformats.org/officeDocument/2006/relationships" xmlns:p="http://schemas.openxmlformats.org/presentationml/2006/main">
   <p:cSld>
@@ -3280,10 +3355,134 @@
           <a:bodyPr/>
           <a:lstStyle/>
           <a:p>
-            <a:endParaRPr lang="en-US"/>
-          </a:p>
-        </p:txBody>
-      </p:sp>
+            <a:r>
+              <a:rPr lang="en-US" dirty="0" smtClean="0"/>
+              <a:t>Configure WinPE settings</a:t>
+            </a:r>
+            <a:endParaRPr lang="en-US" dirty="0"/>
+          </a:p>
+        </p:txBody>
+      </p:sp>
+      <p:pic>
+        <p:nvPicPr>
+          <p:cNvPr id="5" name="Picture 4"/>
+          <p:cNvPicPr>
+            <a:picLocks noChangeAspect="1"/>
+          </p:cNvPicPr>
+          <p:nvPr/>
+        </p:nvPicPr>
+        <p:blipFill>
+          <a:blip r:embed="rId2"/>
+          <a:stretch>
+            <a:fillRect/>
+          </a:stretch>
+        </p:blipFill>
+        <p:spPr>
+          <a:xfrm>
+            <a:off x="5619236" y="2153787"/>
+            <a:ext cx="5852996" cy="3468442"/>
+          </a:xfrm>
+          <a:prstGeom prst="rect">
+            <a:avLst/>
+          </a:prstGeom>
+        </p:spPr>
+      </p:pic>
+      <p:pic>
+        <p:nvPicPr>
+          <p:cNvPr id="9" name="Picture 8"/>
+          <p:cNvPicPr>
+            <a:picLocks noChangeAspect="1"/>
+          </p:cNvPicPr>
+          <p:nvPr/>
+        </p:nvPicPr>
+        <p:blipFill>
+          <a:blip r:embed="rId3"/>
+          <a:stretch>
+            <a:fillRect/>
+          </a:stretch>
+        </p:blipFill>
+        <p:spPr>
+          <a:xfrm>
+            <a:off x="5284067" y="1173722"/>
+            <a:ext cx="6523334" cy="5428572"/>
+          </a:xfrm>
+          <a:prstGeom prst="rect">
+            <a:avLst/>
+          </a:prstGeom>
+        </p:spPr>
+      </p:pic>
+      <p:pic>
+        <p:nvPicPr>
+          <p:cNvPr id="10" name="Picture 9"/>
+          <p:cNvPicPr>
+            <a:picLocks noChangeAspect="1"/>
+          </p:cNvPicPr>
+          <p:nvPr/>
+        </p:nvPicPr>
+        <p:blipFill>
+          <a:blip r:embed="rId4"/>
+          <a:stretch>
+            <a:fillRect/>
+          </a:stretch>
+        </p:blipFill>
+        <p:spPr>
+          <a:xfrm>
+            <a:off x="5284067" y="1173722"/>
+            <a:ext cx="6523334" cy="5428572"/>
+          </a:xfrm>
+          <a:prstGeom prst="rect">
+            <a:avLst/>
+          </a:prstGeom>
+        </p:spPr>
+      </p:pic>
+      <p:pic>
+        <p:nvPicPr>
+          <p:cNvPr id="11" name="Picture 10"/>
+          <p:cNvPicPr>
+            <a:picLocks noChangeAspect="1"/>
+          </p:cNvPicPr>
+          <p:nvPr/>
+        </p:nvPicPr>
+        <p:blipFill>
+          <a:blip r:embed="rId5"/>
+          <a:stretch>
+            <a:fillRect/>
+          </a:stretch>
+        </p:blipFill>
+        <p:spPr>
+          <a:xfrm>
+            <a:off x="5284067" y="1173722"/>
+            <a:ext cx="6523334" cy="5428572"/>
+          </a:xfrm>
+          <a:prstGeom prst="rect">
+            <a:avLst/>
+          </a:prstGeom>
+        </p:spPr>
+      </p:pic>
+      <p:pic>
+        <p:nvPicPr>
+          <p:cNvPr id="12" name="Picture 11"/>
+          <p:cNvPicPr>
+            <a:picLocks noChangeAspect="1"/>
+          </p:cNvPicPr>
+          <p:nvPr/>
+        </p:nvPicPr>
+        <p:blipFill>
+          <a:blip r:embed="rId6"/>
+          <a:stretch>
+            <a:fillRect/>
+          </a:stretch>
+        </p:blipFill>
+        <p:spPr>
+          <a:xfrm>
+            <a:off x="5284067" y="1173722"/>
+            <a:ext cx="6523334" cy="5428572"/>
+          </a:xfrm>
+          <a:prstGeom prst="rect">
+            <a:avLst/>
+          </a:prstGeom>
+        </p:spPr>
+      </p:pic>
     </p:spTree>
     <p:extLst>
       <p:ext uri="{BB962C8B-B14F-4D97-AF65-F5344CB8AC3E}">
@@ -3294,6 +3493,216 @@
   <p:clrMapOvr>
     <a:masterClrMapping/>
   </p:clrMapOvr>
+  <p:timing>
+    <p:tnLst>
+      <p:par>
+        <p:cTn id="1" dur="indefinite" restart="never" nodeType="tmRoot">
+          <p:childTnLst>
+            <p:seq concurrent="1" nextAc="seek">
+              <p:cTn id="2" dur="indefinite" nodeType="mainSeq">
+                <p:childTnLst>
+                  <p:par>
+                    <p:cTn id="3" fill="hold">
+                      <p:stCondLst>
+                        <p:cond delay="indefinite"/>
+                      </p:stCondLst>
+                      <p:childTnLst>
+                        <p:par>
+                          <p:cTn id="4" fill="hold">
+                            <p:stCondLst>
+                              <p:cond delay="0"/>
+                            </p:stCondLst>
+                            <p:childTnLst>
+                              <p:par>
+                                <p:cTn id="5" presetID="1" presetClass="entr" presetSubtype="0" fill="hold" nodeType="clickEffect">
+                                  <p:stCondLst>
+                                    <p:cond delay="0"/>
+                                  </p:stCondLst>
+                                  <p:childTnLst>
+                                    <p:set>
+                                      <p:cBhvr>
+                                        <p:cTn id="6" dur="1" fill="hold">
+                                          <p:stCondLst>
+                                            <p:cond delay="0"/>
+                                          </p:stCondLst>
+                                        </p:cTn>
+                                        <p:tgtEl>
+                                          <p:spTgt spid="9"/>
+                                        </p:tgtEl>
+                                        <p:attrNameLst>
+                                          <p:attrName>style.visibility</p:attrName>
+                                        </p:attrNameLst>
+                                      </p:cBhvr>
+                                      <p:to>
+                                        <p:strVal val="visible"/>
+                                      </p:to>
+                                    </p:set>
+                                  </p:childTnLst>
+                                </p:cTn>
+                              </p:par>
+                            </p:childTnLst>
+                          </p:cTn>
+                        </p:par>
+                      </p:childTnLst>
+                    </p:cTn>
+                  </p:par>
+                  <p:par>
+                    <p:cTn id="7" fill="hold">
+                      <p:stCondLst>
+                        <p:cond delay="indefinite"/>
+                      </p:stCondLst>
+                      <p:childTnLst>
+                        <p:par>
+                          <p:cTn id="8" fill="hold">
+                            <p:stCondLst>
+                              <p:cond delay="0"/>
+                            </p:stCondLst>
+                            <p:childTnLst>
+                              <p:par>
+                                <p:cTn id="9" presetID="1" presetClass="entr" presetSubtype="0" fill="hold" nodeType="clickEffect">
+                                  <p:stCondLst>
+                                    <p:cond delay="0"/>
+                                  </p:stCondLst>
+                                  <p:childTnLst>
+                                    <p:set>
+                                      <p:cBhvr>
+                                        <p:cTn id="10" dur="1" fill="hold">
+                                          <p:stCondLst>
+                                            <p:cond delay="0"/>
+                                          </p:stCondLst>
+                                        </p:cTn>
+                                        <p:tgtEl>
+                                          <p:spTgt spid="10"/>
+                                        </p:tgtEl>
+                                        <p:attrNameLst>
+                                          <p:attrName>style.visibility</p:attrName>
+                                        </p:attrNameLst>
+                                      </p:cBhvr>
+                                      <p:to>
+                                        <p:strVal val="visible"/>
+                                      </p:to>
+                                    </p:set>
+                                  </p:childTnLst>
+                                </p:cTn>
+                              </p:par>
+                            </p:childTnLst>
+                          </p:cTn>
+                        </p:par>
+                      </p:childTnLst>
+                    </p:cTn>
+                  </p:par>
+                  <p:par>
+                    <p:cTn id="11" fill="hold">
+                      <p:stCondLst>
+                        <p:cond delay="indefinite"/>
+                      </p:stCondLst>
+                      <p:childTnLst>
+                        <p:par>
+                          <p:cTn id="12" fill="hold">
+                            <p:stCondLst>
+                              <p:cond delay="0"/>
+                            </p:stCondLst>
+                            <p:childTnLst>
+                              <p:par>
+                                <p:cTn id="13" presetID="1" presetClass="entr" presetSubtype="0" fill="hold" nodeType="clickEffect">
+                                  <p:stCondLst>
+                                    <p:cond delay="0"/>
+                                  </p:stCondLst>
+                                  <p:childTnLst>
+                                    <p:set>
+                                      <p:cBhvr>
+                                        <p:cTn id="14" dur="1" fill="hold">
+                                          <p:stCondLst>
+                                            <p:cond delay="0"/>
+                                          </p:stCondLst>
+                                        </p:cTn>
+                                        <p:tgtEl>
+                                          <p:spTgt spid="11"/>
+                                        </p:tgtEl>
+                                        <p:attrNameLst>
+                                          <p:attrName>style.visibility</p:attrName>
+                                        </p:attrNameLst>
+                                      </p:cBhvr>
+                                      <p:to>
+                                        <p:strVal val="visible"/>
+                                      </p:to>
+                                    </p:set>
+                                  </p:childTnLst>
+                                </p:cTn>
+                              </p:par>
+                            </p:childTnLst>
+                          </p:cTn>
+                        </p:par>
+                      </p:childTnLst>
+                    </p:cTn>
+                  </p:par>
+                  <p:par>
+                    <p:cTn id="15" fill="hold">
+                      <p:stCondLst>
+                        <p:cond delay="indefinite"/>
+                      </p:stCondLst>
+                      <p:childTnLst>
+                        <p:par>
+                          <p:cTn id="16" fill="hold">
+                            <p:stCondLst>
+                              <p:cond delay="0"/>
+                            </p:stCondLst>
+                            <p:childTnLst>
+                              <p:par>
+                                <p:cTn id="17" presetID="1" presetClass="entr" presetSubtype="0" fill="hold" nodeType="clickEffect">
+                                  <p:stCondLst>
+                                    <p:cond delay="0"/>
+                                  </p:stCondLst>
+                                  <p:childTnLst>
+                                    <p:set>
+                                      <p:cBhvr>
+                                        <p:cTn id="18" dur="1" fill="hold">
+                                          <p:stCondLst>
+                                            <p:cond delay="0"/>
+                                          </p:stCondLst>
+                                        </p:cTn>
+                                        <p:tgtEl>
+                                          <p:spTgt spid="12"/>
+                                        </p:tgtEl>
+                                        <p:attrNameLst>
+                                          <p:attrName>style.visibility</p:attrName>
+                                        </p:attrNameLst>
+                                      </p:cBhvr>
+                                      <p:to>
+                                        <p:strVal val="visible"/>
+                                      </p:to>
+                                    </p:set>
+                                  </p:childTnLst>
+                                </p:cTn>
+                              </p:par>
+                            </p:childTnLst>
+                          </p:cTn>
+                        </p:par>
+                      </p:childTnLst>
+                    </p:cTn>
+                  </p:par>
+                </p:childTnLst>
+              </p:cTn>
+              <p:prevCondLst>
+                <p:cond evt="onPrev" delay="0">
+                  <p:tgtEl>
+                    <p:sldTgt/>
+                  </p:tgtEl>
+                </p:cond>
+              </p:prevCondLst>
+              <p:nextCondLst>
+                <p:cond evt="onNext" delay="0">
+                  <p:tgtEl>
+                    <p:sldTgt/>
+                  </p:tgtEl>
+                </p:cond>
+              </p:nextCondLst>
+            </p:seq>
+          </p:childTnLst>
+        </p:cTn>
+      </p:par>
+    </p:tnLst>
+  </p:timing>
 </p:sld>
 </file>
 
@@ -3331,7 +3740,7 @@
           <a:p>
             <a:r>
               <a:rPr lang="en-US" dirty="0" smtClean="0"/>
-              <a:t>Image Factory</a:t>
+              <a:t>Build and Capture</a:t>
             </a:r>
             <a:endParaRPr lang="en-US" dirty="0"/>
           </a:p>
@@ -3352,20 +3761,55 @@
           <a:bodyPr/>
           <a:lstStyle/>
           <a:p>
-            <a:endParaRPr lang="en-US"/>
-          </a:p>
-        </p:txBody>
-      </p:sp>
+            <a:r>
+              <a:rPr lang="en-US" dirty="0" smtClean="0"/>
+              <a:t>After all changes are made update deployment share</a:t>
+            </a:r>
+            <a:endParaRPr lang="en-US" dirty="0"/>
+          </a:p>
+        </p:txBody>
+      </p:sp>
+      <p:pic>
+        <p:nvPicPr>
+          <p:cNvPr id="4" name="Picture 3"/>
+          <p:cNvPicPr>
+            <a:picLocks noChangeAspect="1"/>
+          </p:cNvPicPr>
+          <p:nvPr/>
+        </p:nvPicPr>
+        <p:blipFill>
+          <a:blip r:embed="rId2"/>
+          <a:stretch>
+            <a:fillRect/>
+          </a:stretch>
+        </p:blipFill>
+        <p:spPr>
+          <a:xfrm>
+            <a:off x="2055794" y="2726711"/>
+            <a:ext cx="7368863" cy="3450252"/>
+          </a:xfrm>
+          <a:prstGeom prst="rect">
+            <a:avLst/>
+          </a:prstGeom>
+        </p:spPr>
+      </p:pic>
     </p:spTree>
     <p:extLst>
       <p:ext uri="{BB962C8B-B14F-4D97-AF65-F5344CB8AC3E}">
-        <p14:creationId xmlns:p14="http://schemas.microsoft.com/office/powerpoint/2010/main" val="2306027015"/>
+        <p14:creationId xmlns:p14="http://schemas.microsoft.com/office/powerpoint/2010/main" val="3317072469"/>
       </p:ext>
     </p:extLst>
   </p:cSld>
   <p:clrMapOvr>
     <a:masterClrMapping/>
   </p:clrMapOvr>
+  <p:timing>
+    <p:tnLst>
+      <p:par>
+        <p:cTn id="1" dur="indefinite" restart="never" nodeType="tmRoot"/>
+      </p:par>
+    </p:tnLst>
+  </p:timing>
 </p:sld>
 </file>
 
@@ -3396,31 +3840,83 @@
             <p:ph type="title"/>
           </p:nvPr>
         </p:nvSpPr>
-        <p:spPr>
-          <a:xfrm>
-            <a:off x="838200" y="365125"/>
-            <a:ext cx="10515600" cy="5461934"/>
-          </a:xfrm>
-        </p:spPr>
-        <p:txBody>
-          <a:bodyPr>
-            <a:normAutofit/>
-          </a:bodyPr>
-          <a:lstStyle/>
-          <a:p>
-            <a:pPr algn="ctr"/>
-            <a:r>
-              <a:rPr lang="en-US" sz="16600" dirty="0" smtClean="0"/>
-              <a:t>Demo</a:t>
-            </a:r>
-            <a:endParaRPr lang="en-US" sz="16600" dirty="0"/>
+        <p:spPr/>
+        <p:txBody>
+          <a:bodyPr/>
+          <a:lstStyle/>
+          <a:p>
+            <a:r>
+              <a:rPr lang="en-US" dirty="0"/>
+              <a:t>Build and Capture</a:t>
+            </a:r>
+          </a:p>
+        </p:txBody>
+      </p:sp>
+      <p:sp>
+        <p:nvSpPr>
+          <p:cNvPr id="3" name="Content Placeholder 2"/>
+          <p:cNvSpPr>
+            <a:spLocks noGrp="1"/>
+          </p:cNvSpPr>
+          <p:nvPr>
+            <p:ph idx="1"/>
+          </p:nvPr>
+        </p:nvSpPr>
+        <p:spPr/>
+        <p:txBody>
+          <a:bodyPr/>
+          <a:lstStyle/>
+          <a:p>
+            <a:r>
+              <a:rPr lang="en-US" dirty="0" smtClean="0"/>
+              <a:t>Create a new Hyper-V on build machine</a:t>
+            </a:r>
+          </a:p>
+          <a:p>
+            <a:r>
+              <a:rPr lang="en-US" dirty="0" smtClean="0"/>
+              <a:t>2 Processors makes a big difference</a:t>
+            </a:r>
+          </a:p>
+          <a:p>
+            <a:r>
+              <a:rPr lang="en-US" dirty="0" smtClean="0"/>
+              <a:t>Only need 4 GB of ram</a:t>
+            </a:r>
+          </a:p>
+          <a:p>
+            <a:r>
+              <a:rPr lang="en-US" dirty="0" smtClean="0"/>
+              <a:t>Mount HECC Build Lab x64.iso from %</a:t>
+            </a:r>
+            <a:r>
+              <a:rPr lang="en-US" dirty="0" err="1" smtClean="0"/>
+              <a:t>DeploymentShare</a:t>
+            </a:r>
+            <a:r>
+              <a:rPr lang="en-US" dirty="0" smtClean="0"/>
+              <a:t>%\Boot\</a:t>
+            </a:r>
+          </a:p>
+          <a:p>
+            <a:r>
+              <a:rPr lang="en-US" dirty="0" smtClean="0"/>
+              <a:t>Power on VM </a:t>
+            </a:r>
+          </a:p>
+          <a:p>
+            <a:r>
+              <a:rPr lang="en-US" dirty="0" smtClean="0"/>
+              <a:t>Select you Task Sequence</a:t>
+            </a:r>
+            <a:endParaRPr lang="en-US" dirty="0"/>
           </a:p>
         </p:txBody>
       </p:sp>
     </p:spTree>
     <p:extLst>
       <p:ext uri="{BB962C8B-B14F-4D97-AF65-F5344CB8AC3E}">
-        <p14:creationId xmlns:p14="http://schemas.microsoft.com/office/powerpoint/2010/main" val="1990139637"/>
+        <p14:creationId xmlns:p14="http://schemas.microsoft.com/office/powerpoint/2010/main" val="1144277748"/>
       </p:ext>
     </p:extLst>
   </p:cSld>
@@ -3464,6 +3960,171 @@
             <p:ph type="title"/>
           </p:nvPr>
         </p:nvSpPr>
+        <p:spPr/>
+        <p:txBody>
+          <a:bodyPr/>
+          <a:lstStyle/>
+          <a:p>
+            <a:r>
+              <a:rPr lang="en-US" dirty="0" smtClean="0"/>
+              <a:t>Image Factory</a:t>
+            </a:r>
+            <a:endParaRPr lang="en-US" dirty="0"/>
+          </a:p>
+        </p:txBody>
+      </p:sp>
+      <p:sp>
+        <p:nvSpPr>
+          <p:cNvPr id="3" name="Content Placeholder 2"/>
+          <p:cNvSpPr>
+            <a:spLocks noGrp="1"/>
+          </p:cNvSpPr>
+          <p:nvPr>
+            <p:ph idx="1"/>
+          </p:nvPr>
+        </p:nvSpPr>
+        <p:spPr/>
+        <p:txBody>
+          <a:bodyPr/>
+          <a:lstStyle/>
+          <a:p>
+            <a:r>
+              <a:rPr lang="en-US" dirty="0" smtClean="0"/>
+              <a:t>This is a way to Automate building all of your images</a:t>
+            </a:r>
+          </a:p>
+          <a:p>
+            <a:r>
+              <a:rPr lang="en-US" dirty="0" smtClean="0"/>
+              <a:t>Can be found here</a:t>
+            </a:r>
+          </a:p>
+          <a:p>
+            <a:pPr lvl="1"/>
+            <a:r>
+              <a:rPr lang="en-US" sz="2000" dirty="0">
+                <a:hlinkClick r:id="rId2"/>
+              </a:rPr>
+              <a:t>https://</a:t>
+            </a:r>
+            <a:r>
+              <a:rPr lang="en-US" sz="2000" dirty="0" smtClean="0">
+                <a:hlinkClick r:id="rId2"/>
+              </a:rPr>
+              <a:t>github.com/DeploymentBunny/IMF4</a:t>
+            </a:r>
+            <a:endParaRPr lang="en-US" sz="2000" dirty="0" smtClean="0"/>
+          </a:p>
+        </p:txBody>
+      </p:sp>
+    </p:spTree>
+    <p:extLst>
+      <p:ext uri="{BB962C8B-B14F-4D97-AF65-F5344CB8AC3E}">
+        <p14:creationId xmlns:p14="http://schemas.microsoft.com/office/powerpoint/2010/main" val="2306027015"/>
+      </p:ext>
+    </p:extLst>
+  </p:cSld>
+  <p:clrMapOvr>
+    <a:masterClrMapping/>
+  </p:clrMapOvr>
+</p:sld>
+</file>
+
+<file path=ppt/slides/slide7.xml><?xml version="1.0" encoding="utf-8"?>
+<p:sld xmlns:a="http://schemas.openxmlformats.org/drawingml/2006/main" xmlns:r="http://schemas.openxmlformats.org/officeDocument/2006/relationships" xmlns:p="http://schemas.openxmlformats.org/presentationml/2006/main">
+  <p:cSld>
+    <p:spTree>
+      <p:nvGrpSpPr>
+        <p:cNvPr id="1" name=""/>
+        <p:cNvGrpSpPr/>
+        <p:nvPr/>
+      </p:nvGrpSpPr>
+      <p:grpSpPr>
+        <a:xfrm>
+          <a:off x="0" y="0"/>
+          <a:ext cx="0" cy="0"/>
+          <a:chOff x="0" y="0"/>
+          <a:chExt cx="0" cy="0"/>
+        </a:xfrm>
+      </p:grpSpPr>
+      <p:sp>
+        <p:nvSpPr>
+          <p:cNvPr id="2" name="Title 1"/>
+          <p:cNvSpPr>
+            <a:spLocks noGrp="1"/>
+          </p:cNvSpPr>
+          <p:nvPr>
+            <p:ph type="title"/>
+          </p:nvPr>
+        </p:nvSpPr>
+        <p:spPr>
+          <a:xfrm>
+            <a:off x="838200" y="365125"/>
+            <a:ext cx="10515600" cy="5461934"/>
+          </a:xfrm>
+        </p:spPr>
+        <p:txBody>
+          <a:bodyPr>
+            <a:normAutofit/>
+          </a:bodyPr>
+          <a:lstStyle/>
+          <a:p>
+            <a:pPr algn="ctr"/>
+            <a:r>
+              <a:rPr lang="en-US" sz="16600" dirty="0" smtClean="0"/>
+              <a:t>Demo</a:t>
+            </a:r>
+            <a:endParaRPr lang="en-US" sz="16600" dirty="0"/>
+          </a:p>
+        </p:txBody>
+      </p:sp>
+    </p:spTree>
+    <p:extLst>
+      <p:ext uri="{BB962C8B-B14F-4D97-AF65-F5344CB8AC3E}">
+        <p14:creationId xmlns:p14="http://schemas.microsoft.com/office/powerpoint/2010/main" val="1990139637"/>
+      </p:ext>
+    </p:extLst>
+  </p:cSld>
+  <p:clrMapOvr>
+    <a:masterClrMapping/>
+  </p:clrMapOvr>
+  <p:timing>
+    <p:tnLst>
+      <p:par>
+        <p:cTn id="1" dur="indefinite" restart="never" nodeType="tmRoot"/>
+      </p:par>
+    </p:tnLst>
+  </p:timing>
+</p:sld>
+</file>
+
+<file path=ppt/slides/slide8.xml><?xml version="1.0" encoding="utf-8"?>
+<p:sld xmlns:a="http://schemas.openxmlformats.org/drawingml/2006/main" xmlns:r="http://schemas.openxmlformats.org/officeDocument/2006/relationships" xmlns:p="http://schemas.openxmlformats.org/presentationml/2006/main">
+  <p:cSld>
+    <p:spTree>
+      <p:nvGrpSpPr>
+        <p:cNvPr id="1" name=""/>
+        <p:cNvGrpSpPr/>
+        <p:nvPr/>
+      </p:nvGrpSpPr>
+      <p:grpSpPr>
+        <a:xfrm>
+          <a:off x="0" y="0"/>
+          <a:ext cx="0" cy="0"/>
+          <a:chOff x="0" y="0"/>
+          <a:chExt cx="0" cy="0"/>
+        </a:xfrm>
+      </p:grpSpPr>
+      <p:sp>
+        <p:nvSpPr>
+          <p:cNvPr id="2" name="Title 1"/>
+          <p:cNvSpPr>
+            <a:spLocks noGrp="1"/>
+          </p:cNvSpPr>
+          <p:nvPr>
+            <p:ph type="title"/>
+          </p:nvPr>
+        </p:nvSpPr>
         <p:spPr>
           <a:xfrm>
             <a:off x="838200" y="365125"/>
@@ -3505,7 +4166,7 @@
 </p:sld>
 </file>
 
-<file path=ppt/slides/slide7.xml><?xml version="1.0" encoding="utf-8"?>
+<file path=ppt/slides/slide9.xml><?xml version="1.0" encoding="utf-8"?>
 <p:sld xmlns:a="http://schemas.openxmlformats.org/drawingml/2006/main" xmlns:r="http://schemas.openxmlformats.org/officeDocument/2006/relationships" xmlns:p="http://schemas.openxmlformats.org/presentationml/2006/main">
   <p:cSld>
     <p:spTree>
@@ -3656,79 +4317,6 @@
   <p:clrMapOvr>
     <a:masterClrMapping/>
   </p:clrMapOvr>
-</p:sld>
-</file>
-
-<file path=ppt/slides/slide8.xml><?xml version="1.0" encoding="utf-8"?>
-<p:sld xmlns:a="http://schemas.openxmlformats.org/drawingml/2006/main" xmlns:r="http://schemas.openxmlformats.org/officeDocument/2006/relationships" xmlns:p="http://schemas.openxmlformats.org/presentationml/2006/main">
-  <p:cSld>
-    <p:spTree>
-      <p:nvGrpSpPr>
-        <p:cNvPr id="1" name=""/>
-        <p:cNvGrpSpPr/>
-        <p:nvPr/>
-      </p:nvGrpSpPr>
-      <p:grpSpPr>
-        <a:xfrm>
-          <a:off x="0" y="0"/>
-          <a:ext cx="0" cy="0"/>
-          <a:chOff x="0" y="0"/>
-          <a:chExt cx="0" cy="0"/>
-        </a:xfrm>
-      </p:grpSpPr>
-      <p:sp>
-        <p:nvSpPr>
-          <p:cNvPr id="2" name="Title 1"/>
-          <p:cNvSpPr>
-            <a:spLocks noGrp="1"/>
-          </p:cNvSpPr>
-          <p:nvPr>
-            <p:ph type="title"/>
-          </p:nvPr>
-        </p:nvSpPr>
-        <p:spPr>
-          <a:xfrm>
-            <a:off x="838200" y="365125"/>
-            <a:ext cx="10515600" cy="5730875"/>
-          </a:xfrm>
-        </p:spPr>
-        <p:txBody>
-          <a:bodyPr/>
-          <a:lstStyle/>
-          <a:p>
-            <a:pPr algn="ctr"/>
-            <a:r>
-              <a:rPr lang="en-US" sz="13800" dirty="0" smtClean="0"/>
-              <a:t>Thanks</a:t>
-            </a:r>
-            <a:br>
-              <a:rPr lang="en-US" sz="13800" dirty="0" smtClean="0"/>
-            </a:br>
-            <a:r>
-              <a:rPr lang="en-US" sz="3200" dirty="0" smtClean="0"/>
-              <a:t>Please fill out class evaluation</a:t>
-            </a:r>
-            <a:endParaRPr lang="en-US" dirty="0"/>
-          </a:p>
-        </p:txBody>
-      </p:sp>
-    </p:spTree>
-    <p:extLst>
-      <p:ext uri="{BB962C8B-B14F-4D97-AF65-F5344CB8AC3E}">
-        <p14:creationId xmlns:p14="http://schemas.microsoft.com/office/powerpoint/2010/main" val="3100417482"/>
-      </p:ext>
-    </p:extLst>
-  </p:cSld>
-  <p:clrMapOvr>
-    <a:masterClrMapping/>
-  </p:clrMapOvr>
-  <p:timing>
-    <p:tnLst>
-      <p:par>
-        <p:cTn id="1" dur="indefinite" restart="never" nodeType="tmRoot"/>
-      </p:par>
-    </p:tnLst>
-  </p:timing>
 </p:sld>
 </file>
 

--- a/Part_01/Section03.pptx
+++ b/Part_01/Section03.pptx
@@ -2,7 +2,7 @@
 <file path=ppt/presentation.xml><?xml version="1.0" encoding="utf-8"?>
 <p:presentation xmlns:a="http://schemas.openxmlformats.org/drawingml/2006/main" xmlns:r="http://schemas.openxmlformats.org/officeDocument/2006/relationships" xmlns:p="http://schemas.openxmlformats.org/presentationml/2006/main" saveSubsetFonts="1">
   <p:sldMasterIdLst>
-    <p:sldMasterId id="2147483648" r:id="rId1"/>
+    <p:sldMasterId id="2147483660" r:id="rId1"/>
   </p:sldMasterIdLst>
   <p:sldIdLst>
     <p:sldId id="259" r:id="rId2"/>
@@ -22,7 +22,7 @@
     <a:defPPr>
       <a:defRPr lang="en-US"/>
     </a:defPPr>
-    <a:lvl1pPr marL="0" algn="l" defTabSz="914400" rtl="0" eaLnBrk="1" latinLnBrk="0" hangingPunct="1">
+    <a:lvl1pPr marL="0" algn="l" defTabSz="457200" rtl="0" eaLnBrk="1" latinLnBrk="0" hangingPunct="1">
       <a:defRPr sz="1800" kern="1200">
         <a:solidFill>
           <a:schemeClr val="tx1"/>
@@ -32,7 +32,7 @@
         <a:cs typeface="+mn-cs"/>
       </a:defRPr>
     </a:lvl1pPr>
-    <a:lvl2pPr marL="457200" algn="l" defTabSz="914400" rtl="0" eaLnBrk="1" latinLnBrk="0" hangingPunct="1">
+    <a:lvl2pPr marL="457200" algn="l" defTabSz="457200" rtl="0" eaLnBrk="1" latinLnBrk="0" hangingPunct="1">
       <a:defRPr sz="1800" kern="1200">
         <a:solidFill>
           <a:schemeClr val="tx1"/>
@@ -42,7 +42,7 @@
         <a:cs typeface="+mn-cs"/>
       </a:defRPr>
     </a:lvl2pPr>
-    <a:lvl3pPr marL="914400" algn="l" defTabSz="914400" rtl="0" eaLnBrk="1" latinLnBrk="0" hangingPunct="1">
+    <a:lvl3pPr marL="914400" algn="l" defTabSz="457200" rtl="0" eaLnBrk="1" latinLnBrk="0" hangingPunct="1">
       <a:defRPr sz="1800" kern="1200">
         <a:solidFill>
           <a:schemeClr val="tx1"/>
@@ -52,7 +52,7 @@
         <a:cs typeface="+mn-cs"/>
       </a:defRPr>
     </a:lvl3pPr>
-    <a:lvl4pPr marL="1371600" algn="l" defTabSz="914400" rtl="0" eaLnBrk="1" latinLnBrk="0" hangingPunct="1">
+    <a:lvl4pPr marL="1371600" algn="l" defTabSz="457200" rtl="0" eaLnBrk="1" latinLnBrk="0" hangingPunct="1">
       <a:defRPr sz="1800" kern="1200">
         <a:solidFill>
           <a:schemeClr val="tx1"/>
@@ -62,7 +62,7 @@
         <a:cs typeface="+mn-cs"/>
       </a:defRPr>
     </a:lvl4pPr>
-    <a:lvl5pPr marL="1828800" algn="l" defTabSz="914400" rtl="0" eaLnBrk="1" latinLnBrk="0" hangingPunct="1">
+    <a:lvl5pPr marL="1828800" algn="l" defTabSz="457200" rtl="0" eaLnBrk="1" latinLnBrk="0" hangingPunct="1">
       <a:defRPr sz="1800" kern="1200">
         <a:solidFill>
           <a:schemeClr val="tx1"/>
@@ -72,7 +72,7 @@
         <a:cs typeface="+mn-cs"/>
       </a:defRPr>
     </a:lvl5pPr>
-    <a:lvl6pPr marL="2286000" algn="l" defTabSz="914400" rtl="0" eaLnBrk="1" latinLnBrk="0" hangingPunct="1">
+    <a:lvl6pPr marL="2286000" algn="l" defTabSz="457200" rtl="0" eaLnBrk="1" latinLnBrk="0" hangingPunct="1">
       <a:defRPr sz="1800" kern="1200">
         <a:solidFill>
           <a:schemeClr val="tx1"/>
@@ -82,7 +82,7 @@
         <a:cs typeface="+mn-cs"/>
       </a:defRPr>
     </a:lvl6pPr>
-    <a:lvl7pPr marL="2743200" algn="l" defTabSz="914400" rtl="0" eaLnBrk="1" latinLnBrk="0" hangingPunct="1">
+    <a:lvl7pPr marL="2743200" algn="l" defTabSz="457200" rtl="0" eaLnBrk="1" latinLnBrk="0" hangingPunct="1">
       <a:defRPr sz="1800" kern="1200">
         <a:solidFill>
           <a:schemeClr val="tx1"/>
@@ -92,7 +92,7 @@
         <a:cs typeface="+mn-cs"/>
       </a:defRPr>
     </a:lvl7pPr>
-    <a:lvl8pPr marL="3200400" algn="l" defTabSz="914400" rtl="0" eaLnBrk="1" latinLnBrk="0" hangingPunct="1">
+    <a:lvl8pPr marL="3200400" algn="l" defTabSz="457200" rtl="0" eaLnBrk="1" latinLnBrk="0" hangingPunct="1">
       <a:defRPr sz="1800" kern="1200">
         <a:solidFill>
           <a:schemeClr val="tx1"/>
@@ -102,7 +102,7 @@
         <a:cs typeface="+mn-cs"/>
       </a:defRPr>
     </a:lvl8pPr>
-    <a:lvl9pPr marL="3657600" algn="l" defTabSz="914400" rtl="0" eaLnBrk="1" latinLnBrk="0" hangingPunct="1">
+    <a:lvl9pPr marL="3657600" algn="l" defTabSz="457200" rtl="0" eaLnBrk="1" latinLnBrk="0" hangingPunct="1">
       <a:defRPr sz="1800" kern="1200">
         <a:solidFill>
           <a:schemeClr val="tx1"/>
@@ -150,23 +150,25 @@
         </p:nvSpPr>
         <p:spPr>
           <a:xfrm>
-            <a:off x="1524000" y="1122363"/>
-            <a:ext cx="9144000" cy="2387600"/>
+            <a:off x="1370693" y="1769540"/>
+            <a:ext cx="9440034" cy="1828801"/>
           </a:xfrm>
         </p:spPr>
         <p:txBody>
-          <a:bodyPr anchor="b"/>
+          <a:bodyPr anchor="b">
+            <a:normAutofit/>
+          </a:bodyPr>
           <a:lstStyle>
             <a:lvl1pPr algn="ctr">
-              <a:defRPr sz="6000"/>
+              <a:defRPr sz="5400"/>
             </a:lvl1pPr>
           </a:lstStyle>
           <a:p>
             <a:r>
-              <a:rPr lang="en-US" smtClean="0"/>
+              <a:rPr lang="en-US"/>
               <a:t>Click to edit Master title style</a:t>
             </a:r>
-            <a:endParaRPr lang="en-US"/>
+            <a:endParaRPr lang="en-US" dirty="0"/>
           </a:p>
         </p:txBody>
       </p:sp>
@@ -182,56 +184,108 @@
         </p:nvSpPr>
         <p:spPr>
           <a:xfrm>
-            <a:off x="1524000" y="3602038"/>
-            <a:ext cx="9144000" cy="1655762"/>
+            <a:off x="1370693" y="3598339"/>
+            <a:ext cx="9440034" cy="1049867"/>
           </a:xfrm>
         </p:spPr>
         <p:txBody>
-          <a:bodyPr/>
+          <a:bodyPr anchor="t"/>
           <a:lstStyle>
             <a:lvl1pPr marL="0" indent="0" algn="ctr">
               <a:buNone/>
-              <a:defRPr sz="2400"/>
+              <a:defRPr>
+                <a:solidFill>
+                  <a:schemeClr val="tx1"/>
+                </a:solidFill>
+              </a:defRPr>
             </a:lvl1pPr>
             <a:lvl2pPr marL="457200" indent="0" algn="ctr">
               <a:buNone/>
-              <a:defRPr sz="2000"/>
+              <a:defRPr>
+                <a:solidFill>
+                  <a:schemeClr val="tx1">
+                    <a:tint val="75000"/>
+                  </a:schemeClr>
+                </a:solidFill>
+              </a:defRPr>
             </a:lvl2pPr>
             <a:lvl3pPr marL="914400" indent="0" algn="ctr">
               <a:buNone/>
-              <a:defRPr sz="1800"/>
+              <a:defRPr>
+                <a:solidFill>
+                  <a:schemeClr val="tx1">
+                    <a:tint val="75000"/>
+                  </a:schemeClr>
+                </a:solidFill>
+              </a:defRPr>
             </a:lvl3pPr>
             <a:lvl4pPr marL="1371600" indent="0" algn="ctr">
               <a:buNone/>
-              <a:defRPr sz="1600"/>
+              <a:defRPr>
+                <a:solidFill>
+                  <a:schemeClr val="tx1">
+                    <a:tint val="75000"/>
+                  </a:schemeClr>
+                </a:solidFill>
+              </a:defRPr>
             </a:lvl4pPr>
             <a:lvl5pPr marL="1828800" indent="0" algn="ctr">
               <a:buNone/>
-              <a:defRPr sz="1600"/>
+              <a:defRPr>
+                <a:solidFill>
+                  <a:schemeClr val="tx1">
+                    <a:tint val="75000"/>
+                  </a:schemeClr>
+                </a:solidFill>
+              </a:defRPr>
             </a:lvl5pPr>
             <a:lvl6pPr marL="2286000" indent="0" algn="ctr">
               <a:buNone/>
-              <a:defRPr sz="1600"/>
+              <a:defRPr>
+                <a:solidFill>
+                  <a:schemeClr val="tx1">
+                    <a:tint val="75000"/>
+                  </a:schemeClr>
+                </a:solidFill>
+              </a:defRPr>
             </a:lvl6pPr>
             <a:lvl7pPr marL="2743200" indent="0" algn="ctr">
               <a:buNone/>
-              <a:defRPr sz="1600"/>
+              <a:defRPr>
+                <a:solidFill>
+                  <a:schemeClr val="tx1">
+                    <a:tint val="75000"/>
+                  </a:schemeClr>
+                </a:solidFill>
+              </a:defRPr>
             </a:lvl7pPr>
             <a:lvl8pPr marL="3200400" indent="0" algn="ctr">
               <a:buNone/>
-              <a:defRPr sz="1600"/>
+              <a:defRPr>
+                <a:solidFill>
+                  <a:schemeClr val="tx1">
+                    <a:tint val="75000"/>
+                  </a:schemeClr>
+                </a:solidFill>
+              </a:defRPr>
             </a:lvl8pPr>
             <a:lvl9pPr marL="3657600" indent="0" algn="ctr">
               <a:buNone/>
-              <a:defRPr sz="1600"/>
+              <a:defRPr>
+                <a:solidFill>
+                  <a:schemeClr val="tx1">
+                    <a:tint val="75000"/>
+                  </a:schemeClr>
+                </a:solidFill>
+              </a:defRPr>
             </a:lvl9pPr>
           </a:lstStyle>
           <a:p>
             <a:r>
-              <a:rPr lang="en-US" smtClean="0"/>
+              <a:rPr lang="en-US"/>
               <a:t>Click to edit Master subtitle style</a:t>
             </a:r>
-            <a:endParaRPr lang="en-US"/>
+            <a:endParaRPr lang="en-US" dirty="0"/>
           </a:p>
         </p:txBody>
       </p:sp>
@@ -252,7 +306,7 @@
           <a:p>
             <a:fld id="{816A8EE7-6A8D-452B-B8C3-E64C291F1CAD}" type="datetimeFigureOut">
               <a:rPr lang="en-US" smtClean="0"/>
-              <a:t>11/3/2018</a:t>
+              <a:t>11/7/2018</a:t>
             </a:fld>
             <a:endParaRPr lang="en-US" dirty="0"/>
           </a:p>
@@ -303,7 +357,7 @@
     </p:spTree>
     <p:extLst>
       <p:ext uri="{BB962C8B-B14F-4D97-AF65-F5344CB8AC3E}">
-        <p14:creationId xmlns:p14="http://schemas.microsoft.com/office/powerpoint/2010/main" val="3832136752"/>
+        <p14:creationId xmlns:p14="http://schemas.microsoft.com/office/powerpoint/2010/main" val="523670148"/>
       </p:ext>
     </p:extLst>
   </p:cSld>
@@ -314,6 +368,2582 @@
 </file>
 
 <file path=ppt/slideLayouts/slideLayout10.xml><?xml version="1.0" encoding="utf-8"?>
+<p:sldLayout xmlns:a="http://schemas.openxmlformats.org/drawingml/2006/main" xmlns:r="http://schemas.openxmlformats.org/officeDocument/2006/relationships" xmlns:p="http://schemas.openxmlformats.org/presentationml/2006/main" preserve="1">
+  <p:cSld name="Panoramic Picture with Caption">
+    <p:spTree>
+      <p:nvGrpSpPr>
+        <p:cNvPr id="1" name=""/>
+        <p:cNvGrpSpPr/>
+        <p:nvPr/>
+      </p:nvGrpSpPr>
+      <p:grpSpPr>
+        <a:xfrm>
+          <a:off x="0" y="0"/>
+          <a:ext cx="0" cy="0"/>
+          <a:chOff x="0" y="0"/>
+          <a:chExt cx="0" cy="0"/>
+        </a:xfrm>
+      </p:grpSpPr>
+      <p:pic>
+        <p:nvPicPr>
+          <p:cNvPr id="16" name="Picture 15" descr="Slate-V2-HD-panoPhotoInset.png"/>
+          <p:cNvPicPr>
+            <a:picLocks noChangeAspect="1"/>
+          </p:cNvPicPr>
+          <p:nvPr/>
+        </p:nvPicPr>
+        <p:blipFill>
+          <a:blip r:embed="rId2">
+            <a:extLst>
+              <a:ext uri="{28A0092B-C50C-407E-A947-70E740481C1C}">
+                <a14:useLocalDpi xmlns:a14="http://schemas.microsoft.com/office/drawing/2010/main" val="0"/>
+              </a:ext>
+            </a:extLst>
+          </a:blip>
+          <a:stretch>
+            <a:fillRect/>
+          </a:stretch>
+        </p:blipFill>
+        <p:spPr>
+          <a:xfrm>
+            <a:off x="1013883" y="547807"/>
+            <a:ext cx="10141799" cy="3816806"/>
+          </a:xfrm>
+          <a:prstGeom prst="rect">
+            <a:avLst/>
+          </a:prstGeom>
+        </p:spPr>
+      </p:pic>
+      <p:sp>
+        <p:nvSpPr>
+          <p:cNvPr id="2" name="Title 1"/>
+          <p:cNvSpPr>
+            <a:spLocks noGrp="1"/>
+          </p:cNvSpPr>
+          <p:nvPr>
+            <p:ph type="title"/>
+          </p:nvPr>
+        </p:nvSpPr>
+        <p:spPr>
+          <a:xfrm>
+            <a:off x="913806" y="4565255"/>
+            <a:ext cx="10355326" cy="543472"/>
+          </a:xfrm>
+        </p:spPr>
+        <p:txBody>
+          <a:bodyPr anchor="b">
+            <a:normAutofit/>
+          </a:bodyPr>
+          <a:lstStyle>
+            <a:lvl1pPr algn="ctr">
+              <a:defRPr sz="2800"/>
+            </a:lvl1pPr>
+          </a:lstStyle>
+          <a:p>
+            <a:r>
+              <a:rPr lang="en-US"/>
+              <a:t>Click to edit Master title style</a:t>
+            </a:r>
+            <a:endParaRPr lang="en-US" dirty="0"/>
+          </a:p>
+        </p:txBody>
+      </p:sp>
+      <p:sp>
+        <p:nvSpPr>
+          <p:cNvPr id="3" name="Picture Placeholder 2"/>
+          <p:cNvSpPr>
+            <a:spLocks noGrp="1" noChangeAspect="1"/>
+          </p:cNvSpPr>
+          <p:nvPr>
+            <p:ph type="pic" idx="1"/>
+          </p:nvPr>
+        </p:nvSpPr>
+        <p:spPr>
+          <a:xfrm>
+            <a:off x="1169349" y="695009"/>
+            <a:ext cx="9845346" cy="3525671"/>
+          </a:xfrm>
+          <a:effectLst>
+            <a:outerShdw blurRad="38100" dist="25400" dir="4440000">
+              <a:srgbClr val="000000">
+                <a:alpha val="36000"/>
+              </a:srgbClr>
+            </a:outerShdw>
+          </a:effectLst>
+        </p:spPr>
+        <p:txBody>
+          <a:bodyPr anchor="t">
+            <a:normAutofit/>
+          </a:bodyPr>
+          <a:lstStyle>
+            <a:lvl1pPr marL="0" indent="0" algn="ctr">
+              <a:buNone/>
+              <a:defRPr sz="2000"/>
+            </a:lvl1pPr>
+            <a:lvl2pPr marL="457200" indent="0">
+              <a:buNone/>
+              <a:defRPr sz="2000"/>
+            </a:lvl2pPr>
+            <a:lvl3pPr marL="914400" indent="0">
+              <a:buNone/>
+              <a:defRPr sz="2000"/>
+            </a:lvl3pPr>
+            <a:lvl4pPr marL="1371600" indent="0">
+              <a:buNone/>
+              <a:defRPr sz="2000"/>
+            </a:lvl4pPr>
+            <a:lvl5pPr marL="1828800" indent="0">
+              <a:buNone/>
+              <a:defRPr sz="2000"/>
+            </a:lvl5pPr>
+            <a:lvl6pPr marL="2286000" indent="0">
+              <a:buNone/>
+              <a:defRPr sz="2000"/>
+            </a:lvl6pPr>
+            <a:lvl7pPr marL="2743200" indent="0">
+              <a:buNone/>
+              <a:defRPr sz="2000"/>
+            </a:lvl7pPr>
+            <a:lvl8pPr marL="3200400" indent="0">
+              <a:buNone/>
+              <a:defRPr sz="2000"/>
+            </a:lvl8pPr>
+            <a:lvl9pPr marL="3657600" indent="0">
+              <a:buNone/>
+              <a:defRPr sz="2000"/>
+            </a:lvl9pPr>
+          </a:lstStyle>
+          <a:p>
+            <a:r>
+              <a:rPr lang="en-US"/>
+              <a:t>Click icon to add picture</a:t>
+            </a:r>
+            <a:endParaRPr lang="en-US" dirty="0"/>
+          </a:p>
+        </p:txBody>
+      </p:sp>
+      <p:sp>
+        <p:nvSpPr>
+          <p:cNvPr id="4" name="Text Placeholder 3"/>
+          <p:cNvSpPr>
+            <a:spLocks noGrp="1"/>
+          </p:cNvSpPr>
+          <p:nvPr>
+            <p:ph type="body" sz="half" idx="2"/>
+          </p:nvPr>
+        </p:nvSpPr>
+        <p:spPr>
+          <a:xfrm>
+            <a:off x="913795" y="5108728"/>
+            <a:ext cx="10353762" cy="682472"/>
+          </a:xfrm>
+        </p:spPr>
+        <p:txBody>
+          <a:bodyPr anchor="t"/>
+          <a:lstStyle>
+            <a:lvl1pPr marL="0" indent="0" algn="ctr">
+              <a:buNone/>
+              <a:defRPr sz="1600"/>
+            </a:lvl1pPr>
+            <a:lvl2pPr marL="457200" indent="0">
+              <a:buNone/>
+              <a:defRPr sz="1400"/>
+            </a:lvl2pPr>
+            <a:lvl3pPr marL="914400" indent="0">
+              <a:buNone/>
+              <a:defRPr sz="1200"/>
+            </a:lvl3pPr>
+            <a:lvl4pPr marL="1371600" indent="0">
+              <a:buNone/>
+              <a:defRPr sz="1000"/>
+            </a:lvl4pPr>
+            <a:lvl5pPr marL="1828800" indent="0">
+              <a:buNone/>
+              <a:defRPr sz="1000"/>
+            </a:lvl5pPr>
+            <a:lvl6pPr marL="2286000" indent="0">
+              <a:buNone/>
+              <a:defRPr sz="1000"/>
+            </a:lvl6pPr>
+            <a:lvl7pPr marL="2743200" indent="0">
+              <a:buNone/>
+              <a:defRPr sz="1000"/>
+            </a:lvl7pPr>
+            <a:lvl8pPr marL="3200400" indent="0">
+              <a:buNone/>
+              <a:defRPr sz="1000"/>
+            </a:lvl8pPr>
+            <a:lvl9pPr marL="3657600" indent="0">
+              <a:buNone/>
+              <a:defRPr sz="1000"/>
+            </a:lvl9pPr>
+          </a:lstStyle>
+          <a:p>
+            <a:pPr lvl="0"/>
+            <a:r>
+              <a:rPr lang="en-US"/>
+              <a:t>Edit Master text styles</a:t>
+            </a:r>
+          </a:p>
+        </p:txBody>
+      </p:sp>
+      <p:sp>
+        <p:nvSpPr>
+          <p:cNvPr id="5" name="Date Placeholder 4"/>
+          <p:cNvSpPr>
+            <a:spLocks noGrp="1"/>
+          </p:cNvSpPr>
+          <p:nvPr>
+            <p:ph type="dt" sz="half" idx="10"/>
+          </p:nvPr>
+        </p:nvSpPr>
+        <p:spPr/>
+        <p:txBody>
+          <a:bodyPr/>
+          <a:lstStyle/>
+          <a:p>
+            <a:fld id="{816A8EE7-6A8D-452B-B8C3-E64C291F1CAD}" type="datetimeFigureOut">
+              <a:rPr lang="en-US" smtClean="0"/>
+              <a:t>11/7/2018</a:t>
+            </a:fld>
+            <a:endParaRPr lang="en-US" dirty="0"/>
+          </a:p>
+        </p:txBody>
+      </p:sp>
+      <p:sp>
+        <p:nvSpPr>
+          <p:cNvPr id="6" name="Footer Placeholder 5"/>
+          <p:cNvSpPr>
+            <a:spLocks noGrp="1"/>
+          </p:cNvSpPr>
+          <p:nvPr>
+            <p:ph type="ftr" sz="quarter" idx="11"/>
+          </p:nvPr>
+        </p:nvSpPr>
+        <p:spPr/>
+        <p:txBody>
+          <a:bodyPr/>
+          <a:lstStyle/>
+          <a:p>
+            <a:endParaRPr lang="en-US" dirty="0"/>
+          </a:p>
+        </p:txBody>
+      </p:sp>
+      <p:sp>
+        <p:nvSpPr>
+          <p:cNvPr id="7" name="Slide Number Placeholder 6"/>
+          <p:cNvSpPr>
+            <a:spLocks noGrp="1"/>
+          </p:cNvSpPr>
+          <p:nvPr>
+            <p:ph type="sldNum" sz="quarter" idx="12"/>
+          </p:nvPr>
+        </p:nvSpPr>
+        <p:spPr/>
+        <p:txBody>
+          <a:bodyPr/>
+          <a:lstStyle/>
+          <a:p>
+            <a:fld id="{4F14C484-D775-4DEF-9039-D79CB7AEC713}" type="slidenum">
+              <a:rPr lang="en-US" smtClean="0"/>
+              <a:t>‹#›</a:t>
+            </a:fld>
+            <a:endParaRPr lang="en-US" dirty="0"/>
+          </a:p>
+        </p:txBody>
+      </p:sp>
+    </p:spTree>
+    <p:extLst>
+      <p:ext uri="{BB962C8B-B14F-4D97-AF65-F5344CB8AC3E}">
+        <p14:creationId xmlns:p14="http://schemas.microsoft.com/office/powerpoint/2010/main" val="3858688348"/>
+      </p:ext>
+    </p:extLst>
+  </p:cSld>
+  <p:clrMapOvr>
+    <a:masterClrMapping/>
+  </p:clrMapOvr>
+</p:sldLayout>
+</file>
+
+<file path=ppt/slideLayouts/slideLayout11.xml><?xml version="1.0" encoding="utf-8"?>
+<p:sldLayout xmlns:a="http://schemas.openxmlformats.org/drawingml/2006/main" xmlns:r="http://schemas.openxmlformats.org/officeDocument/2006/relationships" xmlns:p="http://schemas.openxmlformats.org/presentationml/2006/main" preserve="1">
+  <p:cSld name="Title and Caption">
+    <p:spTree>
+      <p:nvGrpSpPr>
+        <p:cNvPr id="1" name=""/>
+        <p:cNvGrpSpPr/>
+        <p:nvPr/>
+      </p:nvGrpSpPr>
+      <p:grpSpPr>
+        <a:xfrm>
+          <a:off x="0" y="0"/>
+          <a:ext cx="0" cy="0"/>
+          <a:chOff x="0" y="0"/>
+          <a:chExt cx="0" cy="0"/>
+        </a:xfrm>
+      </p:grpSpPr>
+      <p:sp>
+        <p:nvSpPr>
+          <p:cNvPr id="2" name="Title 1"/>
+          <p:cNvSpPr>
+            <a:spLocks noGrp="1"/>
+          </p:cNvSpPr>
+          <p:nvPr>
+            <p:ph type="title"/>
+          </p:nvPr>
+        </p:nvSpPr>
+        <p:spPr>
+          <a:xfrm>
+            <a:off x="913795" y="608437"/>
+            <a:ext cx="10353762" cy="3534344"/>
+          </a:xfrm>
+        </p:spPr>
+        <p:txBody>
+          <a:bodyPr anchor="ctr"/>
+          <a:lstStyle>
+            <a:lvl1pPr>
+              <a:defRPr sz="3200"/>
+            </a:lvl1pPr>
+          </a:lstStyle>
+          <a:p>
+            <a:r>
+              <a:rPr lang="en-US"/>
+              <a:t>Click to edit Master title style</a:t>
+            </a:r>
+            <a:endParaRPr lang="en-US" dirty="0"/>
+          </a:p>
+        </p:txBody>
+      </p:sp>
+      <p:sp>
+        <p:nvSpPr>
+          <p:cNvPr id="4" name="Text Placeholder 3"/>
+          <p:cNvSpPr>
+            <a:spLocks noGrp="1"/>
+          </p:cNvSpPr>
+          <p:nvPr>
+            <p:ph type="body" sz="half" idx="2"/>
+          </p:nvPr>
+        </p:nvSpPr>
+        <p:spPr>
+          <a:xfrm>
+            <a:off x="913794" y="4295180"/>
+            <a:ext cx="10353763" cy="1501826"/>
+          </a:xfrm>
+        </p:spPr>
+        <p:txBody>
+          <a:bodyPr anchor="ctr"/>
+          <a:lstStyle>
+            <a:lvl1pPr marL="0" indent="0" algn="ctr">
+              <a:buNone/>
+              <a:defRPr sz="1600"/>
+            </a:lvl1pPr>
+            <a:lvl2pPr marL="457200" indent="0">
+              <a:buNone/>
+              <a:defRPr sz="1400"/>
+            </a:lvl2pPr>
+            <a:lvl3pPr marL="914400" indent="0">
+              <a:buNone/>
+              <a:defRPr sz="1200"/>
+            </a:lvl3pPr>
+            <a:lvl4pPr marL="1371600" indent="0">
+              <a:buNone/>
+              <a:defRPr sz="1000"/>
+            </a:lvl4pPr>
+            <a:lvl5pPr marL="1828800" indent="0">
+              <a:buNone/>
+              <a:defRPr sz="1000"/>
+            </a:lvl5pPr>
+            <a:lvl6pPr marL="2286000" indent="0">
+              <a:buNone/>
+              <a:defRPr sz="1000"/>
+            </a:lvl6pPr>
+            <a:lvl7pPr marL="2743200" indent="0">
+              <a:buNone/>
+              <a:defRPr sz="1000"/>
+            </a:lvl7pPr>
+            <a:lvl8pPr marL="3200400" indent="0">
+              <a:buNone/>
+              <a:defRPr sz="1000"/>
+            </a:lvl8pPr>
+            <a:lvl9pPr marL="3657600" indent="0">
+              <a:buNone/>
+              <a:defRPr sz="1000"/>
+            </a:lvl9pPr>
+          </a:lstStyle>
+          <a:p>
+            <a:pPr lvl="0"/>
+            <a:r>
+              <a:rPr lang="en-US"/>
+              <a:t>Edit Master text styles</a:t>
+            </a:r>
+          </a:p>
+        </p:txBody>
+      </p:sp>
+      <p:sp>
+        <p:nvSpPr>
+          <p:cNvPr id="5" name="Date Placeholder 4"/>
+          <p:cNvSpPr>
+            <a:spLocks noGrp="1"/>
+          </p:cNvSpPr>
+          <p:nvPr>
+            <p:ph type="dt" sz="half" idx="10"/>
+          </p:nvPr>
+        </p:nvSpPr>
+        <p:spPr/>
+        <p:txBody>
+          <a:bodyPr/>
+          <a:lstStyle/>
+          <a:p>
+            <a:fld id="{816A8EE7-6A8D-452B-B8C3-E64C291F1CAD}" type="datetimeFigureOut">
+              <a:rPr lang="en-US" smtClean="0"/>
+              <a:t>11/7/2018</a:t>
+            </a:fld>
+            <a:endParaRPr lang="en-US" dirty="0"/>
+          </a:p>
+        </p:txBody>
+      </p:sp>
+      <p:sp>
+        <p:nvSpPr>
+          <p:cNvPr id="6" name="Footer Placeholder 5"/>
+          <p:cNvSpPr>
+            <a:spLocks noGrp="1"/>
+          </p:cNvSpPr>
+          <p:nvPr>
+            <p:ph type="ftr" sz="quarter" idx="11"/>
+          </p:nvPr>
+        </p:nvSpPr>
+        <p:spPr/>
+        <p:txBody>
+          <a:bodyPr/>
+          <a:lstStyle/>
+          <a:p>
+            <a:endParaRPr lang="en-US" dirty="0"/>
+          </a:p>
+        </p:txBody>
+      </p:sp>
+      <p:sp>
+        <p:nvSpPr>
+          <p:cNvPr id="7" name="Slide Number Placeholder 6"/>
+          <p:cNvSpPr>
+            <a:spLocks noGrp="1"/>
+          </p:cNvSpPr>
+          <p:nvPr>
+            <p:ph type="sldNum" sz="quarter" idx="12"/>
+          </p:nvPr>
+        </p:nvSpPr>
+        <p:spPr/>
+        <p:txBody>
+          <a:bodyPr/>
+          <a:lstStyle/>
+          <a:p>
+            <a:fld id="{4F14C484-D775-4DEF-9039-D79CB7AEC713}" type="slidenum">
+              <a:rPr lang="en-US" smtClean="0"/>
+              <a:t>‹#›</a:t>
+            </a:fld>
+            <a:endParaRPr lang="en-US" dirty="0"/>
+          </a:p>
+        </p:txBody>
+      </p:sp>
+    </p:spTree>
+    <p:extLst>
+      <p:ext uri="{BB962C8B-B14F-4D97-AF65-F5344CB8AC3E}">
+        <p14:creationId xmlns:p14="http://schemas.microsoft.com/office/powerpoint/2010/main" val="1932815347"/>
+      </p:ext>
+    </p:extLst>
+  </p:cSld>
+  <p:clrMapOvr>
+    <a:masterClrMapping/>
+  </p:clrMapOvr>
+</p:sldLayout>
+</file>
+
+<file path=ppt/slideLayouts/slideLayout12.xml><?xml version="1.0" encoding="utf-8"?>
+<p:sldLayout xmlns:a="http://schemas.openxmlformats.org/drawingml/2006/main" xmlns:r="http://schemas.openxmlformats.org/officeDocument/2006/relationships" xmlns:p="http://schemas.openxmlformats.org/presentationml/2006/main" preserve="1">
+  <p:cSld name="Quote with Caption">
+    <p:spTree>
+      <p:nvGrpSpPr>
+        <p:cNvPr id="1" name=""/>
+        <p:cNvGrpSpPr/>
+        <p:nvPr/>
+      </p:nvGrpSpPr>
+      <p:grpSpPr>
+        <a:xfrm>
+          <a:off x="0" y="0"/>
+          <a:ext cx="0" cy="0"/>
+          <a:chOff x="0" y="0"/>
+          <a:chExt cx="0" cy="0"/>
+        </a:xfrm>
+      </p:grpSpPr>
+      <p:sp>
+        <p:nvSpPr>
+          <p:cNvPr id="2" name="Title 1"/>
+          <p:cNvSpPr>
+            <a:spLocks noGrp="1"/>
+          </p:cNvSpPr>
+          <p:nvPr>
+            <p:ph type="title"/>
+          </p:nvPr>
+        </p:nvSpPr>
+        <p:spPr>
+          <a:xfrm>
+            <a:off x="1446212" y="609600"/>
+            <a:ext cx="9302752" cy="2992904"/>
+          </a:xfrm>
+        </p:spPr>
+        <p:txBody>
+          <a:bodyPr anchor="ctr"/>
+          <a:lstStyle>
+            <a:lvl1pPr>
+              <a:defRPr sz="3200"/>
+            </a:lvl1pPr>
+          </a:lstStyle>
+          <a:p>
+            <a:r>
+              <a:rPr lang="en-US"/>
+              <a:t>Click to edit Master title style</a:t>
+            </a:r>
+            <a:endParaRPr lang="en-US" dirty="0"/>
+          </a:p>
+        </p:txBody>
+      </p:sp>
+      <p:sp>
+        <p:nvSpPr>
+          <p:cNvPr id="12" name="Text Placeholder 3"/>
+          <p:cNvSpPr>
+            <a:spLocks noGrp="1"/>
+          </p:cNvSpPr>
+          <p:nvPr>
+            <p:ph type="body" sz="half" idx="13"/>
+          </p:nvPr>
+        </p:nvSpPr>
+        <p:spPr>
+          <a:xfrm>
+            <a:off x="1720644" y="3610032"/>
+            <a:ext cx="8752299" cy="532749"/>
+          </a:xfrm>
+        </p:spPr>
+        <p:txBody>
+          <a:bodyPr anchor="t">
+            <a:normAutofit/>
+          </a:bodyPr>
+          <a:lstStyle>
+            <a:lvl1pPr marL="0" indent="0" algn="r">
+              <a:buNone/>
+              <a:defRPr sz="1400"/>
+            </a:lvl1pPr>
+            <a:lvl2pPr marL="457200" indent="0">
+              <a:buNone/>
+              <a:defRPr sz="1400"/>
+            </a:lvl2pPr>
+            <a:lvl3pPr marL="914400" indent="0">
+              <a:buNone/>
+              <a:defRPr sz="1200"/>
+            </a:lvl3pPr>
+            <a:lvl4pPr marL="1371600" indent="0">
+              <a:buNone/>
+              <a:defRPr sz="1000"/>
+            </a:lvl4pPr>
+            <a:lvl5pPr marL="1828800" indent="0">
+              <a:buNone/>
+              <a:defRPr sz="1000"/>
+            </a:lvl5pPr>
+            <a:lvl6pPr marL="2286000" indent="0">
+              <a:buNone/>
+              <a:defRPr sz="1000"/>
+            </a:lvl6pPr>
+            <a:lvl7pPr marL="2743200" indent="0">
+              <a:buNone/>
+              <a:defRPr sz="1000"/>
+            </a:lvl7pPr>
+            <a:lvl8pPr marL="3200400" indent="0">
+              <a:buNone/>
+              <a:defRPr sz="1000"/>
+            </a:lvl8pPr>
+            <a:lvl9pPr marL="3657600" indent="0">
+              <a:buNone/>
+              <a:defRPr sz="1000"/>
+            </a:lvl9pPr>
+          </a:lstStyle>
+          <a:p>
+            <a:pPr lvl="0"/>
+            <a:r>
+              <a:rPr lang="en-US"/>
+              <a:t>Edit Master text styles</a:t>
+            </a:r>
+          </a:p>
+        </p:txBody>
+      </p:sp>
+      <p:sp>
+        <p:nvSpPr>
+          <p:cNvPr id="4" name="Text Placeholder 3"/>
+          <p:cNvSpPr>
+            <a:spLocks noGrp="1"/>
+          </p:cNvSpPr>
+          <p:nvPr>
+            <p:ph type="body" sz="half" idx="2"/>
+          </p:nvPr>
+        </p:nvSpPr>
+        <p:spPr>
+          <a:xfrm>
+            <a:off x="913794" y="4304353"/>
+            <a:ext cx="10353763" cy="1489496"/>
+          </a:xfrm>
+        </p:spPr>
+        <p:txBody>
+          <a:bodyPr anchor="ctr">
+            <a:normAutofit/>
+          </a:bodyPr>
+          <a:lstStyle>
+            <a:lvl1pPr marL="0" indent="0" algn="ctr">
+              <a:buNone/>
+              <a:defRPr sz="1600"/>
+            </a:lvl1pPr>
+            <a:lvl2pPr marL="457200" indent="0">
+              <a:buNone/>
+              <a:defRPr sz="1400"/>
+            </a:lvl2pPr>
+            <a:lvl3pPr marL="914400" indent="0">
+              <a:buNone/>
+              <a:defRPr sz="1200"/>
+            </a:lvl3pPr>
+            <a:lvl4pPr marL="1371600" indent="0">
+              <a:buNone/>
+              <a:defRPr sz="1000"/>
+            </a:lvl4pPr>
+            <a:lvl5pPr marL="1828800" indent="0">
+              <a:buNone/>
+              <a:defRPr sz="1000"/>
+            </a:lvl5pPr>
+            <a:lvl6pPr marL="2286000" indent="0">
+              <a:buNone/>
+              <a:defRPr sz="1000"/>
+            </a:lvl6pPr>
+            <a:lvl7pPr marL="2743200" indent="0">
+              <a:buNone/>
+              <a:defRPr sz="1000"/>
+            </a:lvl7pPr>
+            <a:lvl8pPr marL="3200400" indent="0">
+              <a:buNone/>
+              <a:defRPr sz="1000"/>
+            </a:lvl8pPr>
+            <a:lvl9pPr marL="3657600" indent="0">
+              <a:buNone/>
+              <a:defRPr sz="1000"/>
+            </a:lvl9pPr>
+          </a:lstStyle>
+          <a:p>
+            <a:pPr lvl="0"/>
+            <a:r>
+              <a:rPr lang="en-US"/>
+              <a:t>Edit Master text styles</a:t>
+            </a:r>
+          </a:p>
+        </p:txBody>
+      </p:sp>
+      <p:sp>
+        <p:nvSpPr>
+          <p:cNvPr id="5" name="Date Placeholder 4"/>
+          <p:cNvSpPr>
+            <a:spLocks noGrp="1"/>
+          </p:cNvSpPr>
+          <p:nvPr>
+            <p:ph type="dt" sz="half" idx="10"/>
+          </p:nvPr>
+        </p:nvSpPr>
+        <p:spPr/>
+        <p:txBody>
+          <a:bodyPr/>
+          <a:lstStyle/>
+          <a:p>
+            <a:fld id="{816A8EE7-6A8D-452B-B8C3-E64C291F1CAD}" type="datetimeFigureOut">
+              <a:rPr lang="en-US" smtClean="0"/>
+              <a:t>11/7/2018</a:t>
+            </a:fld>
+            <a:endParaRPr lang="en-US" dirty="0"/>
+          </a:p>
+        </p:txBody>
+      </p:sp>
+      <p:sp>
+        <p:nvSpPr>
+          <p:cNvPr id="6" name="Footer Placeholder 5"/>
+          <p:cNvSpPr>
+            <a:spLocks noGrp="1"/>
+          </p:cNvSpPr>
+          <p:nvPr>
+            <p:ph type="ftr" sz="quarter" idx="11"/>
+          </p:nvPr>
+        </p:nvSpPr>
+        <p:spPr/>
+        <p:txBody>
+          <a:bodyPr/>
+          <a:lstStyle/>
+          <a:p>
+            <a:endParaRPr lang="en-US" dirty="0"/>
+          </a:p>
+        </p:txBody>
+      </p:sp>
+      <p:sp>
+        <p:nvSpPr>
+          <p:cNvPr id="7" name="Slide Number Placeholder 6"/>
+          <p:cNvSpPr>
+            <a:spLocks noGrp="1"/>
+          </p:cNvSpPr>
+          <p:nvPr>
+            <p:ph type="sldNum" sz="quarter" idx="12"/>
+          </p:nvPr>
+        </p:nvSpPr>
+        <p:spPr/>
+        <p:txBody>
+          <a:bodyPr/>
+          <a:lstStyle/>
+          <a:p>
+            <a:fld id="{4F14C484-D775-4DEF-9039-D79CB7AEC713}" type="slidenum">
+              <a:rPr lang="en-US" smtClean="0"/>
+              <a:t>‹#›</a:t>
+            </a:fld>
+            <a:endParaRPr lang="en-US" dirty="0"/>
+          </a:p>
+        </p:txBody>
+      </p:sp>
+      <p:sp>
+        <p:nvSpPr>
+          <p:cNvPr id="11" name="TextBox 10"/>
+          <p:cNvSpPr txBox="1"/>
+          <p:nvPr/>
+        </p:nvSpPr>
+        <p:spPr>
+          <a:xfrm>
+            <a:off x="990600" y="884796"/>
+            <a:ext cx="609600" cy="584776"/>
+          </a:xfrm>
+          <a:prstGeom prst="rect">
+            <a:avLst/>
+          </a:prstGeom>
+        </p:spPr>
+        <p:txBody>
+          <a:bodyPr vert="horz" lIns="91440" tIns="45720" rIns="91440" bIns="45720" rtlCol="0" anchor="ctr">
+            <a:noAutofit/>
+          </a:bodyPr>
+          <a:lstStyle>
+            <a:lvl1pPr>
+              <a:spcBef>
+                <a:spcPct val="0"/>
+              </a:spcBef>
+              <a:buNone/>
+              <a:defRPr sz="3200" b="0" cap="all">
+                <a:ln w="3175" cmpd="sng">
+                  <a:noFill/>
+                </a:ln>
+                <a:effectLst>
+                  <a:glow rad="38100">
+                    <a:schemeClr val="bg1">
+                      <a:lumMod val="65000"/>
+                      <a:lumOff val="35000"/>
+                      <a:alpha val="40000"/>
+                    </a:schemeClr>
+                  </a:glow>
+                  <a:outerShdw blurRad="28575" dist="38100" dir="14040000" algn="tl" rotWithShape="0">
+                    <a:srgbClr val="000000">
+                      <a:alpha val="25000"/>
+                    </a:srgbClr>
+                  </a:outerShdw>
+                </a:effectLst>
+              </a:defRPr>
+            </a:lvl1pPr>
+            <a:lvl2pPr>
+              <a:defRPr>
+                <a:solidFill>
+                  <a:schemeClr val="tx2"/>
+                </a:solidFill>
+              </a:defRPr>
+            </a:lvl2pPr>
+            <a:lvl3pPr>
+              <a:defRPr>
+                <a:solidFill>
+                  <a:schemeClr val="tx2"/>
+                </a:solidFill>
+              </a:defRPr>
+            </a:lvl3pPr>
+            <a:lvl4pPr>
+              <a:defRPr>
+                <a:solidFill>
+                  <a:schemeClr val="tx2"/>
+                </a:solidFill>
+              </a:defRPr>
+            </a:lvl4pPr>
+            <a:lvl5pPr>
+              <a:defRPr>
+                <a:solidFill>
+                  <a:schemeClr val="tx2"/>
+                </a:solidFill>
+              </a:defRPr>
+            </a:lvl5pPr>
+            <a:lvl6pPr>
+              <a:defRPr>
+                <a:solidFill>
+                  <a:schemeClr val="tx2"/>
+                </a:solidFill>
+              </a:defRPr>
+            </a:lvl6pPr>
+            <a:lvl7pPr>
+              <a:defRPr>
+                <a:solidFill>
+                  <a:schemeClr val="tx2"/>
+                </a:solidFill>
+              </a:defRPr>
+            </a:lvl7pPr>
+            <a:lvl8pPr>
+              <a:defRPr>
+                <a:solidFill>
+                  <a:schemeClr val="tx2"/>
+                </a:solidFill>
+              </a:defRPr>
+            </a:lvl8pPr>
+            <a:lvl9pPr>
+              <a:defRPr>
+                <a:solidFill>
+                  <a:schemeClr val="tx2"/>
+                </a:solidFill>
+              </a:defRPr>
+            </a:lvl9pPr>
+          </a:lstStyle>
+          <a:p>
+            <a:pPr lvl="0"/>
+            <a:r>
+              <a:rPr lang="en-US" sz="8000" dirty="0">
+                <a:solidFill>
+                  <a:schemeClr val="tx1"/>
+                </a:solidFill>
+                <a:effectLst/>
+              </a:rPr>
+              <a:t>“</a:t>
+            </a:r>
+          </a:p>
+        </p:txBody>
+      </p:sp>
+      <p:sp>
+        <p:nvSpPr>
+          <p:cNvPr id="13" name="TextBox 12"/>
+          <p:cNvSpPr txBox="1"/>
+          <p:nvPr/>
+        </p:nvSpPr>
+        <p:spPr>
+          <a:xfrm>
+            <a:off x="10504716" y="2928258"/>
+            <a:ext cx="609600" cy="584776"/>
+          </a:xfrm>
+          <a:prstGeom prst="rect">
+            <a:avLst/>
+          </a:prstGeom>
+        </p:spPr>
+        <p:txBody>
+          <a:bodyPr vert="horz" lIns="91440" tIns="45720" rIns="91440" bIns="45720" rtlCol="0" anchor="ctr">
+            <a:noAutofit/>
+          </a:bodyPr>
+          <a:lstStyle>
+            <a:lvl1pPr>
+              <a:spcBef>
+                <a:spcPct val="0"/>
+              </a:spcBef>
+              <a:buNone/>
+              <a:defRPr sz="3200" b="0" cap="all">
+                <a:ln w="3175" cmpd="sng">
+                  <a:noFill/>
+                </a:ln>
+                <a:effectLst>
+                  <a:glow rad="38100">
+                    <a:schemeClr val="bg1">
+                      <a:lumMod val="65000"/>
+                      <a:lumOff val="35000"/>
+                      <a:alpha val="40000"/>
+                    </a:schemeClr>
+                  </a:glow>
+                  <a:outerShdw blurRad="28575" dist="38100" dir="14040000" algn="tl" rotWithShape="0">
+                    <a:srgbClr val="000000">
+                      <a:alpha val="25000"/>
+                    </a:srgbClr>
+                  </a:outerShdw>
+                </a:effectLst>
+              </a:defRPr>
+            </a:lvl1pPr>
+            <a:lvl2pPr>
+              <a:defRPr>
+                <a:solidFill>
+                  <a:schemeClr val="tx2"/>
+                </a:solidFill>
+              </a:defRPr>
+            </a:lvl2pPr>
+            <a:lvl3pPr>
+              <a:defRPr>
+                <a:solidFill>
+                  <a:schemeClr val="tx2"/>
+                </a:solidFill>
+              </a:defRPr>
+            </a:lvl3pPr>
+            <a:lvl4pPr>
+              <a:defRPr>
+                <a:solidFill>
+                  <a:schemeClr val="tx2"/>
+                </a:solidFill>
+              </a:defRPr>
+            </a:lvl4pPr>
+            <a:lvl5pPr>
+              <a:defRPr>
+                <a:solidFill>
+                  <a:schemeClr val="tx2"/>
+                </a:solidFill>
+              </a:defRPr>
+            </a:lvl5pPr>
+            <a:lvl6pPr>
+              <a:defRPr>
+                <a:solidFill>
+                  <a:schemeClr val="tx2"/>
+                </a:solidFill>
+              </a:defRPr>
+            </a:lvl6pPr>
+            <a:lvl7pPr>
+              <a:defRPr>
+                <a:solidFill>
+                  <a:schemeClr val="tx2"/>
+                </a:solidFill>
+              </a:defRPr>
+            </a:lvl7pPr>
+            <a:lvl8pPr>
+              <a:defRPr>
+                <a:solidFill>
+                  <a:schemeClr val="tx2"/>
+                </a:solidFill>
+              </a:defRPr>
+            </a:lvl8pPr>
+            <a:lvl9pPr>
+              <a:defRPr>
+                <a:solidFill>
+                  <a:schemeClr val="tx2"/>
+                </a:solidFill>
+              </a:defRPr>
+            </a:lvl9pPr>
+          </a:lstStyle>
+          <a:p>
+            <a:pPr lvl="0" algn="r"/>
+            <a:r>
+              <a:rPr lang="en-US" sz="8000" dirty="0">
+                <a:solidFill>
+                  <a:schemeClr val="tx1"/>
+                </a:solidFill>
+                <a:effectLst/>
+              </a:rPr>
+              <a:t>”</a:t>
+            </a:r>
+          </a:p>
+        </p:txBody>
+      </p:sp>
+    </p:spTree>
+    <p:extLst>
+      <p:ext uri="{BB962C8B-B14F-4D97-AF65-F5344CB8AC3E}">
+        <p14:creationId xmlns:p14="http://schemas.microsoft.com/office/powerpoint/2010/main" val="2750472465"/>
+      </p:ext>
+    </p:extLst>
+  </p:cSld>
+  <p:clrMapOvr>
+    <a:masterClrMapping/>
+  </p:clrMapOvr>
+</p:sldLayout>
+</file>
+
+<file path=ppt/slideLayouts/slideLayout13.xml><?xml version="1.0" encoding="utf-8"?>
+<p:sldLayout xmlns:a="http://schemas.openxmlformats.org/drawingml/2006/main" xmlns:r="http://schemas.openxmlformats.org/officeDocument/2006/relationships" xmlns:p="http://schemas.openxmlformats.org/presentationml/2006/main" preserve="1">
+  <p:cSld name="Name Card">
+    <p:spTree>
+      <p:nvGrpSpPr>
+        <p:cNvPr id="1" name=""/>
+        <p:cNvGrpSpPr/>
+        <p:nvPr/>
+      </p:nvGrpSpPr>
+      <p:grpSpPr>
+        <a:xfrm>
+          <a:off x="0" y="0"/>
+          <a:ext cx="0" cy="0"/>
+          <a:chOff x="0" y="0"/>
+          <a:chExt cx="0" cy="0"/>
+        </a:xfrm>
+      </p:grpSpPr>
+      <p:sp>
+        <p:nvSpPr>
+          <p:cNvPr id="2" name="Title 1"/>
+          <p:cNvSpPr>
+            <a:spLocks noGrp="1"/>
+          </p:cNvSpPr>
+          <p:nvPr>
+            <p:ph type="title"/>
+          </p:nvPr>
+        </p:nvSpPr>
+        <p:spPr>
+          <a:xfrm>
+            <a:off x="913794" y="2126942"/>
+            <a:ext cx="10353763" cy="2511835"/>
+          </a:xfrm>
+        </p:spPr>
+        <p:txBody>
+          <a:bodyPr anchor="b"/>
+          <a:lstStyle>
+            <a:lvl1pPr>
+              <a:defRPr sz="3200"/>
+            </a:lvl1pPr>
+          </a:lstStyle>
+          <a:p>
+            <a:r>
+              <a:rPr lang="en-US"/>
+              <a:t>Click to edit Master title style</a:t>
+            </a:r>
+            <a:endParaRPr lang="en-US" dirty="0"/>
+          </a:p>
+        </p:txBody>
+      </p:sp>
+      <p:sp>
+        <p:nvSpPr>
+          <p:cNvPr id="4" name="Text Placeholder 3"/>
+          <p:cNvSpPr>
+            <a:spLocks noGrp="1"/>
+          </p:cNvSpPr>
+          <p:nvPr>
+            <p:ph type="body" sz="half" idx="2"/>
+          </p:nvPr>
+        </p:nvSpPr>
+        <p:spPr>
+          <a:xfrm>
+            <a:off x="913784" y="4650556"/>
+            <a:ext cx="10352199" cy="1140644"/>
+          </a:xfrm>
+        </p:spPr>
+        <p:txBody>
+          <a:bodyPr anchor="t"/>
+          <a:lstStyle>
+            <a:lvl1pPr marL="0" indent="0" algn="ctr">
+              <a:buNone/>
+              <a:defRPr sz="1600"/>
+            </a:lvl1pPr>
+            <a:lvl2pPr marL="457200" indent="0">
+              <a:buNone/>
+              <a:defRPr sz="1400"/>
+            </a:lvl2pPr>
+            <a:lvl3pPr marL="914400" indent="0">
+              <a:buNone/>
+              <a:defRPr sz="1200"/>
+            </a:lvl3pPr>
+            <a:lvl4pPr marL="1371600" indent="0">
+              <a:buNone/>
+              <a:defRPr sz="1000"/>
+            </a:lvl4pPr>
+            <a:lvl5pPr marL="1828800" indent="0">
+              <a:buNone/>
+              <a:defRPr sz="1000"/>
+            </a:lvl5pPr>
+            <a:lvl6pPr marL="2286000" indent="0">
+              <a:buNone/>
+              <a:defRPr sz="1000"/>
+            </a:lvl6pPr>
+            <a:lvl7pPr marL="2743200" indent="0">
+              <a:buNone/>
+              <a:defRPr sz="1000"/>
+            </a:lvl7pPr>
+            <a:lvl8pPr marL="3200400" indent="0">
+              <a:buNone/>
+              <a:defRPr sz="1000"/>
+            </a:lvl8pPr>
+            <a:lvl9pPr marL="3657600" indent="0">
+              <a:buNone/>
+              <a:defRPr sz="1000"/>
+            </a:lvl9pPr>
+          </a:lstStyle>
+          <a:p>
+            <a:pPr lvl="0"/>
+            <a:r>
+              <a:rPr lang="en-US"/>
+              <a:t>Edit Master text styles</a:t>
+            </a:r>
+          </a:p>
+        </p:txBody>
+      </p:sp>
+      <p:sp>
+        <p:nvSpPr>
+          <p:cNvPr id="5" name="Date Placeholder 4"/>
+          <p:cNvSpPr>
+            <a:spLocks noGrp="1"/>
+          </p:cNvSpPr>
+          <p:nvPr>
+            <p:ph type="dt" sz="half" idx="10"/>
+          </p:nvPr>
+        </p:nvSpPr>
+        <p:spPr/>
+        <p:txBody>
+          <a:bodyPr/>
+          <a:lstStyle/>
+          <a:p>
+            <a:fld id="{816A8EE7-6A8D-452B-B8C3-E64C291F1CAD}" type="datetimeFigureOut">
+              <a:rPr lang="en-US" smtClean="0"/>
+              <a:t>11/7/2018</a:t>
+            </a:fld>
+            <a:endParaRPr lang="en-US" dirty="0"/>
+          </a:p>
+        </p:txBody>
+      </p:sp>
+      <p:sp>
+        <p:nvSpPr>
+          <p:cNvPr id="6" name="Footer Placeholder 5"/>
+          <p:cNvSpPr>
+            <a:spLocks noGrp="1"/>
+          </p:cNvSpPr>
+          <p:nvPr>
+            <p:ph type="ftr" sz="quarter" idx="11"/>
+          </p:nvPr>
+        </p:nvSpPr>
+        <p:spPr/>
+        <p:txBody>
+          <a:bodyPr/>
+          <a:lstStyle/>
+          <a:p>
+            <a:endParaRPr lang="en-US" dirty="0"/>
+          </a:p>
+        </p:txBody>
+      </p:sp>
+      <p:sp>
+        <p:nvSpPr>
+          <p:cNvPr id="7" name="Slide Number Placeholder 6"/>
+          <p:cNvSpPr>
+            <a:spLocks noGrp="1"/>
+          </p:cNvSpPr>
+          <p:nvPr>
+            <p:ph type="sldNum" sz="quarter" idx="12"/>
+          </p:nvPr>
+        </p:nvSpPr>
+        <p:spPr/>
+        <p:txBody>
+          <a:bodyPr/>
+          <a:lstStyle/>
+          <a:p>
+            <a:fld id="{4F14C484-D775-4DEF-9039-D79CB7AEC713}" type="slidenum">
+              <a:rPr lang="en-US" smtClean="0"/>
+              <a:t>‹#›</a:t>
+            </a:fld>
+            <a:endParaRPr lang="en-US" dirty="0"/>
+          </a:p>
+        </p:txBody>
+      </p:sp>
+    </p:spTree>
+    <p:extLst>
+      <p:ext uri="{BB962C8B-B14F-4D97-AF65-F5344CB8AC3E}">
+        <p14:creationId xmlns:p14="http://schemas.microsoft.com/office/powerpoint/2010/main" val="1615487458"/>
+      </p:ext>
+    </p:extLst>
+  </p:cSld>
+  <p:clrMapOvr>
+    <a:masterClrMapping/>
+  </p:clrMapOvr>
+</p:sldLayout>
+</file>
+
+<file path=ppt/slideLayouts/slideLayout14.xml><?xml version="1.0" encoding="utf-8"?>
+<p:sldLayout xmlns:a="http://schemas.openxmlformats.org/drawingml/2006/main" xmlns:r="http://schemas.openxmlformats.org/officeDocument/2006/relationships" xmlns:p="http://schemas.openxmlformats.org/presentationml/2006/main" preserve="1">
+  <p:cSld name="3 Column">
+    <p:spTree>
+      <p:nvGrpSpPr>
+        <p:cNvPr id="1" name=""/>
+        <p:cNvGrpSpPr/>
+        <p:nvPr/>
+      </p:nvGrpSpPr>
+      <p:grpSpPr>
+        <a:xfrm>
+          <a:off x="0" y="0"/>
+          <a:ext cx="0" cy="0"/>
+          <a:chOff x="0" y="0"/>
+          <a:chExt cx="0" cy="0"/>
+        </a:xfrm>
+      </p:grpSpPr>
+      <p:sp>
+        <p:nvSpPr>
+          <p:cNvPr id="15" name="Title 1"/>
+          <p:cNvSpPr>
+            <a:spLocks noGrp="1"/>
+          </p:cNvSpPr>
+          <p:nvPr>
+            <p:ph type="title"/>
+          </p:nvPr>
+        </p:nvSpPr>
+        <p:spPr>
+          <a:xfrm>
+            <a:off x="913795" y="609600"/>
+            <a:ext cx="10353762" cy="970450"/>
+          </a:xfrm>
+        </p:spPr>
+        <p:txBody>
+          <a:bodyPr/>
+          <a:lstStyle/>
+          <a:p>
+            <a:r>
+              <a:rPr lang="en-US"/>
+              <a:t>Click to edit Master title style</a:t>
+            </a:r>
+            <a:endParaRPr lang="en-US" dirty="0"/>
+          </a:p>
+        </p:txBody>
+      </p:sp>
+      <p:sp>
+        <p:nvSpPr>
+          <p:cNvPr id="7" name="Text Placeholder 2"/>
+          <p:cNvSpPr>
+            <a:spLocks noGrp="1"/>
+          </p:cNvSpPr>
+          <p:nvPr>
+            <p:ph type="body" idx="1"/>
+          </p:nvPr>
+        </p:nvSpPr>
+        <p:spPr>
+          <a:xfrm>
+            <a:off x="913795" y="1885950"/>
+            <a:ext cx="3300984" cy="576262"/>
+          </a:xfrm>
+        </p:spPr>
+        <p:txBody>
+          <a:bodyPr anchor="b">
+            <a:noAutofit/>
+          </a:bodyPr>
+          <a:lstStyle>
+            <a:lvl1pPr marL="0" indent="0" algn="ctr">
+              <a:buNone/>
+              <a:defRPr sz="2400" b="0">
+                <a:solidFill>
+                  <a:schemeClr val="tx1"/>
+                </a:solidFill>
+              </a:defRPr>
+            </a:lvl1pPr>
+            <a:lvl2pPr marL="457200" indent="0">
+              <a:buNone/>
+              <a:defRPr sz="2000" b="1"/>
+            </a:lvl2pPr>
+            <a:lvl3pPr marL="914400" indent="0">
+              <a:buNone/>
+              <a:defRPr sz="1800" b="1"/>
+            </a:lvl3pPr>
+            <a:lvl4pPr marL="1371600" indent="0">
+              <a:buNone/>
+              <a:defRPr sz="1600" b="1"/>
+            </a:lvl4pPr>
+            <a:lvl5pPr marL="1828800" indent="0">
+              <a:buNone/>
+              <a:defRPr sz="1600" b="1"/>
+            </a:lvl5pPr>
+            <a:lvl6pPr marL="2286000" indent="0">
+              <a:buNone/>
+              <a:defRPr sz="1600" b="1"/>
+            </a:lvl6pPr>
+            <a:lvl7pPr marL="2743200" indent="0">
+              <a:buNone/>
+              <a:defRPr sz="1600" b="1"/>
+            </a:lvl7pPr>
+            <a:lvl8pPr marL="3200400" indent="0">
+              <a:buNone/>
+              <a:defRPr sz="1600" b="1"/>
+            </a:lvl8pPr>
+            <a:lvl9pPr marL="3657600" indent="0">
+              <a:buNone/>
+              <a:defRPr sz="1600" b="1"/>
+            </a:lvl9pPr>
+          </a:lstStyle>
+          <a:p>
+            <a:pPr lvl="0"/>
+            <a:r>
+              <a:rPr lang="en-US"/>
+              <a:t>Edit Master text styles</a:t>
+            </a:r>
+          </a:p>
+        </p:txBody>
+      </p:sp>
+      <p:sp>
+        <p:nvSpPr>
+          <p:cNvPr id="8" name="Text Placeholder 3"/>
+          <p:cNvSpPr>
+            <a:spLocks noGrp="1"/>
+          </p:cNvSpPr>
+          <p:nvPr>
+            <p:ph type="body" sz="half" idx="15"/>
+          </p:nvPr>
+        </p:nvSpPr>
+        <p:spPr>
+          <a:xfrm>
+            <a:off x="913795" y="2571750"/>
+            <a:ext cx="3300984" cy="3219450"/>
+          </a:xfrm>
+        </p:spPr>
+        <p:txBody>
+          <a:bodyPr anchor="t">
+            <a:normAutofit/>
+          </a:bodyPr>
+          <a:lstStyle>
+            <a:lvl1pPr marL="0" indent="0" algn="ctr">
+              <a:buNone/>
+              <a:defRPr sz="1400"/>
+            </a:lvl1pPr>
+            <a:lvl2pPr marL="457200" indent="0">
+              <a:buNone/>
+              <a:defRPr sz="1200"/>
+            </a:lvl2pPr>
+            <a:lvl3pPr marL="914400" indent="0">
+              <a:buNone/>
+              <a:defRPr sz="1000"/>
+            </a:lvl3pPr>
+            <a:lvl4pPr marL="1371600" indent="0">
+              <a:buNone/>
+              <a:defRPr sz="900"/>
+            </a:lvl4pPr>
+            <a:lvl5pPr marL="1828800" indent="0">
+              <a:buNone/>
+              <a:defRPr sz="900"/>
+            </a:lvl5pPr>
+            <a:lvl6pPr marL="2286000" indent="0">
+              <a:buNone/>
+              <a:defRPr sz="900"/>
+            </a:lvl6pPr>
+            <a:lvl7pPr marL="2743200" indent="0">
+              <a:buNone/>
+              <a:defRPr sz="900"/>
+            </a:lvl7pPr>
+            <a:lvl8pPr marL="3200400" indent="0">
+              <a:buNone/>
+              <a:defRPr sz="900"/>
+            </a:lvl8pPr>
+            <a:lvl9pPr marL="3657600" indent="0">
+              <a:buNone/>
+              <a:defRPr sz="900"/>
+            </a:lvl9pPr>
+          </a:lstStyle>
+          <a:p>
+            <a:pPr lvl="0"/>
+            <a:r>
+              <a:rPr lang="en-US"/>
+              <a:t>Edit Master text styles</a:t>
+            </a:r>
+          </a:p>
+        </p:txBody>
+      </p:sp>
+      <p:sp>
+        <p:nvSpPr>
+          <p:cNvPr id="9" name="Text Placeholder 4"/>
+          <p:cNvSpPr>
+            <a:spLocks noGrp="1"/>
+          </p:cNvSpPr>
+          <p:nvPr>
+            <p:ph type="body" sz="quarter" idx="3"/>
+          </p:nvPr>
+        </p:nvSpPr>
+        <p:spPr>
+          <a:xfrm>
+            <a:off x="4446711" y="1885950"/>
+            <a:ext cx="3300984" cy="576262"/>
+          </a:xfrm>
+        </p:spPr>
+        <p:txBody>
+          <a:bodyPr anchor="b">
+            <a:noAutofit/>
+          </a:bodyPr>
+          <a:lstStyle>
+            <a:lvl1pPr marL="0" indent="0" algn="ctr">
+              <a:buNone/>
+              <a:defRPr sz="2400" b="0">
+                <a:solidFill>
+                  <a:schemeClr val="tx1"/>
+                </a:solidFill>
+              </a:defRPr>
+            </a:lvl1pPr>
+            <a:lvl2pPr marL="457200" indent="0">
+              <a:buNone/>
+              <a:defRPr sz="2000" b="1"/>
+            </a:lvl2pPr>
+            <a:lvl3pPr marL="914400" indent="0">
+              <a:buNone/>
+              <a:defRPr sz="1800" b="1"/>
+            </a:lvl3pPr>
+            <a:lvl4pPr marL="1371600" indent="0">
+              <a:buNone/>
+              <a:defRPr sz="1600" b="1"/>
+            </a:lvl4pPr>
+            <a:lvl5pPr marL="1828800" indent="0">
+              <a:buNone/>
+              <a:defRPr sz="1600" b="1"/>
+            </a:lvl5pPr>
+            <a:lvl6pPr marL="2286000" indent="0">
+              <a:buNone/>
+              <a:defRPr sz="1600" b="1"/>
+            </a:lvl6pPr>
+            <a:lvl7pPr marL="2743200" indent="0">
+              <a:buNone/>
+              <a:defRPr sz="1600" b="1"/>
+            </a:lvl7pPr>
+            <a:lvl8pPr marL="3200400" indent="0">
+              <a:buNone/>
+              <a:defRPr sz="1600" b="1"/>
+            </a:lvl8pPr>
+            <a:lvl9pPr marL="3657600" indent="0">
+              <a:buNone/>
+              <a:defRPr sz="1600" b="1"/>
+            </a:lvl9pPr>
+          </a:lstStyle>
+          <a:p>
+            <a:pPr lvl="0"/>
+            <a:r>
+              <a:rPr lang="en-US"/>
+              <a:t>Edit Master text styles</a:t>
+            </a:r>
+          </a:p>
+        </p:txBody>
+      </p:sp>
+      <p:sp>
+        <p:nvSpPr>
+          <p:cNvPr id="10" name="Text Placeholder 3"/>
+          <p:cNvSpPr>
+            <a:spLocks noGrp="1"/>
+          </p:cNvSpPr>
+          <p:nvPr>
+            <p:ph type="body" sz="half" idx="16"/>
+          </p:nvPr>
+        </p:nvSpPr>
+        <p:spPr>
+          <a:xfrm>
+            <a:off x="4441435" y="2571750"/>
+            <a:ext cx="3300984" cy="3219450"/>
+          </a:xfrm>
+        </p:spPr>
+        <p:txBody>
+          <a:bodyPr anchor="t">
+            <a:normAutofit/>
+          </a:bodyPr>
+          <a:lstStyle>
+            <a:lvl1pPr marL="0" indent="0" algn="ctr">
+              <a:buNone/>
+              <a:defRPr sz="1400"/>
+            </a:lvl1pPr>
+            <a:lvl2pPr marL="457200" indent="0">
+              <a:buNone/>
+              <a:defRPr sz="1200"/>
+            </a:lvl2pPr>
+            <a:lvl3pPr marL="914400" indent="0">
+              <a:buNone/>
+              <a:defRPr sz="1000"/>
+            </a:lvl3pPr>
+            <a:lvl4pPr marL="1371600" indent="0">
+              <a:buNone/>
+              <a:defRPr sz="900"/>
+            </a:lvl4pPr>
+            <a:lvl5pPr marL="1828800" indent="0">
+              <a:buNone/>
+              <a:defRPr sz="900"/>
+            </a:lvl5pPr>
+            <a:lvl6pPr marL="2286000" indent="0">
+              <a:buNone/>
+              <a:defRPr sz="900"/>
+            </a:lvl6pPr>
+            <a:lvl7pPr marL="2743200" indent="0">
+              <a:buNone/>
+              <a:defRPr sz="900"/>
+            </a:lvl7pPr>
+            <a:lvl8pPr marL="3200400" indent="0">
+              <a:buNone/>
+              <a:defRPr sz="900"/>
+            </a:lvl8pPr>
+            <a:lvl9pPr marL="3657600" indent="0">
+              <a:buNone/>
+              <a:defRPr sz="900"/>
+            </a:lvl9pPr>
+          </a:lstStyle>
+          <a:p>
+            <a:pPr lvl="0"/>
+            <a:r>
+              <a:rPr lang="en-US"/>
+              <a:t>Edit Master text styles</a:t>
+            </a:r>
+          </a:p>
+        </p:txBody>
+      </p:sp>
+      <p:sp>
+        <p:nvSpPr>
+          <p:cNvPr id="11" name="Text Placeholder 4"/>
+          <p:cNvSpPr>
+            <a:spLocks noGrp="1"/>
+          </p:cNvSpPr>
+          <p:nvPr>
+            <p:ph type="body" sz="quarter" idx="13"/>
+          </p:nvPr>
+        </p:nvSpPr>
+        <p:spPr>
+          <a:xfrm>
+            <a:off x="7966572" y="1885950"/>
+            <a:ext cx="3300984" cy="576262"/>
+          </a:xfrm>
+        </p:spPr>
+        <p:txBody>
+          <a:bodyPr anchor="b">
+            <a:noAutofit/>
+          </a:bodyPr>
+          <a:lstStyle>
+            <a:lvl1pPr marL="0" indent="0" algn="ctr">
+              <a:buNone/>
+              <a:defRPr sz="2400" b="0">
+                <a:solidFill>
+                  <a:schemeClr val="tx1"/>
+                </a:solidFill>
+              </a:defRPr>
+            </a:lvl1pPr>
+            <a:lvl2pPr marL="457200" indent="0">
+              <a:buNone/>
+              <a:defRPr sz="2000" b="1"/>
+            </a:lvl2pPr>
+            <a:lvl3pPr marL="914400" indent="0">
+              <a:buNone/>
+              <a:defRPr sz="1800" b="1"/>
+            </a:lvl3pPr>
+            <a:lvl4pPr marL="1371600" indent="0">
+              <a:buNone/>
+              <a:defRPr sz="1600" b="1"/>
+            </a:lvl4pPr>
+            <a:lvl5pPr marL="1828800" indent="0">
+              <a:buNone/>
+              <a:defRPr sz="1600" b="1"/>
+            </a:lvl5pPr>
+            <a:lvl6pPr marL="2286000" indent="0">
+              <a:buNone/>
+              <a:defRPr sz="1600" b="1"/>
+            </a:lvl6pPr>
+            <a:lvl7pPr marL="2743200" indent="0">
+              <a:buNone/>
+              <a:defRPr sz="1600" b="1"/>
+            </a:lvl7pPr>
+            <a:lvl8pPr marL="3200400" indent="0">
+              <a:buNone/>
+              <a:defRPr sz="1600" b="1"/>
+            </a:lvl8pPr>
+            <a:lvl9pPr marL="3657600" indent="0">
+              <a:buNone/>
+              <a:defRPr sz="1600" b="1"/>
+            </a:lvl9pPr>
+          </a:lstStyle>
+          <a:p>
+            <a:pPr lvl="0"/>
+            <a:r>
+              <a:rPr lang="en-US"/>
+              <a:t>Edit Master text styles</a:t>
+            </a:r>
+          </a:p>
+        </p:txBody>
+      </p:sp>
+      <p:sp>
+        <p:nvSpPr>
+          <p:cNvPr id="12" name="Text Placeholder 3"/>
+          <p:cNvSpPr>
+            <a:spLocks noGrp="1"/>
+          </p:cNvSpPr>
+          <p:nvPr>
+            <p:ph type="body" sz="half" idx="17"/>
+          </p:nvPr>
+        </p:nvSpPr>
+        <p:spPr>
+          <a:xfrm>
+            <a:off x="7966572" y="2571750"/>
+            <a:ext cx="3300984" cy="3219450"/>
+          </a:xfrm>
+        </p:spPr>
+        <p:txBody>
+          <a:bodyPr anchor="t">
+            <a:normAutofit/>
+          </a:bodyPr>
+          <a:lstStyle>
+            <a:lvl1pPr marL="0" indent="0" algn="ctr">
+              <a:buNone/>
+              <a:defRPr sz="1400"/>
+            </a:lvl1pPr>
+            <a:lvl2pPr marL="457200" indent="0">
+              <a:buNone/>
+              <a:defRPr sz="1200"/>
+            </a:lvl2pPr>
+            <a:lvl3pPr marL="914400" indent="0">
+              <a:buNone/>
+              <a:defRPr sz="1000"/>
+            </a:lvl3pPr>
+            <a:lvl4pPr marL="1371600" indent="0">
+              <a:buNone/>
+              <a:defRPr sz="900"/>
+            </a:lvl4pPr>
+            <a:lvl5pPr marL="1828800" indent="0">
+              <a:buNone/>
+              <a:defRPr sz="900"/>
+            </a:lvl5pPr>
+            <a:lvl6pPr marL="2286000" indent="0">
+              <a:buNone/>
+              <a:defRPr sz="900"/>
+            </a:lvl6pPr>
+            <a:lvl7pPr marL="2743200" indent="0">
+              <a:buNone/>
+              <a:defRPr sz="900"/>
+            </a:lvl7pPr>
+            <a:lvl8pPr marL="3200400" indent="0">
+              <a:buNone/>
+              <a:defRPr sz="900"/>
+            </a:lvl8pPr>
+            <a:lvl9pPr marL="3657600" indent="0">
+              <a:buNone/>
+              <a:defRPr sz="900"/>
+            </a:lvl9pPr>
+          </a:lstStyle>
+          <a:p>
+            <a:pPr lvl="0"/>
+            <a:r>
+              <a:rPr lang="en-US"/>
+              <a:t>Edit Master text styles</a:t>
+            </a:r>
+          </a:p>
+        </p:txBody>
+      </p:sp>
+      <p:sp>
+        <p:nvSpPr>
+          <p:cNvPr id="3" name="Date Placeholder 2"/>
+          <p:cNvSpPr>
+            <a:spLocks noGrp="1"/>
+          </p:cNvSpPr>
+          <p:nvPr>
+            <p:ph type="dt" sz="half" idx="10"/>
+          </p:nvPr>
+        </p:nvSpPr>
+        <p:spPr/>
+        <p:txBody>
+          <a:bodyPr/>
+          <a:lstStyle/>
+          <a:p>
+            <a:fld id="{816A8EE7-6A8D-452B-B8C3-E64C291F1CAD}" type="datetimeFigureOut">
+              <a:rPr lang="en-US" smtClean="0"/>
+              <a:t>11/7/2018</a:t>
+            </a:fld>
+            <a:endParaRPr lang="en-US" dirty="0"/>
+          </a:p>
+        </p:txBody>
+      </p:sp>
+      <p:sp>
+        <p:nvSpPr>
+          <p:cNvPr id="4" name="Footer Placeholder 3"/>
+          <p:cNvSpPr>
+            <a:spLocks noGrp="1"/>
+          </p:cNvSpPr>
+          <p:nvPr>
+            <p:ph type="ftr" sz="quarter" idx="11"/>
+          </p:nvPr>
+        </p:nvSpPr>
+        <p:spPr/>
+        <p:txBody>
+          <a:bodyPr/>
+          <a:lstStyle/>
+          <a:p>
+            <a:endParaRPr lang="en-US" dirty="0"/>
+          </a:p>
+        </p:txBody>
+      </p:sp>
+      <p:sp>
+        <p:nvSpPr>
+          <p:cNvPr id="5" name="Slide Number Placeholder 4"/>
+          <p:cNvSpPr>
+            <a:spLocks noGrp="1"/>
+          </p:cNvSpPr>
+          <p:nvPr>
+            <p:ph type="sldNum" sz="quarter" idx="12"/>
+          </p:nvPr>
+        </p:nvSpPr>
+        <p:spPr/>
+        <p:txBody>
+          <a:bodyPr/>
+          <a:lstStyle/>
+          <a:p>
+            <a:fld id="{4F14C484-D775-4DEF-9039-D79CB7AEC713}" type="slidenum">
+              <a:rPr lang="en-US" smtClean="0"/>
+              <a:t>‹#›</a:t>
+            </a:fld>
+            <a:endParaRPr lang="en-US" dirty="0"/>
+          </a:p>
+        </p:txBody>
+      </p:sp>
+    </p:spTree>
+    <p:extLst>
+      <p:ext uri="{BB962C8B-B14F-4D97-AF65-F5344CB8AC3E}">
+        <p14:creationId xmlns:p14="http://schemas.microsoft.com/office/powerpoint/2010/main" val="1136501080"/>
+      </p:ext>
+    </p:extLst>
+  </p:cSld>
+  <p:clrMapOvr>
+    <a:masterClrMapping/>
+  </p:clrMapOvr>
+</p:sldLayout>
+</file>
+
+<file path=ppt/slideLayouts/slideLayout15.xml><?xml version="1.0" encoding="utf-8"?>
+<p:sldLayout xmlns:a="http://schemas.openxmlformats.org/drawingml/2006/main" xmlns:r="http://schemas.openxmlformats.org/officeDocument/2006/relationships" xmlns:p="http://schemas.openxmlformats.org/presentationml/2006/main" preserve="1">
+  <p:cSld name="3 Picture Column">
+    <p:spTree>
+      <p:nvGrpSpPr>
+        <p:cNvPr id="1" name=""/>
+        <p:cNvGrpSpPr/>
+        <p:nvPr/>
+      </p:nvGrpSpPr>
+      <p:grpSpPr>
+        <a:xfrm>
+          <a:off x="0" y="0"/>
+          <a:ext cx="0" cy="0"/>
+          <a:chOff x="0" y="0"/>
+          <a:chExt cx="0" cy="0"/>
+        </a:xfrm>
+      </p:grpSpPr>
+      <p:pic>
+        <p:nvPicPr>
+          <p:cNvPr id="2" name="Picture 1" descr="Slate-V2-HD-3colPhotoInset.png"/>
+          <p:cNvPicPr>
+            <a:picLocks noChangeAspect="1"/>
+          </p:cNvPicPr>
+          <p:nvPr/>
+        </p:nvPicPr>
+        <p:blipFill>
+          <a:blip r:embed="rId2">
+            <a:extLst>
+              <a:ext uri="{28A0092B-C50C-407E-A947-70E740481C1C}">
+                <a14:useLocalDpi xmlns:a14="http://schemas.microsoft.com/office/drawing/2010/main" val="0"/>
+              </a:ext>
+            </a:extLst>
+          </a:blip>
+          <a:stretch>
+            <a:fillRect/>
+          </a:stretch>
+        </p:blipFill>
+        <p:spPr>
+          <a:xfrm>
+            <a:off x="897962" y="1818214"/>
+            <a:ext cx="3339972" cy="1847851"/>
+          </a:xfrm>
+          <a:prstGeom prst="rect">
+            <a:avLst/>
+          </a:prstGeom>
+        </p:spPr>
+      </p:pic>
+      <p:pic>
+        <p:nvPicPr>
+          <p:cNvPr id="36" name="Picture 35" descr="Slate-V2-HD-3colPhotoInset.png"/>
+          <p:cNvPicPr>
+            <a:picLocks noChangeAspect="1"/>
+          </p:cNvPicPr>
+          <p:nvPr/>
+        </p:nvPicPr>
+        <p:blipFill>
+          <a:blip r:embed="rId2">
+            <a:extLst>
+              <a:ext uri="{28A0092B-C50C-407E-A947-70E740481C1C}">
+                <a14:useLocalDpi xmlns:a14="http://schemas.microsoft.com/office/drawing/2010/main" val="0"/>
+              </a:ext>
+            </a:extLst>
+          </a:blip>
+          <a:stretch>
+            <a:fillRect/>
+          </a:stretch>
+        </p:blipFill>
+        <p:spPr>
+          <a:xfrm>
+            <a:off x="4403800" y="1818214"/>
+            <a:ext cx="3339972" cy="1847851"/>
+          </a:xfrm>
+          <a:prstGeom prst="rect">
+            <a:avLst/>
+          </a:prstGeom>
+        </p:spPr>
+      </p:pic>
+      <p:pic>
+        <p:nvPicPr>
+          <p:cNvPr id="37" name="Picture 36" descr="Slate-V2-HD-3colPhotoInset.png"/>
+          <p:cNvPicPr>
+            <a:picLocks noChangeAspect="1"/>
+          </p:cNvPicPr>
+          <p:nvPr/>
+        </p:nvPicPr>
+        <p:blipFill>
+          <a:blip r:embed="rId2">
+            <a:extLst>
+              <a:ext uri="{28A0092B-C50C-407E-A947-70E740481C1C}">
+                <a14:useLocalDpi xmlns:a14="http://schemas.microsoft.com/office/drawing/2010/main" val="0"/>
+              </a:ext>
+            </a:extLst>
+          </a:blip>
+          <a:stretch>
+            <a:fillRect/>
+          </a:stretch>
+        </p:blipFill>
+        <p:spPr>
+          <a:xfrm>
+            <a:off x="7936051" y="1818214"/>
+            <a:ext cx="3339972" cy="1847851"/>
+          </a:xfrm>
+          <a:prstGeom prst="rect">
+            <a:avLst/>
+          </a:prstGeom>
+        </p:spPr>
+      </p:pic>
+      <p:sp>
+        <p:nvSpPr>
+          <p:cNvPr id="30" name="Title 1"/>
+          <p:cNvSpPr>
+            <a:spLocks noGrp="1"/>
+          </p:cNvSpPr>
+          <p:nvPr>
+            <p:ph type="title"/>
+          </p:nvPr>
+        </p:nvSpPr>
+        <p:spPr>
+          <a:xfrm>
+            <a:off x="913794" y="609600"/>
+            <a:ext cx="10353763" cy="970450"/>
+          </a:xfrm>
+        </p:spPr>
+        <p:txBody>
+          <a:bodyPr/>
+          <a:lstStyle/>
+          <a:p>
+            <a:r>
+              <a:rPr lang="en-US"/>
+              <a:t>Click to edit Master title style</a:t>
+            </a:r>
+            <a:endParaRPr lang="en-US" dirty="0"/>
+          </a:p>
+        </p:txBody>
+      </p:sp>
+      <p:sp>
+        <p:nvSpPr>
+          <p:cNvPr id="19" name="Text Placeholder 2"/>
+          <p:cNvSpPr>
+            <a:spLocks noGrp="1"/>
+          </p:cNvSpPr>
+          <p:nvPr>
+            <p:ph type="body" idx="1"/>
+          </p:nvPr>
+        </p:nvSpPr>
+        <p:spPr>
+          <a:xfrm>
+            <a:off x="913795" y="3904106"/>
+            <a:ext cx="3300984" cy="576262"/>
+          </a:xfrm>
+        </p:spPr>
+        <p:txBody>
+          <a:bodyPr anchor="b">
+            <a:noAutofit/>
+          </a:bodyPr>
+          <a:lstStyle>
+            <a:lvl1pPr marL="0" indent="0" algn="ctr">
+              <a:buNone/>
+              <a:defRPr sz="2000" b="0">
+                <a:solidFill>
+                  <a:schemeClr val="tx1"/>
+                </a:solidFill>
+              </a:defRPr>
+            </a:lvl1pPr>
+            <a:lvl2pPr marL="457200" indent="0">
+              <a:buNone/>
+              <a:defRPr sz="2000" b="1"/>
+            </a:lvl2pPr>
+            <a:lvl3pPr marL="914400" indent="0">
+              <a:buNone/>
+              <a:defRPr sz="1800" b="1"/>
+            </a:lvl3pPr>
+            <a:lvl4pPr marL="1371600" indent="0">
+              <a:buNone/>
+              <a:defRPr sz="1600" b="1"/>
+            </a:lvl4pPr>
+            <a:lvl5pPr marL="1828800" indent="0">
+              <a:buNone/>
+              <a:defRPr sz="1600" b="1"/>
+            </a:lvl5pPr>
+            <a:lvl6pPr marL="2286000" indent="0">
+              <a:buNone/>
+              <a:defRPr sz="1600" b="1"/>
+            </a:lvl6pPr>
+            <a:lvl7pPr marL="2743200" indent="0">
+              <a:buNone/>
+              <a:defRPr sz="1600" b="1"/>
+            </a:lvl7pPr>
+            <a:lvl8pPr marL="3200400" indent="0">
+              <a:buNone/>
+              <a:defRPr sz="1600" b="1"/>
+            </a:lvl8pPr>
+            <a:lvl9pPr marL="3657600" indent="0">
+              <a:buNone/>
+              <a:defRPr sz="1600" b="1"/>
+            </a:lvl9pPr>
+          </a:lstStyle>
+          <a:p>
+            <a:pPr lvl="0"/>
+            <a:r>
+              <a:rPr lang="en-US"/>
+              <a:t>Edit Master text styles</a:t>
+            </a:r>
+          </a:p>
+        </p:txBody>
+      </p:sp>
+      <p:sp>
+        <p:nvSpPr>
+          <p:cNvPr id="20" name="Picture Placeholder 2"/>
+          <p:cNvSpPr>
+            <a:spLocks noGrp="1" noChangeAspect="1"/>
+          </p:cNvSpPr>
+          <p:nvPr>
+            <p:ph type="pic" idx="15"/>
+          </p:nvPr>
+        </p:nvSpPr>
+        <p:spPr>
+          <a:xfrm>
+            <a:off x="1018102" y="1938918"/>
+            <a:ext cx="3092368" cy="1602954"/>
+          </a:xfrm>
+          <a:prstGeom prst="roundRect">
+            <a:avLst>
+              <a:gd name="adj" fmla="val 1858"/>
+            </a:avLst>
+          </a:prstGeom>
+          <a:effectLst>
+            <a:outerShdw blurRad="38100" dist="25400" dir="4440000">
+              <a:srgbClr val="000000">
+                <a:alpha val="36000"/>
+              </a:srgbClr>
+            </a:outerShdw>
+          </a:effectLst>
+        </p:spPr>
+        <p:txBody>
+          <a:bodyPr anchor="t">
+            <a:normAutofit/>
+          </a:bodyPr>
+          <a:lstStyle>
+            <a:lvl1pPr marL="0" indent="0" algn="ctr">
+              <a:buNone/>
+              <a:defRPr sz="1600"/>
+            </a:lvl1pPr>
+            <a:lvl2pPr marL="457200" indent="0">
+              <a:buNone/>
+              <a:defRPr sz="1600"/>
+            </a:lvl2pPr>
+            <a:lvl3pPr marL="914400" indent="0">
+              <a:buNone/>
+              <a:defRPr sz="1600"/>
+            </a:lvl3pPr>
+            <a:lvl4pPr marL="1371600" indent="0">
+              <a:buNone/>
+              <a:defRPr sz="1600"/>
+            </a:lvl4pPr>
+            <a:lvl5pPr marL="1828800" indent="0">
+              <a:buNone/>
+              <a:defRPr sz="1600"/>
+            </a:lvl5pPr>
+            <a:lvl6pPr marL="2286000" indent="0">
+              <a:buNone/>
+              <a:defRPr sz="1600"/>
+            </a:lvl6pPr>
+            <a:lvl7pPr marL="2743200" indent="0">
+              <a:buNone/>
+              <a:defRPr sz="1600"/>
+            </a:lvl7pPr>
+            <a:lvl8pPr marL="3200400" indent="0">
+              <a:buNone/>
+              <a:defRPr sz="1600"/>
+            </a:lvl8pPr>
+            <a:lvl9pPr marL="3657600" indent="0">
+              <a:buNone/>
+              <a:defRPr sz="1600"/>
+            </a:lvl9pPr>
+          </a:lstStyle>
+          <a:p>
+            <a:r>
+              <a:rPr lang="en-US"/>
+              <a:t>Click icon to add picture</a:t>
+            </a:r>
+            <a:endParaRPr lang="en-US" dirty="0"/>
+          </a:p>
+        </p:txBody>
+      </p:sp>
+      <p:sp>
+        <p:nvSpPr>
+          <p:cNvPr id="21" name="Text Placeholder 3"/>
+          <p:cNvSpPr>
+            <a:spLocks noGrp="1"/>
+          </p:cNvSpPr>
+          <p:nvPr>
+            <p:ph type="body" sz="half" idx="18"/>
+          </p:nvPr>
+        </p:nvSpPr>
+        <p:spPr>
+          <a:xfrm>
+            <a:off x="913795" y="4480368"/>
+            <a:ext cx="3300984" cy="1310833"/>
+          </a:xfrm>
+        </p:spPr>
+        <p:txBody>
+          <a:bodyPr anchor="t">
+            <a:normAutofit/>
+          </a:bodyPr>
+          <a:lstStyle>
+            <a:lvl1pPr marL="0" indent="0" algn="ctr">
+              <a:buNone/>
+              <a:defRPr sz="1400"/>
+            </a:lvl1pPr>
+            <a:lvl2pPr marL="457200" indent="0">
+              <a:buNone/>
+              <a:defRPr sz="1200"/>
+            </a:lvl2pPr>
+            <a:lvl3pPr marL="914400" indent="0">
+              <a:buNone/>
+              <a:defRPr sz="1000"/>
+            </a:lvl3pPr>
+            <a:lvl4pPr marL="1371600" indent="0">
+              <a:buNone/>
+              <a:defRPr sz="900"/>
+            </a:lvl4pPr>
+            <a:lvl5pPr marL="1828800" indent="0">
+              <a:buNone/>
+              <a:defRPr sz="900"/>
+            </a:lvl5pPr>
+            <a:lvl6pPr marL="2286000" indent="0">
+              <a:buNone/>
+              <a:defRPr sz="900"/>
+            </a:lvl6pPr>
+            <a:lvl7pPr marL="2743200" indent="0">
+              <a:buNone/>
+              <a:defRPr sz="900"/>
+            </a:lvl7pPr>
+            <a:lvl8pPr marL="3200400" indent="0">
+              <a:buNone/>
+              <a:defRPr sz="900"/>
+            </a:lvl8pPr>
+            <a:lvl9pPr marL="3657600" indent="0">
+              <a:buNone/>
+              <a:defRPr sz="900"/>
+            </a:lvl9pPr>
+          </a:lstStyle>
+          <a:p>
+            <a:pPr lvl="0"/>
+            <a:r>
+              <a:rPr lang="en-US"/>
+              <a:t>Edit Master text styles</a:t>
+            </a:r>
+          </a:p>
+        </p:txBody>
+      </p:sp>
+      <p:sp>
+        <p:nvSpPr>
+          <p:cNvPr id="22" name="Text Placeholder 4"/>
+          <p:cNvSpPr>
+            <a:spLocks noGrp="1"/>
+          </p:cNvSpPr>
+          <p:nvPr>
+            <p:ph type="body" sz="quarter" idx="3"/>
+          </p:nvPr>
+        </p:nvSpPr>
+        <p:spPr>
+          <a:xfrm>
+            <a:off x="4442788" y="3904106"/>
+            <a:ext cx="3300984" cy="576262"/>
+          </a:xfrm>
+        </p:spPr>
+        <p:txBody>
+          <a:bodyPr anchor="b">
+            <a:noAutofit/>
+          </a:bodyPr>
+          <a:lstStyle>
+            <a:lvl1pPr marL="0" indent="0" algn="ctr">
+              <a:buNone/>
+              <a:defRPr sz="2000" b="0">
+                <a:solidFill>
+                  <a:schemeClr val="tx1"/>
+                </a:solidFill>
+              </a:defRPr>
+            </a:lvl1pPr>
+            <a:lvl2pPr marL="457200" indent="0">
+              <a:buNone/>
+              <a:defRPr sz="2000" b="1"/>
+            </a:lvl2pPr>
+            <a:lvl3pPr marL="914400" indent="0">
+              <a:buNone/>
+              <a:defRPr sz="1800" b="1"/>
+            </a:lvl3pPr>
+            <a:lvl4pPr marL="1371600" indent="0">
+              <a:buNone/>
+              <a:defRPr sz="1600" b="1"/>
+            </a:lvl4pPr>
+            <a:lvl5pPr marL="1828800" indent="0">
+              <a:buNone/>
+              <a:defRPr sz="1600" b="1"/>
+            </a:lvl5pPr>
+            <a:lvl6pPr marL="2286000" indent="0">
+              <a:buNone/>
+              <a:defRPr sz="1600" b="1"/>
+            </a:lvl6pPr>
+            <a:lvl7pPr marL="2743200" indent="0">
+              <a:buNone/>
+              <a:defRPr sz="1600" b="1"/>
+            </a:lvl7pPr>
+            <a:lvl8pPr marL="3200400" indent="0">
+              <a:buNone/>
+              <a:defRPr sz="1600" b="1"/>
+            </a:lvl8pPr>
+            <a:lvl9pPr marL="3657600" indent="0">
+              <a:buNone/>
+              <a:defRPr sz="1600" b="1"/>
+            </a:lvl9pPr>
+          </a:lstStyle>
+          <a:p>
+            <a:pPr lvl="0"/>
+            <a:r>
+              <a:rPr lang="en-US"/>
+              <a:t>Edit Master text styles</a:t>
+            </a:r>
+          </a:p>
+        </p:txBody>
+      </p:sp>
+      <p:sp>
+        <p:nvSpPr>
+          <p:cNvPr id="23" name="Picture Placeholder 2"/>
+          <p:cNvSpPr>
+            <a:spLocks noGrp="1" noChangeAspect="1"/>
+          </p:cNvSpPr>
+          <p:nvPr>
+            <p:ph type="pic" idx="21"/>
+          </p:nvPr>
+        </p:nvSpPr>
+        <p:spPr>
+          <a:xfrm>
+            <a:off x="4545743" y="1939094"/>
+            <a:ext cx="3092368" cy="1608164"/>
+          </a:xfrm>
+          <a:prstGeom prst="roundRect">
+            <a:avLst>
+              <a:gd name="adj" fmla="val 1858"/>
+            </a:avLst>
+          </a:prstGeom>
+          <a:effectLst>
+            <a:outerShdw blurRad="38100" dist="25400" dir="4440000">
+              <a:srgbClr val="000000">
+                <a:alpha val="36000"/>
+              </a:srgbClr>
+            </a:outerShdw>
+          </a:effectLst>
+        </p:spPr>
+        <p:txBody>
+          <a:bodyPr anchor="t">
+            <a:normAutofit/>
+          </a:bodyPr>
+          <a:lstStyle>
+            <a:lvl1pPr marL="0" indent="0" algn="ctr">
+              <a:buNone/>
+              <a:defRPr sz="1600"/>
+            </a:lvl1pPr>
+            <a:lvl2pPr marL="457200" indent="0">
+              <a:buNone/>
+              <a:defRPr sz="1600"/>
+            </a:lvl2pPr>
+            <a:lvl3pPr marL="914400" indent="0">
+              <a:buNone/>
+              <a:defRPr sz="1600"/>
+            </a:lvl3pPr>
+            <a:lvl4pPr marL="1371600" indent="0">
+              <a:buNone/>
+              <a:defRPr sz="1600"/>
+            </a:lvl4pPr>
+            <a:lvl5pPr marL="1828800" indent="0">
+              <a:buNone/>
+              <a:defRPr sz="1600"/>
+            </a:lvl5pPr>
+            <a:lvl6pPr marL="2286000" indent="0">
+              <a:buNone/>
+              <a:defRPr sz="1600"/>
+            </a:lvl6pPr>
+            <a:lvl7pPr marL="2743200" indent="0">
+              <a:buNone/>
+              <a:defRPr sz="1600"/>
+            </a:lvl7pPr>
+            <a:lvl8pPr marL="3200400" indent="0">
+              <a:buNone/>
+              <a:defRPr sz="1600"/>
+            </a:lvl8pPr>
+            <a:lvl9pPr marL="3657600" indent="0">
+              <a:buNone/>
+              <a:defRPr sz="1600"/>
+            </a:lvl9pPr>
+          </a:lstStyle>
+          <a:p>
+            <a:r>
+              <a:rPr lang="en-US"/>
+              <a:t>Click icon to add picture</a:t>
+            </a:r>
+            <a:endParaRPr lang="en-US" dirty="0"/>
+          </a:p>
+        </p:txBody>
+      </p:sp>
+      <p:sp>
+        <p:nvSpPr>
+          <p:cNvPr id="24" name="Text Placeholder 3"/>
+          <p:cNvSpPr>
+            <a:spLocks noGrp="1"/>
+          </p:cNvSpPr>
+          <p:nvPr>
+            <p:ph type="body" sz="half" idx="19"/>
+          </p:nvPr>
+        </p:nvSpPr>
+        <p:spPr>
+          <a:xfrm>
+            <a:off x="4441435" y="4480367"/>
+            <a:ext cx="3300984" cy="1310833"/>
+          </a:xfrm>
+        </p:spPr>
+        <p:txBody>
+          <a:bodyPr anchor="t">
+            <a:normAutofit/>
+          </a:bodyPr>
+          <a:lstStyle>
+            <a:lvl1pPr marL="0" indent="0" algn="ctr">
+              <a:buNone/>
+              <a:defRPr sz="1400"/>
+            </a:lvl1pPr>
+            <a:lvl2pPr marL="457200" indent="0">
+              <a:buNone/>
+              <a:defRPr sz="1200"/>
+            </a:lvl2pPr>
+            <a:lvl3pPr marL="914400" indent="0">
+              <a:buNone/>
+              <a:defRPr sz="1000"/>
+            </a:lvl3pPr>
+            <a:lvl4pPr marL="1371600" indent="0">
+              <a:buNone/>
+              <a:defRPr sz="900"/>
+            </a:lvl4pPr>
+            <a:lvl5pPr marL="1828800" indent="0">
+              <a:buNone/>
+              <a:defRPr sz="900"/>
+            </a:lvl5pPr>
+            <a:lvl6pPr marL="2286000" indent="0">
+              <a:buNone/>
+              <a:defRPr sz="900"/>
+            </a:lvl6pPr>
+            <a:lvl7pPr marL="2743200" indent="0">
+              <a:buNone/>
+              <a:defRPr sz="900"/>
+            </a:lvl7pPr>
+            <a:lvl8pPr marL="3200400" indent="0">
+              <a:buNone/>
+              <a:defRPr sz="900"/>
+            </a:lvl8pPr>
+            <a:lvl9pPr marL="3657600" indent="0">
+              <a:buNone/>
+              <a:defRPr sz="900"/>
+            </a:lvl9pPr>
+          </a:lstStyle>
+          <a:p>
+            <a:pPr lvl="0"/>
+            <a:r>
+              <a:rPr lang="en-US"/>
+              <a:t>Edit Master text styles</a:t>
+            </a:r>
+          </a:p>
+        </p:txBody>
+      </p:sp>
+      <p:sp>
+        <p:nvSpPr>
+          <p:cNvPr id="25" name="Text Placeholder 4"/>
+          <p:cNvSpPr>
+            <a:spLocks noGrp="1"/>
+          </p:cNvSpPr>
+          <p:nvPr>
+            <p:ph type="body" sz="quarter" idx="13"/>
+          </p:nvPr>
+        </p:nvSpPr>
+        <p:spPr>
+          <a:xfrm>
+            <a:off x="7966697" y="3904106"/>
+            <a:ext cx="3300984" cy="576262"/>
+          </a:xfrm>
+        </p:spPr>
+        <p:txBody>
+          <a:bodyPr anchor="b">
+            <a:noAutofit/>
+          </a:bodyPr>
+          <a:lstStyle>
+            <a:lvl1pPr marL="0" indent="0" algn="ctr">
+              <a:buNone/>
+              <a:defRPr sz="2000" b="0">
+                <a:solidFill>
+                  <a:schemeClr val="tx1"/>
+                </a:solidFill>
+              </a:defRPr>
+            </a:lvl1pPr>
+            <a:lvl2pPr marL="457200" indent="0">
+              <a:buNone/>
+              <a:defRPr sz="2000" b="1"/>
+            </a:lvl2pPr>
+            <a:lvl3pPr marL="914400" indent="0">
+              <a:buNone/>
+              <a:defRPr sz="1800" b="1"/>
+            </a:lvl3pPr>
+            <a:lvl4pPr marL="1371600" indent="0">
+              <a:buNone/>
+              <a:defRPr sz="1600" b="1"/>
+            </a:lvl4pPr>
+            <a:lvl5pPr marL="1828800" indent="0">
+              <a:buNone/>
+              <a:defRPr sz="1600" b="1"/>
+            </a:lvl5pPr>
+            <a:lvl6pPr marL="2286000" indent="0">
+              <a:buNone/>
+              <a:defRPr sz="1600" b="1"/>
+            </a:lvl6pPr>
+            <a:lvl7pPr marL="2743200" indent="0">
+              <a:buNone/>
+              <a:defRPr sz="1600" b="1"/>
+            </a:lvl7pPr>
+            <a:lvl8pPr marL="3200400" indent="0">
+              <a:buNone/>
+              <a:defRPr sz="1600" b="1"/>
+            </a:lvl8pPr>
+            <a:lvl9pPr marL="3657600" indent="0">
+              <a:buNone/>
+              <a:defRPr sz="1600" b="1"/>
+            </a:lvl9pPr>
+          </a:lstStyle>
+          <a:p>
+            <a:pPr lvl="0"/>
+            <a:r>
+              <a:rPr lang="en-US"/>
+              <a:t>Edit Master text styles</a:t>
+            </a:r>
+          </a:p>
+        </p:txBody>
+      </p:sp>
+      <p:sp>
+        <p:nvSpPr>
+          <p:cNvPr id="26" name="Picture Placeholder 2"/>
+          <p:cNvSpPr>
+            <a:spLocks noGrp="1" noChangeAspect="1"/>
+          </p:cNvSpPr>
+          <p:nvPr>
+            <p:ph type="pic" idx="22"/>
+          </p:nvPr>
+        </p:nvSpPr>
+        <p:spPr>
+          <a:xfrm>
+            <a:off x="8075698" y="1934432"/>
+            <a:ext cx="3092368" cy="1607294"/>
+          </a:xfrm>
+          <a:prstGeom prst="roundRect">
+            <a:avLst>
+              <a:gd name="adj" fmla="val 1858"/>
+            </a:avLst>
+          </a:prstGeom>
+          <a:effectLst>
+            <a:outerShdw blurRad="38100" dist="25400" dir="4440000">
+              <a:srgbClr val="000000">
+                <a:alpha val="36000"/>
+              </a:srgbClr>
+            </a:outerShdw>
+          </a:effectLst>
+        </p:spPr>
+        <p:txBody>
+          <a:bodyPr anchor="t">
+            <a:normAutofit/>
+          </a:bodyPr>
+          <a:lstStyle>
+            <a:lvl1pPr marL="0" indent="0" algn="ctr">
+              <a:buNone/>
+              <a:defRPr sz="1600"/>
+            </a:lvl1pPr>
+            <a:lvl2pPr marL="457200" indent="0">
+              <a:buNone/>
+              <a:defRPr sz="1600"/>
+            </a:lvl2pPr>
+            <a:lvl3pPr marL="914400" indent="0">
+              <a:buNone/>
+              <a:defRPr sz="1600"/>
+            </a:lvl3pPr>
+            <a:lvl4pPr marL="1371600" indent="0">
+              <a:buNone/>
+              <a:defRPr sz="1600"/>
+            </a:lvl4pPr>
+            <a:lvl5pPr marL="1828800" indent="0">
+              <a:buNone/>
+              <a:defRPr sz="1600"/>
+            </a:lvl5pPr>
+            <a:lvl6pPr marL="2286000" indent="0">
+              <a:buNone/>
+              <a:defRPr sz="1600"/>
+            </a:lvl6pPr>
+            <a:lvl7pPr marL="2743200" indent="0">
+              <a:buNone/>
+              <a:defRPr sz="1600"/>
+            </a:lvl7pPr>
+            <a:lvl8pPr marL="3200400" indent="0">
+              <a:buNone/>
+              <a:defRPr sz="1600"/>
+            </a:lvl8pPr>
+            <a:lvl9pPr marL="3657600" indent="0">
+              <a:buNone/>
+              <a:defRPr sz="1600"/>
+            </a:lvl9pPr>
+          </a:lstStyle>
+          <a:p>
+            <a:r>
+              <a:rPr lang="en-US"/>
+              <a:t>Click icon to add picture</a:t>
+            </a:r>
+            <a:endParaRPr lang="en-US" dirty="0"/>
+          </a:p>
+        </p:txBody>
+      </p:sp>
+      <p:sp>
+        <p:nvSpPr>
+          <p:cNvPr id="27" name="Text Placeholder 3"/>
+          <p:cNvSpPr>
+            <a:spLocks noGrp="1"/>
+          </p:cNvSpPr>
+          <p:nvPr>
+            <p:ph type="body" sz="half" idx="20"/>
+          </p:nvPr>
+        </p:nvSpPr>
+        <p:spPr>
+          <a:xfrm>
+            <a:off x="7966572" y="4480365"/>
+            <a:ext cx="3300984" cy="1310835"/>
+          </a:xfrm>
+        </p:spPr>
+        <p:txBody>
+          <a:bodyPr anchor="t">
+            <a:normAutofit/>
+          </a:bodyPr>
+          <a:lstStyle>
+            <a:lvl1pPr marL="0" indent="0" algn="ctr">
+              <a:buNone/>
+              <a:defRPr sz="1400"/>
+            </a:lvl1pPr>
+            <a:lvl2pPr marL="457200" indent="0">
+              <a:buNone/>
+              <a:defRPr sz="1200"/>
+            </a:lvl2pPr>
+            <a:lvl3pPr marL="914400" indent="0">
+              <a:buNone/>
+              <a:defRPr sz="1000"/>
+            </a:lvl3pPr>
+            <a:lvl4pPr marL="1371600" indent="0">
+              <a:buNone/>
+              <a:defRPr sz="900"/>
+            </a:lvl4pPr>
+            <a:lvl5pPr marL="1828800" indent="0">
+              <a:buNone/>
+              <a:defRPr sz="900"/>
+            </a:lvl5pPr>
+            <a:lvl6pPr marL="2286000" indent="0">
+              <a:buNone/>
+              <a:defRPr sz="900"/>
+            </a:lvl6pPr>
+            <a:lvl7pPr marL="2743200" indent="0">
+              <a:buNone/>
+              <a:defRPr sz="900"/>
+            </a:lvl7pPr>
+            <a:lvl8pPr marL="3200400" indent="0">
+              <a:buNone/>
+              <a:defRPr sz="900"/>
+            </a:lvl8pPr>
+            <a:lvl9pPr marL="3657600" indent="0">
+              <a:buNone/>
+              <a:defRPr sz="900"/>
+            </a:lvl9pPr>
+          </a:lstStyle>
+          <a:p>
+            <a:pPr lvl="0"/>
+            <a:r>
+              <a:rPr lang="en-US"/>
+              <a:t>Edit Master text styles</a:t>
+            </a:r>
+          </a:p>
+        </p:txBody>
+      </p:sp>
+      <p:sp>
+        <p:nvSpPr>
+          <p:cNvPr id="3" name="Date Placeholder 2"/>
+          <p:cNvSpPr>
+            <a:spLocks noGrp="1"/>
+          </p:cNvSpPr>
+          <p:nvPr>
+            <p:ph type="dt" sz="half" idx="10"/>
+          </p:nvPr>
+        </p:nvSpPr>
+        <p:spPr/>
+        <p:txBody>
+          <a:bodyPr/>
+          <a:lstStyle/>
+          <a:p>
+            <a:fld id="{816A8EE7-6A8D-452B-B8C3-E64C291F1CAD}" type="datetimeFigureOut">
+              <a:rPr lang="en-US" smtClean="0"/>
+              <a:t>11/7/2018</a:t>
+            </a:fld>
+            <a:endParaRPr lang="en-US" dirty="0"/>
+          </a:p>
+        </p:txBody>
+      </p:sp>
+      <p:sp>
+        <p:nvSpPr>
+          <p:cNvPr id="4" name="Footer Placeholder 3"/>
+          <p:cNvSpPr>
+            <a:spLocks noGrp="1"/>
+          </p:cNvSpPr>
+          <p:nvPr>
+            <p:ph type="ftr" sz="quarter" idx="11"/>
+          </p:nvPr>
+        </p:nvSpPr>
+        <p:spPr/>
+        <p:txBody>
+          <a:bodyPr/>
+          <a:lstStyle/>
+          <a:p>
+            <a:endParaRPr lang="en-US" dirty="0"/>
+          </a:p>
+        </p:txBody>
+      </p:sp>
+      <p:sp>
+        <p:nvSpPr>
+          <p:cNvPr id="5" name="Slide Number Placeholder 4"/>
+          <p:cNvSpPr>
+            <a:spLocks noGrp="1"/>
+          </p:cNvSpPr>
+          <p:nvPr>
+            <p:ph type="sldNum" sz="quarter" idx="12"/>
+          </p:nvPr>
+        </p:nvSpPr>
+        <p:spPr/>
+        <p:txBody>
+          <a:bodyPr/>
+          <a:lstStyle/>
+          <a:p>
+            <a:fld id="{4F14C484-D775-4DEF-9039-D79CB7AEC713}" type="slidenum">
+              <a:rPr lang="en-US" smtClean="0"/>
+              <a:t>‹#›</a:t>
+            </a:fld>
+            <a:endParaRPr lang="en-US" dirty="0"/>
+          </a:p>
+        </p:txBody>
+      </p:sp>
+    </p:spTree>
+    <p:extLst>
+      <p:ext uri="{BB962C8B-B14F-4D97-AF65-F5344CB8AC3E}">
+        <p14:creationId xmlns:p14="http://schemas.microsoft.com/office/powerpoint/2010/main" val="3276653084"/>
+      </p:ext>
+    </p:extLst>
+  </p:cSld>
+  <p:clrMapOvr>
+    <a:masterClrMapping/>
+  </p:clrMapOvr>
+</p:sldLayout>
+</file>
+
+<file path=ppt/slideLayouts/slideLayout16.xml><?xml version="1.0" encoding="utf-8"?>
 <p:sldLayout xmlns:a="http://schemas.openxmlformats.org/drawingml/2006/main" xmlns:r="http://schemas.openxmlformats.org/officeDocument/2006/relationships" xmlns:p="http://schemas.openxmlformats.org/presentationml/2006/main" type="vertTx" preserve="1">
   <p:cSld name="Title and Vertical Text">
     <p:spTree>
@@ -346,10 +2976,10 @@
           <a:lstStyle/>
           <a:p>
             <a:r>
-              <a:rPr lang="en-US" smtClean="0"/>
+              <a:rPr lang="en-US"/>
               <a:t>Click to edit Master title style</a:t>
             </a:r>
-            <a:endParaRPr lang="en-US"/>
+            <a:endParaRPr lang="en-US" dirty="0"/>
           </a:p>
         </p:txBody>
       </p:sp>
@@ -365,43 +2995,43 @@
         </p:nvSpPr>
         <p:spPr/>
         <p:txBody>
-          <a:bodyPr vert="eaVert"/>
+          <a:bodyPr vert="eaVert" anchor="t"/>
           <a:lstStyle/>
           <a:p>
             <a:pPr lvl="0"/>
             <a:r>
-              <a:rPr lang="en-US" smtClean="0"/>
+              <a:rPr lang="en-US"/>
               <a:t>Edit Master text styles</a:t>
             </a:r>
           </a:p>
           <a:p>
             <a:pPr lvl="1"/>
             <a:r>
-              <a:rPr lang="en-US" smtClean="0"/>
+              <a:rPr lang="en-US"/>
               <a:t>Second level</a:t>
             </a:r>
           </a:p>
           <a:p>
             <a:pPr lvl="2"/>
             <a:r>
-              <a:rPr lang="en-US" smtClean="0"/>
+              <a:rPr lang="en-US"/>
               <a:t>Third level</a:t>
             </a:r>
           </a:p>
           <a:p>
             <a:pPr lvl="3"/>
             <a:r>
-              <a:rPr lang="en-US" smtClean="0"/>
+              <a:rPr lang="en-US"/>
               <a:t>Fourth level</a:t>
             </a:r>
           </a:p>
           <a:p>
             <a:pPr lvl="4"/>
             <a:r>
-              <a:rPr lang="en-US" smtClean="0"/>
+              <a:rPr lang="en-US"/>
               <a:t>Fifth level</a:t>
             </a:r>
-            <a:endParaRPr lang="en-US"/>
+            <a:endParaRPr lang="en-US" dirty="0"/>
           </a:p>
         </p:txBody>
       </p:sp>
@@ -422,7 +3052,7 @@
           <a:p>
             <a:fld id="{816A8EE7-6A8D-452B-B8C3-E64C291F1CAD}" type="datetimeFigureOut">
               <a:rPr lang="en-US" smtClean="0"/>
-              <a:t>11/3/2018</a:t>
+              <a:t>11/7/2018</a:t>
             </a:fld>
             <a:endParaRPr lang="en-US" dirty="0"/>
           </a:p>
@@ -473,7 +3103,7 @@
     </p:spTree>
     <p:extLst>
       <p:ext uri="{BB962C8B-B14F-4D97-AF65-F5344CB8AC3E}">
-        <p14:creationId xmlns:p14="http://schemas.microsoft.com/office/powerpoint/2010/main" val="1751117093"/>
+        <p14:creationId xmlns:p14="http://schemas.microsoft.com/office/powerpoint/2010/main" val="1224003643"/>
       </p:ext>
     </p:extLst>
   </p:cSld>
@@ -483,7 +3113,7 @@
 </p:sldLayout>
 </file>
 
-<file path=ppt/slideLayouts/slideLayout11.xml><?xml version="1.0" encoding="utf-8"?>
+<file path=ppt/slideLayouts/slideLayout17.xml><?xml version="1.0" encoding="utf-8"?>
 <p:sldLayout xmlns:a="http://schemas.openxmlformats.org/drawingml/2006/main" xmlns:r="http://schemas.openxmlformats.org/officeDocument/2006/relationships" xmlns:p="http://schemas.openxmlformats.org/presentationml/2006/main" type="vertTitleAndTx" preserve="1">
   <p:cSld name="Vertical Title and Text">
     <p:spTree>
@@ -512,19 +3142,23 @@
         </p:nvSpPr>
         <p:spPr>
           <a:xfrm>
-            <a:off x="8724900" y="365125"/>
-            <a:ext cx="2628900" cy="5811838"/>
+            <a:off x="8983068" y="609599"/>
+            <a:ext cx="2284487" cy="5181601"/>
           </a:xfrm>
         </p:spPr>
         <p:txBody>
           <a:bodyPr vert="eaVert"/>
-          <a:lstStyle/>
-          <a:p>
-            <a:r>
-              <a:rPr lang="en-US" smtClean="0"/>
+          <a:lstStyle>
+            <a:lvl1pPr algn="l">
+              <a:defRPr/>
+            </a:lvl1pPr>
+          </a:lstStyle>
+          <a:p>
+            <a:r>
+              <a:rPr lang="en-US"/>
               <a:t>Click to edit Master title style</a:t>
             </a:r>
-            <a:endParaRPr lang="en-US"/>
+            <a:endParaRPr lang="en-US" dirty="0"/>
           </a:p>
         </p:txBody>
       </p:sp>
@@ -540,48 +3174,48 @@
         </p:nvSpPr>
         <p:spPr>
           <a:xfrm>
-            <a:off x="838200" y="365125"/>
-            <a:ext cx="7734300" cy="5811838"/>
+            <a:off x="913796" y="609599"/>
+            <a:ext cx="7916872" cy="5181601"/>
           </a:xfrm>
         </p:spPr>
         <p:txBody>
-          <a:bodyPr vert="eaVert"/>
+          <a:bodyPr vert="eaVert" anchor="t"/>
           <a:lstStyle/>
           <a:p>
             <a:pPr lvl="0"/>
             <a:r>
-              <a:rPr lang="en-US" smtClean="0"/>
+              <a:rPr lang="en-US"/>
               <a:t>Edit Master text styles</a:t>
             </a:r>
           </a:p>
           <a:p>
             <a:pPr lvl="1"/>
             <a:r>
-              <a:rPr lang="en-US" smtClean="0"/>
+              <a:rPr lang="en-US"/>
               <a:t>Second level</a:t>
             </a:r>
           </a:p>
           <a:p>
             <a:pPr lvl="2"/>
             <a:r>
-              <a:rPr lang="en-US" smtClean="0"/>
+              <a:rPr lang="en-US"/>
               <a:t>Third level</a:t>
             </a:r>
           </a:p>
           <a:p>
             <a:pPr lvl="3"/>
             <a:r>
-              <a:rPr lang="en-US" smtClean="0"/>
+              <a:rPr lang="en-US"/>
               <a:t>Fourth level</a:t>
             </a:r>
           </a:p>
           <a:p>
             <a:pPr lvl="4"/>
             <a:r>
-              <a:rPr lang="en-US" smtClean="0"/>
+              <a:rPr lang="en-US"/>
               <a:t>Fifth level</a:t>
             </a:r>
-            <a:endParaRPr lang="en-US"/>
+            <a:endParaRPr lang="en-US" dirty="0"/>
           </a:p>
         </p:txBody>
       </p:sp>
@@ -602,7 +3236,7 @@
           <a:p>
             <a:fld id="{816A8EE7-6A8D-452B-B8C3-E64C291F1CAD}" type="datetimeFigureOut">
               <a:rPr lang="en-US" smtClean="0"/>
-              <a:t>11/3/2018</a:t>
+              <a:t>11/7/2018</a:t>
             </a:fld>
             <a:endParaRPr lang="en-US" dirty="0"/>
           </a:p>
@@ -653,7 +3287,7 @@
     </p:spTree>
     <p:extLst>
       <p:ext uri="{BB962C8B-B14F-4D97-AF65-F5344CB8AC3E}">
-        <p14:creationId xmlns:p14="http://schemas.microsoft.com/office/powerpoint/2010/main" val="3288156793"/>
+        <p14:creationId xmlns:p14="http://schemas.microsoft.com/office/powerpoint/2010/main" val="2977488692"/>
       </p:ext>
     </p:extLst>
   </p:cSld>
@@ -696,10 +3330,10 @@
           <a:lstStyle/>
           <a:p>
             <a:r>
-              <a:rPr lang="en-US" smtClean="0"/>
+              <a:rPr lang="en-US"/>
               <a:t>Click to edit Master title style</a:t>
             </a:r>
-            <a:endParaRPr lang="en-US"/>
+            <a:endParaRPr lang="en-US" dirty="0"/>
           </a:p>
         </p:txBody>
       </p:sp>
@@ -720,38 +3354,38 @@
           <a:p>
             <a:pPr lvl="0"/>
             <a:r>
-              <a:rPr lang="en-US" smtClean="0"/>
+              <a:rPr lang="en-US"/>
               <a:t>Edit Master text styles</a:t>
             </a:r>
           </a:p>
           <a:p>
             <a:pPr lvl="1"/>
             <a:r>
-              <a:rPr lang="en-US" smtClean="0"/>
+              <a:rPr lang="en-US"/>
               <a:t>Second level</a:t>
             </a:r>
           </a:p>
           <a:p>
             <a:pPr lvl="2"/>
             <a:r>
-              <a:rPr lang="en-US" smtClean="0"/>
+              <a:rPr lang="en-US"/>
               <a:t>Third level</a:t>
             </a:r>
           </a:p>
           <a:p>
             <a:pPr lvl="3"/>
             <a:r>
-              <a:rPr lang="en-US" smtClean="0"/>
+              <a:rPr lang="en-US"/>
               <a:t>Fourth level</a:t>
             </a:r>
           </a:p>
           <a:p>
             <a:pPr lvl="4"/>
             <a:r>
-              <a:rPr lang="en-US" smtClean="0"/>
+              <a:rPr lang="en-US"/>
               <a:t>Fifth level</a:t>
             </a:r>
-            <a:endParaRPr lang="en-US"/>
+            <a:endParaRPr lang="en-US" dirty="0"/>
           </a:p>
         </p:txBody>
       </p:sp>
@@ -772,7 +3406,7 @@
           <a:p>
             <a:fld id="{816A8EE7-6A8D-452B-B8C3-E64C291F1CAD}" type="datetimeFigureOut">
               <a:rPr lang="en-US" smtClean="0"/>
-              <a:t>11/3/2018</a:t>
+              <a:t>11/7/2018</a:t>
             </a:fld>
             <a:endParaRPr lang="en-US" dirty="0"/>
           </a:p>
@@ -823,7 +3457,7 @@
     </p:spTree>
     <p:extLst>
       <p:ext uri="{BB962C8B-B14F-4D97-AF65-F5344CB8AC3E}">
-        <p14:creationId xmlns:p14="http://schemas.microsoft.com/office/powerpoint/2010/main" val="992896837"/>
+        <p14:creationId xmlns:p14="http://schemas.microsoft.com/office/powerpoint/2010/main" val="3147371629"/>
       </p:ext>
     </p:extLst>
   </p:cSld>
@@ -862,23 +3496,23 @@
         </p:nvSpPr>
         <p:spPr>
           <a:xfrm>
-            <a:off x="831850" y="1709738"/>
-            <a:ext cx="10515600" cy="2852737"/>
+            <a:off x="1295401" y="1761067"/>
+            <a:ext cx="9590550" cy="1828813"/>
           </a:xfrm>
         </p:spPr>
         <p:txBody>
           <a:bodyPr anchor="b"/>
           <a:lstStyle>
-            <a:lvl1pPr>
-              <a:defRPr sz="6000"/>
+            <a:lvl1pPr algn="ctr">
+              <a:defRPr sz="4000" b="0" cap="none"/>
             </a:lvl1pPr>
           </a:lstStyle>
           <a:p>
             <a:r>
-              <a:rPr lang="en-US" smtClean="0"/>
+              <a:rPr lang="en-US"/>
               <a:t>Click to edit Master title style</a:t>
             </a:r>
-            <a:endParaRPr lang="en-US"/>
+            <a:endParaRPr lang="en-US" dirty="0"/>
           </a:p>
         </p:txBody>
       </p:sp>
@@ -894,26 +3528,24 @@
         </p:nvSpPr>
         <p:spPr>
           <a:xfrm>
-            <a:off x="831850" y="4589463"/>
-            <a:ext cx="10515600" cy="1500187"/>
+            <a:off x="1295401" y="3589879"/>
+            <a:ext cx="9590550" cy="1507054"/>
           </a:xfrm>
         </p:spPr>
         <p:txBody>
-          <a:bodyPr/>
+          <a:bodyPr anchor="t"/>
           <a:lstStyle>
-            <a:lvl1pPr marL="0" indent="0">
-              <a:buNone/>
-              <a:defRPr sz="2400">
+            <a:lvl1pPr marL="0" indent="0" algn="ctr">
+              <a:buNone/>
+              <a:defRPr sz="2000">
                 <a:solidFill>
-                  <a:schemeClr val="tx1">
-                    <a:tint val="75000"/>
-                  </a:schemeClr>
+                  <a:schemeClr val="tx1"/>
                 </a:solidFill>
               </a:defRPr>
             </a:lvl1pPr>
             <a:lvl2pPr marL="457200" indent="0">
               <a:buNone/>
-              <a:defRPr sz="2000">
+              <a:defRPr sz="1800">
                 <a:solidFill>
                   <a:schemeClr val="tx1">
                     <a:tint val="75000"/>
@@ -923,7 +3555,7 @@
             </a:lvl2pPr>
             <a:lvl3pPr marL="914400" indent="0">
               <a:buNone/>
-              <a:defRPr sz="1800">
+              <a:defRPr sz="1600">
                 <a:solidFill>
                   <a:schemeClr val="tx1">
                     <a:tint val="75000"/>
@@ -933,7 +3565,7 @@
             </a:lvl3pPr>
             <a:lvl4pPr marL="1371600" indent="0">
               <a:buNone/>
-              <a:defRPr sz="1600">
+              <a:defRPr sz="1400">
                 <a:solidFill>
                   <a:schemeClr val="tx1">
                     <a:tint val="75000"/>
@@ -943,7 +3575,7 @@
             </a:lvl4pPr>
             <a:lvl5pPr marL="1828800" indent="0">
               <a:buNone/>
-              <a:defRPr sz="1600">
+              <a:defRPr sz="1400">
                 <a:solidFill>
                   <a:schemeClr val="tx1">
                     <a:tint val="75000"/>
@@ -953,7 +3585,7 @@
             </a:lvl5pPr>
             <a:lvl6pPr marL="2286000" indent="0">
               <a:buNone/>
-              <a:defRPr sz="1600">
+              <a:defRPr sz="1400">
                 <a:solidFill>
                   <a:schemeClr val="tx1">
                     <a:tint val="75000"/>
@@ -963,7 +3595,7 @@
             </a:lvl6pPr>
             <a:lvl7pPr marL="2743200" indent="0">
               <a:buNone/>
-              <a:defRPr sz="1600">
+              <a:defRPr sz="1400">
                 <a:solidFill>
                   <a:schemeClr val="tx1">
                     <a:tint val="75000"/>
@@ -973,7 +3605,7 @@
             </a:lvl7pPr>
             <a:lvl8pPr marL="3200400" indent="0">
               <a:buNone/>
-              <a:defRPr sz="1600">
+              <a:defRPr sz="1400">
                 <a:solidFill>
                   <a:schemeClr val="tx1">
                     <a:tint val="75000"/>
@@ -983,7 +3615,7 @@
             </a:lvl8pPr>
             <a:lvl9pPr marL="3657600" indent="0">
               <a:buNone/>
-              <a:defRPr sz="1600">
+              <a:defRPr sz="1400">
                 <a:solidFill>
                   <a:schemeClr val="tx1">
                     <a:tint val="75000"/>
@@ -995,7 +3627,7 @@
           <a:p>
             <a:pPr lvl="0"/>
             <a:r>
-              <a:rPr lang="en-US" smtClean="0"/>
+              <a:rPr lang="en-US"/>
               <a:t>Edit Master text styles</a:t>
             </a:r>
           </a:p>
@@ -1018,7 +3650,7 @@
           <a:p>
             <a:fld id="{816A8EE7-6A8D-452B-B8C3-E64C291F1CAD}" type="datetimeFigureOut">
               <a:rPr lang="en-US" smtClean="0"/>
-              <a:t>11/3/2018</a:t>
+              <a:t>11/7/2018</a:t>
             </a:fld>
             <a:endParaRPr lang="en-US" dirty="0"/>
           </a:p>
@@ -1069,7 +3701,7 @@
     </p:spTree>
     <p:extLst>
       <p:ext uri="{BB962C8B-B14F-4D97-AF65-F5344CB8AC3E}">
-        <p14:creationId xmlns:p14="http://schemas.microsoft.com/office/powerpoint/2010/main" val="3600947574"/>
+        <p14:creationId xmlns:p14="http://schemas.microsoft.com/office/powerpoint/2010/main" val="963413181"/>
       </p:ext>
     </p:extLst>
   </p:cSld>
@@ -1112,10 +3744,10 @@
           <a:lstStyle/>
           <a:p>
             <a:r>
-              <a:rPr lang="en-US" smtClean="0"/>
+              <a:rPr lang="en-US"/>
               <a:t>Click to edit Master title style</a:t>
             </a:r>
-            <a:endParaRPr lang="en-US"/>
+            <a:endParaRPr lang="en-US" dirty="0"/>
           </a:p>
         </p:txBody>
       </p:sp>
@@ -1131,48 +3763,50 @@
         </p:nvSpPr>
         <p:spPr>
           <a:xfrm>
-            <a:off x="838200" y="1825625"/>
-            <a:ext cx="5181600" cy="4351338"/>
+            <a:off x="913795" y="1732449"/>
+            <a:ext cx="5060497" cy="4058750"/>
           </a:xfrm>
         </p:spPr>
         <p:txBody>
-          <a:bodyPr/>
+          <a:bodyPr anchor="t">
+            <a:normAutofit/>
+          </a:bodyPr>
           <a:lstStyle/>
           <a:p>
             <a:pPr lvl="0"/>
             <a:r>
-              <a:rPr lang="en-US" smtClean="0"/>
+              <a:rPr lang="en-US"/>
               <a:t>Edit Master text styles</a:t>
             </a:r>
           </a:p>
           <a:p>
             <a:pPr lvl="1"/>
             <a:r>
-              <a:rPr lang="en-US" smtClean="0"/>
+              <a:rPr lang="en-US"/>
               <a:t>Second level</a:t>
             </a:r>
           </a:p>
           <a:p>
             <a:pPr lvl="2"/>
             <a:r>
-              <a:rPr lang="en-US" smtClean="0"/>
+              <a:rPr lang="en-US"/>
               <a:t>Third level</a:t>
             </a:r>
           </a:p>
           <a:p>
             <a:pPr lvl="3"/>
             <a:r>
-              <a:rPr lang="en-US" smtClean="0"/>
+              <a:rPr lang="en-US"/>
               <a:t>Fourth level</a:t>
             </a:r>
           </a:p>
           <a:p>
             <a:pPr lvl="4"/>
             <a:r>
-              <a:rPr lang="en-US" smtClean="0"/>
+              <a:rPr lang="en-US"/>
               <a:t>Fifth level</a:t>
             </a:r>
-            <a:endParaRPr lang="en-US"/>
+            <a:endParaRPr lang="en-US" dirty="0"/>
           </a:p>
         </p:txBody>
       </p:sp>
@@ -1188,48 +3822,50 @@
         </p:nvSpPr>
         <p:spPr>
           <a:xfrm>
-            <a:off x="6172200" y="1825625"/>
-            <a:ext cx="5181600" cy="4351338"/>
+            <a:off x="6202892" y="1732449"/>
+            <a:ext cx="5064665" cy="4058751"/>
           </a:xfrm>
         </p:spPr>
         <p:txBody>
-          <a:bodyPr/>
+          <a:bodyPr anchor="t">
+            <a:normAutofit/>
+          </a:bodyPr>
           <a:lstStyle/>
           <a:p>
             <a:pPr lvl="0"/>
             <a:r>
-              <a:rPr lang="en-US" smtClean="0"/>
+              <a:rPr lang="en-US"/>
               <a:t>Edit Master text styles</a:t>
             </a:r>
           </a:p>
           <a:p>
             <a:pPr lvl="1"/>
             <a:r>
-              <a:rPr lang="en-US" smtClean="0"/>
+              <a:rPr lang="en-US"/>
               <a:t>Second level</a:t>
             </a:r>
           </a:p>
           <a:p>
             <a:pPr lvl="2"/>
             <a:r>
-              <a:rPr lang="en-US" smtClean="0"/>
+              <a:rPr lang="en-US"/>
               <a:t>Third level</a:t>
             </a:r>
           </a:p>
           <a:p>
             <a:pPr lvl="3"/>
             <a:r>
-              <a:rPr lang="en-US" smtClean="0"/>
+              <a:rPr lang="en-US"/>
               <a:t>Fourth level</a:t>
             </a:r>
           </a:p>
           <a:p>
             <a:pPr lvl="4"/>
             <a:r>
-              <a:rPr lang="en-US" smtClean="0"/>
+              <a:rPr lang="en-US"/>
               <a:t>Fifth level</a:t>
             </a:r>
-            <a:endParaRPr lang="en-US"/>
+            <a:endParaRPr lang="en-US" dirty="0"/>
           </a:p>
         </p:txBody>
       </p:sp>
@@ -1250,7 +3886,7 @@
           <a:p>
             <a:fld id="{816A8EE7-6A8D-452B-B8C3-E64C291F1CAD}" type="datetimeFigureOut">
               <a:rPr lang="en-US" smtClean="0"/>
-              <a:t>11/3/2018</a:t>
+              <a:t>11/7/2018</a:t>
             </a:fld>
             <a:endParaRPr lang="en-US" dirty="0"/>
           </a:p>
@@ -1301,7 +3937,7 @@
     </p:spTree>
     <p:extLst>
       <p:ext uri="{BB962C8B-B14F-4D97-AF65-F5344CB8AC3E}">
-        <p14:creationId xmlns:p14="http://schemas.microsoft.com/office/powerpoint/2010/main" val="1019184943"/>
+        <p14:creationId xmlns:p14="http://schemas.microsoft.com/office/powerpoint/2010/main" val="782769996"/>
       </p:ext>
     </p:extLst>
   </p:cSld>
@@ -1328,56 +3964,117 @@
           <a:chExt cx="0" cy="0"/>
         </a:xfrm>
       </p:grpSpPr>
-      <p:sp>
-        <p:nvSpPr>
-          <p:cNvPr id="2" name="Title 1"/>
-          <p:cNvSpPr>
-            <a:spLocks noGrp="1"/>
-          </p:cNvSpPr>
-          <p:nvPr>
-            <p:ph type="title"/>
-          </p:nvPr>
-        </p:nvSpPr>
+      <p:pic>
+        <p:nvPicPr>
+          <p:cNvPr id="20" name="Picture 19" descr="Slate-V2-HD-compPhotoInset.png"/>
+          <p:cNvPicPr>
+            <a:picLocks noChangeAspect="1"/>
+          </p:cNvPicPr>
+          <p:nvPr/>
+        </p:nvPicPr>
+        <p:blipFill>
+          <a:blip r:embed="rId2">
+            <a:extLst>
+              <a:ext uri="{28A0092B-C50C-407E-A947-70E740481C1C}">
+                <a14:useLocalDpi xmlns:a14="http://schemas.microsoft.com/office/drawing/2010/main" val="0"/>
+              </a:ext>
+            </a:extLst>
+          </a:blip>
+          <a:stretch>
+            <a:fillRect/>
+          </a:stretch>
+        </p:blipFill>
         <p:spPr>
           <a:xfrm>
-            <a:off x="839788" y="365125"/>
-            <a:ext cx="10515600" cy="1325563"/>
+            <a:off x="913795" y="1734506"/>
+            <a:ext cx="5089072" cy="4148769"/>
+          </a:xfrm>
+          <a:prstGeom prst="rect">
+            <a:avLst/>
+          </a:prstGeom>
+        </p:spPr>
+      </p:pic>
+      <p:pic>
+        <p:nvPicPr>
+          <p:cNvPr id="21" name="Picture 20" descr="Slate-V2-HD-compPhotoInset.png"/>
+          <p:cNvPicPr>
+            <a:picLocks noChangeAspect="1"/>
+          </p:cNvPicPr>
+          <p:nvPr/>
+        </p:nvPicPr>
+        <p:blipFill>
+          <a:blip r:embed="rId2">
+            <a:extLst>
+              <a:ext uri="{28A0092B-C50C-407E-A947-70E740481C1C}">
+                <a14:useLocalDpi xmlns:a14="http://schemas.microsoft.com/office/drawing/2010/main" val="0"/>
+              </a:ext>
+            </a:extLst>
+          </a:blip>
+          <a:stretch>
+            <a:fillRect/>
+          </a:stretch>
+        </p:blipFill>
+        <p:spPr>
+          <a:xfrm>
+            <a:off x="6178485" y="1734506"/>
+            <a:ext cx="5089072" cy="4148769"/>
+          </a:xfrm>
+          <a:prstGeom prst="rect">
+            <a:avLst/>
+          </a:prstGeom>
+        </p:spPr>
+      </p:pic>
+      <p:sp>
+        <p:nvSpPr>
+          <p:cNvPr id="2" name="Title 1"/>
+          <p:cNvSpPr>
+            <a:spLocks noGrp="1"/>
+          </p:cNvSpPr>
+          <p:nvPr>
+            <p:ph type="title"/>
+          </p:nvPr>
+        </p:nvSpPr>
+        <p:spPr/>
+        <p:txBody>
+          <a:bodyPr/>
+          <a:lstStyle>
+            <a:lvl1pPr>
+              <a:defRPr/>
+            </a:lvl1pPr>
+          </a:lstStyle>
+          <a:p>
+            <a:r>
+              <a:rPr lang="en-US"/>
+              <a:t>Click to edit Master title style</a:t>
+            </a:r>
+            <a:endParaRPr lang="en-US" dirty="0"/>
+          </a:p>
+        </p:txBody>
+      </p:sp>
+      <p:sp>
+        <p:nvSpPr>
+          <p:cNvPr id="3" name="Text Placeholder 2"/>
+          <p:cNvSpPr>
+            <a:spLocks noGrp="1"/>
+          </p:cNvSpPr>
+          <p:nvPr>
+            <p:ph type="body" idx="1"/>
+          </p:nvPr>
+        </p:nvSpPr>
+        <p:spPr>
+          <a:xfrm>
+            <a:off x="1005872" y="1835254"/>
+            <a:ext cx="4876344" cy="544884"/>
           </a:xfrm>
         </p:spPr>
         <p:txBody>
-          <a:bodyPr/>
-          <a:lstStyle/>
-          <a:p>
-            <a:r>
-              <a:rPr lang="en-US" smtClean="0"/>
-              <a:t>Click to edit Master title style</a:t>
-            </a:r>
-            <a:endParaRPr lang="en-US"/>
-          </a:p>
-        </p:txBody>
-      </p:sp>
-      <p:sp>
-        <p:nvSpPr>
-          <p:cNvPr id="3" name="Text Placeholder 2"/>
-          <p:cNvSpPr>
-            <a:spLocks noGrp="1"/>
-          </p:cNvSpPr>
-          <p:nvPr>
-            <p:ph type="body" idx="1"/>
-          </p:nvPr>
-        </p:nvSpPr>
-        <p:spPr>
-          <a:xfrm>
-            <a:off x="839788" y="1681163"/>
-            <a:ext cx="5157787" cy="823912"/>
-          </a:xfrm>
-        </p:spPr>
-        <p:txBody>
-          <a:bodyPr anchor="b"/>
+          <a:bodyPr anchor="b">
+            <a:noAutofit/>
+          </a:bodyPr>
           <a:lstStyle>
-            <a:lvl1pPr marL="0" indent="0">
-              <a:buNone/>
-              <a:defRPr sz="2400" b="1"/>
+            <a:lvl1pPr marL="0" indent="0" algn="ctr">
+              <a:buNone/>
+              <a:defRPr sz="2400" b="0"/>
             </a:lvl1pPr>
             <a:lvl2pPr marL="457200" indent="0">
               <a:buNone/>
@@ -1415,7 +4112,7 @@
           <a:p>
             <a:pPr lvl="0"/>
             <a:r>
-              <a:rPr lang="en-US" smtClean="0"/>
+              <a:rPr lang="en-US"/>
               <a:t>Edit Master text styles</a:t>
             </a:r>
           </a:p>
@@ -1433,48 +4130,66 @@
         </p:nvSpPr>
         <p:spPr>
           <a:xfrm>
-            <a:off x="839788" y="2505075"/>
-            <a:ext cx="5157787" cy="3684588"/>
+            <a:off x="1005872" y="2380137"/>
+            <a:ext cx="4876344" cy="3411063"/>
           </a:xfrm>
         </p:spPr>
         <p:txBody>
-          <a:bodyPr/>
-          <a:lstStyle/>
+          <a:bodyPr anchor="t">
+            <a:normAutofit/>
+          </a:bodyPr>
+          <a:lstStyle>
+            <a:lvl1pPr>
+              <a:defRPr sz="1800"/>
+            </a:lvl1pPr>
+            <a:lvl2pPr>
+              <a:defRPr sz="1600"/>
+            </a:lvl2pPr>
+            <a:lvl3pPr>
+              <a:defRPr sz="1400"/>
+            </a:lvl3pPr>
+            <a:lvl4pPr>
+              <a:defRPr sz="1200"/>
+            </a:lvl4pPr>
+            <a:lvl5pPr>
+              <a:defRPr sz="1200"/>
+            </a:lvl5pPr>
+          </a:lstStyle>
           <a:p>
             <a:pPr lvl="0"/>
             <a:r>
-              <a:rPr lang="en-US" smtClean="0"/>
+              <a:rPr lang="en-US"/>
               <a:t>Edit Master text styles</a:t>
             </a:r>
           </a:p>
           <a:p>
             <a:pPr lvl="1"/>
             <a:r>
-              <a:rPr lang="en-US" smtClean="0"/>
+              <a:rPr lang="en-US"/>
               <a:t>Second level</a:t>
             </a:r>
           </a:p>
           <a:p>
             <a:pPr lvl="2"/>
             <a:r>
-              <a:rPr lang="en-US" smtClean="0"/>
+              <a:rPr lang="en-US"/>
               <a:t>Third level</a:t>
             </a:r>
           </a:p>
           <a:p>
             <a:pPr lvl="3"/>
             <a:r>
-              <a:rPr lang="en-US" smtClean="0"/>
+              <a:rPr lang="en-US"/>
               <a:t>Fourth level</a:t>
             </a:r>
           </a:p>
           <a:p>
             <a:pPr lvl="4"/>
             <a:r>
-              <a:rPr lang="en-US" smtClean="0"/>
+              <a:rPr lang="en-US"/>
               <a:t>Fifth level</a:t>
             </a:r>
-            <a:endParaRPr lang="en-US"/>
+            <a:endParaRPr lang="en-US" dirty="0"/>
           </a:p>
         </p:txBody>
       </p:sp>
@@ -1490,16 +4205,18 @@
         </p:nvSpPr>
         <p:spPr>
           <a:xfrm>
-            <a:off x="6172200" y="1681163"/>
-            <a:ext cx="5183188" cy="823912"/>
+            <a:off x="6294967" y="1835254"/>
+            <a:ext cx="4895330" cy="544883"/>
           </a:xfrm>
         </p:spPr>
         <p:txBody>
-          <a:bodyPr anchor="b"/>
+          <a:bodyPr anchor="b">
+            <a:noAutofit/>
+          </a:bodyPr>
           <a:lstStyle>
-            <a:lvl1pPr marL="0" indent="0">
-              <a:buNone/>
-              <a:defRPr sz="2400" b="1"/>
+            <a:lvl1pPr marL="0" indent="0" algn="ctr">
+              <a:buNone/>
+              <a:defRPr sz="2400" b="0"/>
             </a:lvl1pPr>
             <a:lvl2pPr marL="457200" indent="0">
               <a:buNone/>
@@ -1537,7 +4254,7 @@
           <a:p>
             <a:pPr lvl="0"/>
             <a:r>
-              <a:rPr lang="en-US" smtClean="0"/>
+              <a:rPr lang="en-US"/>
               <a:t>Edit Master text styles</a:t>
             </a:r>
           </a:p>
@@ -1555,48 +4272,66 @@
         </p:nvSpPr>
         <p:spPr>
           <a:xfrm>
-            <a:off x="6172200" y="2505075"/>
-            <a:ext cx="5183188" cy="3684588"/>
+            <a:off x="6294967" y="2380137"/>
+            <a:ext cx="4895330" cy="3411063"/>
           </a:xfrm>
         </p:spPr>
         <p:txBody>
-          <a:bodyPr/>
-          <a:lstStyle/>
+          <a:bodyPr anchor="t">
+            <a:normAutofit/>
+          </a:bodyPr>
+          <a:lstStyle>
+            <a:lvl1pPr>
+              <a:defRPr sz="1800"/>
+            </a:lvl1pPr>
+            <a:lvl2pPr>
+              <a:defRPr sz="1600"/>
+            </a:lvl2pPr>
+            <a:lvl3pPr>
+              <a:defRPr sz="1400"/>
+            </a:lvl3pPr>
+            <a:lvl4pPr>
+              <a:defRPr sz="1200"/>
+            </a:lvl4pPr>
+            <a:lvl5pPr>
+              <a:defRPr sz="1200"/>
+            </a:lvl5pPr>
+          </a:lstStyle>
           <a:p>
             <a:pPr lvl="0"/>
             <a:r>
-              <a:rPr lang="en-US" smtClean="0"/>
+              <a:rPr lang="en-US"/>
               <a:t>Edit Master text styles</a:t>
             </a:r>
           </a:p>
           <a:p>
             <a:pPr lvl="1"/>
             <a:r>
-              <a:rPr lang="en-US" smtClean="0"/>
+              <a:rPr lang="en-US"/>
               <a:t>Second level</a:t>
             </a:r>
           </a:p>
           <a:p>
             <a:pPr lvl="2"/>
             <a:r>
-              <a:rPr lang="en-US" smtClean="0"/>
+              <a:rPr lang="en-US"/>
               <a:t>Third level</a:t>
             </a:r>
           </a:p>
           <a:p>
             <a:pPr lvl="3"/>
             <a:r>
-              <a:rPr lang="en-US" smtClean="0"/>
+              <a:rPr lang="en-US"/>
               <a:t>Fourth level</a:t>
             </a:r>
           </a:p>
           <a:p>
             <a:pPr lvl="4"/>
             <a:r>
-              <a:rPr lang="en-US" smtClean="0"/>
+              <a:rPr lang="en-US"/>
               <a:t>Fifth level</a:t>
             </a:r>
-            <a:endParaRPr lang="en-US"/>
+            <a:endParaRPr lang="en-US" dirty="0"/>
           </a:p>
         </p:txBody>
       </p:sp>
@@ -1617,7 +4352,7 @@
           <a:p>
             <a:fld id="{816A8EE7-6A8D-452B-B8C3-E64C291F1CAD}" type="datetimeFigureOut">
               <a:rPr lang="en-US" smtClean="0"/>
-              <a:t>11/3/2018</a:t>
+              <a:t>11/7/2018</a:t>
             </a:fld>
             <a:endParaRPr lang="en-US" dirty="0"/>
           </a:p>
@@ -1668,7 +4403,7 @@
     </p:spTree>
     <p:extLst>
       <p:ext uri="{BB962C8B-B14F-4D97-AF65-F5344CB8AC3E}">
-        <p14:creationId xmlns:p14="http://schemas.microsoft.com/office/powerpoint/2010/main" val="1143704981"/>
+        <p14:creationId xmlns:p14="http://schemas.microsoft.com/office/powerpoint/2010/main" val="3975278995"/>
       </p:ext>
     </p:extLst>
   </p:cSld>
@@ -1711,10 +4446,10 @@
           <a:lstStyle/>
           <a:p>
             <a:r>
-              <a:rPr lang="en-US" smtClean="0"/>
+              <a:rPr lang="en-US"/>
               <a:t>Click to edit Master title style</a:t>
             </a:r>
-            <a:endParaRPr lang="en-US"/>
+            <a:endParaRPr lang="en-US" dirty="0"/>
           </a:p>
         </p:txBody>
       </p:sp>
@@ -1735,7 +4470,7 @@
           <a:p>
             <a:fld id="{816A8EE7-6A8D-452B-B8C3-E64C291F1CAD}" type="datetimeFigureOut">
               <a:rPr lang="en-US" smtClean="0"/>
-              <a:t>11/3/2018</a:t>
+              <a:t>11/7/2018</a:t>
             </a:fld>
             <a:endParaRPr lang="en-US" dirty="0"/>
           </a:p>
@@ -1786,7 +4521,7 @@
     </p:spTree>
     <p:extLst>
       <p:ext uri="{BB962C8B-B14F-4D97-AF65-F5344CB8AC3E}">
-        <p14:creationId xmlns:p14="http://schemas.microsoft.com/office/powerpoint/2010/main" val="1283547950"/>
+        <p14:creationId xmlns:p14="http://schemas.microsoft.com/office/powerpoint/2010/main" val="117317837"/>
       </p:ext>
     </p:extLst>
   </p:cSld>
@@ -1830,7 +4565,7 @@
           <a:p>
             <a:fld id="{816A8EE7-6A8D-452B-B8C3-E64C291F1CAD}" type="datetimeFigureOut">
               <a:rPr lang="en-US" smtClean="0"/>
-              <a:t>11/3/2018</a:t>
+              <a:t>11/7/2018</a:t>
             </a:fld>
             <a:endParaRPr lang="en-US" dirty="0"/>
           </a:p>
@@ -1881,7 +4616,7 @@
     </p:spTree>
     <p:extLst>
       <p:ext uri="{BB962C8B-B14F-4D97-AF65-F5344CB8AC3E}">
-        <p14:creationId xmlns:p14="http://schemas.microsoft.com/office/powerpoint/2010/main" val="167381443"/>
+        <p14:creationId xmlns:p14="http://schemas.microsoft.com/office/powerpoint/2010/main" val="1831676095"/>
       </p:ext>
     </p:extLst>
   </p:cSld>
@@ -1920,23 +4655,25 @@
         </p:nvSpPr>
         <p:spPr>
           <a:xfrm>
-            <a:off x="839788" y="457200"/>
-            <a:ext cx="3932237" cy="1600200"/>
+            <a:off x="913795" y="609600"/>
+            <a:ext cx="3706889" cy="1821918"/>
           </a:xfrm>
         </p:spPr>
         <p:txBody>
-          <a:bodyPr anchor="b"/>
+          <a:bodyPr anchor="b">
+            <a:normAutofit/>
+          </a:bodyPr>
           <a:lstStyle>
-            <a:lvl1pPr>
-              <a:defRPr sz="3200"/>
+            <a:lvl1pPr algn="ctr">
+              <a:defRPr sz="2400" b="0"/>
             </a:lvl1pPr>
           </a:lstStyle>
           <a:p>
             <a:r>
-              <a:rPr lang="en-US" smtClean="0"/>
+              <a:rPr lang="en-US"/>
               <a:t>Click to edit Master title style</a:t>
             </a:r>
-            <a:endParaRPr lang="en-US"/>
+            <a:endParaRPr lang="en-US" dirty="0"/>
           </a:p>
         </p:txBody>
       </p:sp>
@@ -1952,76 +4689,50 @@
         </p:nvSpPr>
         <p:spPr>
           <a:xfrm>
-            <a:off x="5183188" y="987425"/>
-            <a:ext cx="6172200" cy="4873625"/>
+            <a:off x="4855633" y="609600"/>
+            <a:ext cx="6411924" cy="5181600"/>
           </a:xfrm>
         </p:spPr>
         <p:txBody>
-          <a:bodyPr/>
-          <a:lstStyle>
-            <a:lvl1pPr>
-              <a:defRPr sz="3200"/>
-            </a:lvl1pPr>
-            <a:lvl2pPr>
-              <a:defRPr sz="2800"/>
-            </a:lvl2pPr>
-            <a:lvl3pPr>
-              <a:defRPr sz="2400"/>
-            </a:lvl3pPr>
-            <a:lvl4pPr>
-              <a:defRPr sz="2000"/>
-            </a:lvl4pPr>
-            <a:lvl5pPr>
-              <a:defRPr sz="2000"/>
-            </a:lvl5pPr>
-            <a:lvl6pPr>
-              <a:defRPr sz="2000"/>
-            </a:lvl6pPr>
-            <a:lvl7pPr>
-              <a:defRPr sz="2000"/>
-            </a:lvl7pPr>
-            <a:lvl8pPr>
-              <a:defRPr sz="2000"/>
-            </a:lvl8pPr>
-            <a:lvl9pPr>
-              <a:defRPr sz="2000"/>
-            </a:lvl9pPr>
-          </a:lstStyle>
+          <a:bodyPr>
+            <a:normAutofit/>
+          </a:bodyPr>
+          <a:lstStyle/>
           <a:p>
             <a:pPr lvl="0"/>
             <a:r>
-              <a:rPr lang="en-US" smtClean="0"/>
+              <a:rPr lang="en-US"/>
               <a:t>Edit Master text styles</a:t>
             </a:r>
           </a:p>
           <a:p>
             <a:pPr lvl="1"/>
             <a:r>
-              <a:rPr lang="en-US" smtClean="0"/>
+              <a:rPr lang="en-US"/>
               <a:t>Second level</a:t>
             </a:r>
           </a:p>
           <a:p>
             <a:pPr lvl="2"/>
             <a:r>
-              <a:rPr lang="en-US" smtClean="0"/>
+              <a:rPr lang="en-US"/>
               <a:t>Third level</a:t>
             </a:r>
           </a:p>
           <a:p>
             <a:pPr lvl="3"/>
             <a:r>
-              <a:rPr lang="en-US" smtClean="0"/>
+              <a:rPr lang="en-US"/>
               <a:t>Fourth level</a:t>
             </a:r>
           </a:p>
           <a:p>
             <a:pPr lvl="4"/>
             <a:r>
-              <a:rPr lang="en-US" smtClean="0"/>
+              <a:rPr lang="en-US"/>
               <a:t>Fifth level</a:t>
             </a:r>
-            <a:endParaRPr lang="en-US"/>
+            <a:endParaRPr lang="en-US" dirty="0"/>
           </a:p>
         </p:txBody>
       </p:sp>
@@ -2037,54 +4748,56 @@
         </p:nvSpPr>
         <p:spPr>
           <a:xfrm>
-            <a:off x="839788" y="2057400"/>
-            <a:ext cx="3932237" cy="3811588"/>
+            <a:off x="913795" y="2431518"/>
+            <a:ext cx="3706889" cy="3359681"/>
           </a:xfrm>
         </p:spPr>
         <p:txBody>
-          <a:bodyPr/>
+          <a:bodyPr anchor="t">
+            <a:normAutofit/>
+          </a:bodyPr>
           <a:lstStyle>
-            <a:lvl1pPr marL="0" indent="0">
+            <a:lvl1pPr marL="0" indent="0" algn="ctr">
               <a:buNone/>
               <a:defRPr sz="1600"/>
             </a:lvl1pPr>
             <a:lvl2pPr marL="457200" indent="0">
               <a:buNone/>
-              <a:defRPr sz="1400"/>
+              <a:defRPr sz="1200"/>
             </a:lvl2pPr>
             <a:lvl3pPr marL="914400" indent="0">
               <a:buNone/>
-              <a:defRPr sz="1200"/>
+              <a:defRPr sz="1000"/>
             </a:lvl3pPr>
             <a:lvl4pPr marL="1371600" indent="0">
               <a:buNone/>
-              <a:defRPr sz="1000"/>
+              <a:defRPr sz="900"/>
             </a:lvl4pPr>
             <a:lvl5pPr marL="1828800" indent="0">
               <a:buNone/>
-              <a:defRPr sz="1000"/>
+              <a:defRPr sz="900"/>
             </a:lvl5pPr>
             <a:lvl6pPr marL="2286000" indent="0">
               <a:buNone/>
-              <a:defRPr sz="1000"/>
+              <a:defRPr sz="900"/>
             </a:lvl6pPr>
             <a:lvl7pPr marL="2743200" indent="0">
               <a:buNone/>
-              <a:defRPr sz="1000"/>
+              <a:defRPr sz="900"/>
             </a:lvl7pPr>
             <a:lvl8pPr marL="3200400" indent="0">
               <a:buNone/>
-              <a:defRPr sz="1000"/>
+              <a:defRPr sz="900"/>
             </a:lvl8pPr>
             <a:lvl9pPr marL="3657600" indent="0">
               <a:buNone/>
-              <a:defRPr sz="1000"/>
+              <a:defRPr sz="900"/>
             </a:lvl9pPr>
           </a:lstStyle>
           <a:p>
             <a:pPr lvl="0"/>
             <a:r>
-              <a:rPr lang="en-US" smtClean="0"/>
+              <a:rPr lang="en-US"/>
               <a:t>Edit Master text styles</a:t>
             </a:r>
           </a:p>
@@ -2107,7 +4820,7 @@
           <a:p>
             <a:fld id="{816A8EE7-6A8D-452B-B8C3-E64C291F1CAD}" type="datetimeFigureOut">
               <a:rPr lang="en-US" smtClean="0"/>
-              <a:t>11/3/2018</a:t>
+              <a:t>11/7/2018</a:t>
             </a:fld>
             <a:endParaRPr lang="en-US" dirty="0"/>
           </a:p>
@@ -2158,7 +4871,7 @@
     </p:spTree>
     <p:extLst>
       <p:ext uri="{BB962C8B-B14F-4D97-AF65-F5344CB8AC3E}">
-        <p14:creationId xmlns:p14="http://schemas.microsoft.com/office/powerpoint/2010/main" val="3971767316"/>
+        <p14:creationId xmlns:p14="http://schemas.microsoft.com/office/powerpoint/2010/main" val="1665699005"/>
       </p:ext>
     </p:extLst>
   </p:cSld>
@@ -2185,35 +4898,67 @@
           <a:chExt cx="0" cy="0"/>
         </a:xfrm>
       </p:grpSpPr>
-      <p:sp>
-        <p:nvSpPr>
-          <p:cNvPr id="2" name="Title 1"/>
-          <p:cNvSpPr>
-            <a:spLocks noGrp="1"/>
-          </p:cNvSpPr>
-          <p:nvPr>
-            <p:ph type="title"/>
-          </p:nvPr>
-        </p:nvSpPr>
+      <p:pic>
+        <p:nvPicPr>
+          <p:cNvPr id="22" name="Picture 21" descr="Slate-V2-HD-vertPhotoInset.png"/>
+          <p:cNvPicPr>
+            <a:picLocks noChangeAspect="1"/>
+          </p:cNvPicPr>
+          <p:nvPr/>
+        </p:nvPicPr>
+        <p:blipFill>
+          <a:blip r:embed="rId2">
+            <a:extLst>
+              <a:ext uri="{28A0092B-C50C-407E-A947-70E740481C1C}">
+                <a14:useLocalDpi xmlns:a14="http://schemas.microsoft.com/office/drawing/2010/main" val="0"/>
+              </a:ext>
+            </a:extLst>
+          </a:blip>
+          <a:stretch>
+            <a:fillRect/>
+          </a:stretch>
+        </p:blipFill>
         <p:spPr>
           <a:xfrm>
-            <a:off x="839788" y="457200"/>
-            <a:ext cx="3932237" cy="1600200"/>
+            <a:off x="7293665" y="609600"/>
+            <a:ext cx="3584166" cy="5204832"/>
+          </a:xfrm>
+          <a:prstGeom prst="rect">
+            <a:avLst/>
+          </a:prstGeom>
+        </p:spPr>
+      </p:pic>
+      <p:sp>
+        <p:nvSpPr>
+          <p:cNvPr id="2" name="Title 1"/>
+          <p:cNvSpPr>
+            <a:spLocks noGrp="1"/>
+          </p:cNvSpPr>
+          <p:nvPr>
+            <p:ph type="title"/>
+          </p:nvPr>
+        </p:nvSpPr>
+        <p:spPr>
+          <a:xfrm>
+            <a:off x="913795" y="609923"/>
+            <a:ext cx="5934949" cy="1829338"/>
           </a:xfrm>
         </p:spPr>
         <p:txBody>
-          <a:bodyPr anchor="b"/>
+          <a:bodyPr anchor="b">
+            <a:noAutofit/>
+          </a:bodyPr>
           <a:lstStyle>
-            <a:lvl1pPr>
-              <a:defRPr sz="3200"/>
+            <a:lvl1pPr algn="ctr">
+              <a:defRPr sz="3200" b="0"/>
             </a:lvl1pPr>
           </a:lstStyle>
           <a:p>
             <a:r>
-              <a:rPr lang="en-US" smtClean="0"/>
+              <a:rPr lang="en-US"/>
               <a:t>Click to edit Master title style</a:t>
             </a:r>
-            <a:endParaRPr lang="en-US"/>
+            <a:endParaRPr lang="en-US" dirty="0"/>
           </a:p>
         </p:txBody>
       </p:sp>
@@ -2221,7 +4966,7 @@
         <p:nvSpPr>
           <p:cNvPr id="3" name="Picture Placeholder 2"/>
           <p:cNvSpPr>
-            <a:spLocks noGrp="1"/>
+            <a:spLocks noGrp="1" noChangeAspect="1"/>
           </p:cNvSpPr>
           <p:nvPr>
             <p:ph type="pic" idx="1"/>
@@ -2229,115 +4974,130 @@
         </p:nvSpPr>
         <p:spPr>
           <a:xfrm>
-            <a:off x="5183188" y="987425"/>
-            <a:ext cx="6172200" cy="4873625"/>
+            <a:off x="7442551" y="763702"/>
+            <a:ext cx="3275751" cy="4912822"/>
           </a:xfrm>
+          <a:effectLst>
+            <a:outerShdw blurRad="38100" dist="25400" dir="4440000">
+              <a:srgbClr val="000000">
+                <a:alpha val="36000"/>
+              </a:srgbClr>
+            </a:outerShdw>
+          </a:effectLst>
         </p:spPr>
         <p:txBody>
-          <a:bodyPr/>
+          <a:bodyPr anchor="t">
+            <a:normAutofit/>
+          </a:bodyPr>
           <a:lstStyle>
-            <a:lvl1pPr marL="0" indent="0">
-              <a:buNone/>
-              <a:defRPr sz="3200"/>
-            </a:lvl1pPr>
-            <a:lvl2pPr marL="457200" indent="0">
-              <a:buNone/>
-              <a:defRPr sz="2800"/>
-            </a:lvl2pPr>
-            <a:lvl3pPr marL="914400" indent="0">
-              <a:buNone/>
-              <a:defRPr sz="2400"/>
-            </a:lvl3pPr>
-            <a:lvl4pPr marL="1371600" indent="0">
-              <a:buNone/>
-              <a:defRPr sz="2000"/>
-            </a:lvl4pPr>
-            <a:lvl5pPr marL="1828800" indent="0">
-              <a:buNone/>
-              <a:defRPr sz="2000"/>
-            </a:lvl5pPr>
-            <a:lvl6pPr marL="2286000" indent="0">
-              <a:buNone/>
-              <a:defRPr sz="2000"/>
-            </a:lvl6pPr>
-            <a:lvl7pPr marL="2743200" indent="0">
-              <a:buNone/>
-              <a:defRPr sz="2000"/>
-            </a:lvl7pPr>
-            <a:lvl8pPr marL="3200400" indent="0">
-              <a:buNone/>
-              <a:defRPr sz="2000"/>
-            </a:lvl8pPr>
-            <a:lvl9pPr marL="3657600" indent="0">
-              <a:buNone/>
-              <a:defRPr sz="2000"/>
-            </a:lvl9pPr>
-          </a:lstStyle>
-          <a:p>
-            <a:endParaRPr lang="en-US" dirty="0"/>
-          </a:p>
-        </p:txBody>
-      </p:sp>
-      <p:sp>
-        <p:nvSpPr>
-          <p:cNvPr id="4" name="Text Placeholder 3"/>
-          <p:cNvSpPr>
-            <a:spLocks noGrp="1"/>
-          </p:cNvSpPr>
-          <p:nvPr>
-            <p:ph type="body" sz="half" idx="2"/>
-          </p:nvPr>
-        </p:nvSpPr>
-        <p:spPr>
-          <a:xfrm>
-            <a:off x="839788" y="2057400"/>
-            <a:ext cx="3932237" cy="3811588"/>
-          </a:xfrm>
-        </p:spPr>
-        <p:txBody>
-          <a:bodyPr/>
-          <a:lstStyle>
-            <a:lvl1pPr marL="0" indent="0">
+            <a:lvl1pPr marL="0" indent="0" algn="ctr">
               <a:buNone/>
               <a:defRPr sz="1600"/>
             </a:lvl1pPr>
             <a:lvl2pPr marL="457200" indent="0">
               <a:buNone/>
-              <a:defRPr sz="1400"/>
+              <a:defRPr sz="1600"/>
             </a:lvl2pPr>
             <a:lvl3pPr marL="914400" indent="0">
               <a:buNone/>
-              <a:defRPr sz="1200"/>
+              <a:defRPr sz="1600"/>
             </a:lvl3pPr>
             <a:lvl4pPr marL="1371600" indent="0">
               <a:buNone/>
-              <a:defRPr sz="1000"/>
+              <a:defRPr sz="1600"/>
             </a:lvl4pPr>
             <a:lvl5pPr marL="1828800" indent="0">
               <a:buNone/>
-              <a:defRPr sz="1000"/>
+              <a:defRPr sz="1600"/>
             </a:lvl5pPr>
             <a:lvl6pPr marL="2286000" indent="0">
               <a:buNone/>
-              <a:defRPr sz="1000"/>
+              <a:defRPr sz="1600"/>
             </a:lvl6pPr>
             <a:lvl7pPr marL="2743200" indent="0">
               <a:buNone/>
-              <a:defRPr sz="1000"/>
+              <a:defRPr sz="1600"/>
             </a:lvl7pPr>
             <a:lvl8pPr marL="3200400" indent="0">
               <a:buNone/>
-              <a:defRPr sz="1000"/>
+              <a:defRPr sz="1600"/>
             </a:lvl8pPr>
             <a:lvl9pPr marL="3657600" indent="0">
               <a:buNone/>
-              <a:defRPr sz="1000"/>
+              <a:defRPr sz="1600"/>
             </a:lvl9pPr>
           </a:lstStyle>
           <a:p>
+            <a:r>
+              <a:rPr lang="en-US"/>
+              <a:t>Click icon to add picture</a:t>
+            </a:r>
+            <a:endParaRPr lang="en-US" dirty="0"/>
+          </a:p>
+        </p:txBody>
+      </p:sp>
+      <p:sp>
+        <p:nvSpPr>
+          <p:cNvPr id="4" name="Text Placeholder 3"/>
+          <p:cNvSpPr>
+            <a:spLocks noGrp="1"/>
+          </p:cNvSpPr>
+          <p:nvPr>
+            <p:ph type="body" sz="half" idx="2"/>
+          </p:nvPr>
+        </p:nvSpPr>
+        <p:spPr>
+          <a:xfrm>
+            <a:off x="913795" y="2439261"/>
+            <a:ext cx="5934949" cy="3376134"/>
+          </a:xfrm>
+        </p:spPr>
+        <p:txBody>
+          <a:bodyPr anchor="t">
+            <a:normAutofit/>
+          </a:bodyPr>
+          <a:lstStyle>
+            <a:lvl1pPr marL="0" indent="0" algn="ctr">
+              <a:buNone/>
+              <a:defRPr sz="1600"/>
+            </a:lvl1pPr>
+            <a:lvl2pPr marL="457200" indent="0">
+              <a:buNone/>
+              <a:defRPr sz="1200"/>
+            </a:lvl2pPr>
+            <a:lvl3pPr marL="914400" indent="0">
+              <a:buNone/>
+              <a:defRPr sz="1000"/>
+            </a:lvl3pPr>
+            <a:lvl4pPr marL="1371600" indent="0">
+              <a:buNone/>
+              <a:defRPr sz="900"/>
+            </a:lvl4pPr>
+            <a:lvl5pPr marL="1828800" indent="0">
+              <a:buNone/>
+              <a:defRPr sz="900"/>
+            </a:lvl5pPr>
+            <a:lvl6pPr marL="2286000" indent="0">
+              <a:buNone/>
+              <a:defRPr sz="900"/>
+            </a:lvl6pPr>
+            <a:lvl7pPr marL="2743200" indent="0">
+              <a:buNone/>
+              <a:defRPr sz="900"/>
+            </a:lvl7pPr>
+            <a:lvl8pPr marL="3200400" indent="0">
+              <a:buNone/>
+              <a:defRPr sz="900"/>
+            </a:lvl8pPr>
+            <a:lvl9pPr marL="3657600" indent="0">
+              <a:buNone/>
+              <a:defRPr sz="900"/>
+            </a:lvl9pPr>
+          </a:lstStyle>
+          <a:p>
             <a:pPr lvl="0"/>
             <a:r>
-              <a:rPr lang="en-US" smtClean="0"/>
+              <a:rPr lang="en-US"/>
               <a:t>Edit Master text styles</a:t>
             </a:r>
           </a:p>
@@ -2360,7 +5120,7 @@
           <a:p>
             <a:fld id="{816A8EE7-6A8D-452B-B8C3-E64C291F1CAD}" type="datetimeFigureOut">
               <a:rPr lang="en-US" smtClean="0"/>
-              <a:t>11/3/2018</a:t>
+              <a:t>11/7/2018</a:t>
             </a:fld>
             <a:endParaRPr lang="en-US" dirty="0"/>
           </a:p>
@@ -2411,7 +5171,7 @@
     </p:spTree>
     <p:extLst>
       <p:ext uri="{BB962C8B-B14F-4D97-AF65-F5344CB8AC3E}">
-        <p14:creationId xmlns:p14="http://schemas.microsoft.com/office/powerpoint/2010/main" val="642292767"/>
+        <p14:creationId xmlns:p14="http://schemas.microsoft.com/office/powerpoint/2010/main" val="2312567132"/>
       </p:ext>
     </p:extLst>
   </p:cSld>
@@ -2425,8 +5185,8 @@
 <p:sldMaster xmlns:a="http://schemas.openxmlformats.org/drawingml/2006/main" xmlns:r="http://schemas.openxmlformats.org/officeDocument/2006/relationships" xmlns:p="http://schemas.openxmlformats.org/presentationml/2006/main">
   <p:cSld>
     <p:bg>
-      <p:bgRef idx="1001">
-        <a:schemeClr val="bg1"/>
+      <p:bgRef idx="1003">
+        <a:schemeClr val="bg2"/>
       </p:bgRef>
     </p:bg>
     <p:spTree>
@@ -2455,12 +5215,19 @@
         </p:nvSpPr>
         <p:spPr>
           <a:xfrm>
-            <a:off x="838200" y="365125"/>
-            <a:ext cx="10515600" cy="1325563"/>
+            <a:off x="913795" y="609600"/>
+            <a:ext cx="10353762" cy="970450"/>
           </a:xfrm>
           <a:prstGeom prst="rect">
             <a:avLst/>
           </a:prstGeom>
+          <a:effectLst>
+            <a:outerShdw blurRad="25400" dir="17880000">
+              <a:srgbClr val="000000">
+                <a:alpha val="46000"/>
+              </a:srgbClr>
+            </a:outerShdw>
+          </a:effectLst>
         </p:spPr>
         <p:txBody>
           <a:bodyPr vert="horz" lIns="91440" tIns="45720" rIns="91440" bIns="45720" rtlCol="0" anchor="ctr">
@@ -2469,10 +5236,10 @@
           <a:lstStyle/>
           <a:p>
             <a:r>
-              <a:rPr lang="en-US" smtClean="0"/>
+              <a:rPr lang="en-US"/>
               <a:t>Click to edit Master title style</a:t>
             </a:r>
-            <a:endParaRPr lang="en-US"/>
+            <a:endParaRPr lang="en-US" dirty="0"/>
           </a:p>
         </p:txBody>
       </p:sp>
@@ -2488,53 +5255,60 @@
         </p:nvSpPr>
         <p:spPr>
           <a:xfrm>
-            <a:off x="838200" y="1825625"/>
-            <a:ext cx="10515600" cy="4351338"/>
+            <a:off x="913795" y="1732449"/>
+            <a:ext cx="10353762" cy="4058751"/>
           </a:xfrm>
           <a:prstGeom prst="rect">
             <a:avLst/>
           </a:prstGeom>
+          <a:effectLst>
+            <a:outerShdw blurRad="25400" dir="17880000">
+              <a:srgbClr val="000000">
+                <a:alpha val="46000"/>
+              </a:srgbClr>
+            </a:outerShdw>
+          </a:effectLst>
         </p:spPr>
         <p:txBody>
-          <a:bodyPr vert="horz" lIns="91440" tIns="45720" rIns="91440" bIns="45720" rtlCol="0">
+          <a:bodyPr vert="horz" lIns="91440" tIns="45720" rIns="91440" bIns="45720" rtlCol="0" anchor="t">
             <a:normAutofit/>
           </a:bodyPr>
           <a:lstStyle/>
           <a:p>
             <a:pPr lvl="0"/>
             <a:r>
-              <a:rPr lang="en-US" smtClean="0"/>
+              <a:rPr lang="en-US"/>
               <a:t>Edit Master text styles</a:t>
             </a:r>
           </a:p>
           <a:p>
             <a:pPr lvl="1"/>
             <a:r>
-              <a:rPr lang="en-US" smtClean="0"/>
+              <a:rPr lang="en-US"/>
               <a:t>Second level</a:t>
             </a:r>
           </a:p>
           <a:p>
             <a:pPr lvl="2"/>
             <a:r>
-              <a:rPr lang="en-US" smtClean="0"/>
+              <a:rPr lang="en-US"/>
               <a:t>Third level</a:t>
             </a:r>
           </a:p>
           <a:p>
             <a:pPr lvl="3"/>
             <a:r>
-              <a:rPr lang="en-US" smtClean="0"/>
+              <a:rPr lang="en-US"/>
               <a:t>Fourth level</a:t>
             </a:r>
           </a:p>
           <a:p>
             <a:pPr lvl="4"/>
             <a:r>
-              <a:rPr lang="en-US" smtClean="0"/>
+              <a:rPr lang="en-US"/>
               <a:t>Fifth level</a:t>
             </a:r>
-            <a:endParaRPr lang="en-US"/>
+            <a:endParaRPr lang="en-US" dirty="0"/>
           </a:p>
         </p:txBody>
       </p:sp>
@@ -2550,7 +5324,7 @@
         </p:nvSpPr>
         <p:spPr>
           <a:xfrm>
-            <a:off x="838200" y="6356350"/>
+            <a:off x="7678736" y="5883275"/>
             <a:ext cx="2743200" cy="365125"/>
           </a:xfrm>
           <a:prstGeom prst="rect">
@@ -2560,20 +5334,27 @@
         <p:txBody>
           <a:bodyPr vert="horz" lIns="91440" tIns="45720" rIns="91440" bIns="45720" rtlCol="0" anchor="ctr"/>
           <a:lstStyle>
-            <a:lvl1pPr algn="l">
-              <a:defRPr sz="1200">
+            <a:lvl1pPr algn="r">
+              <a:defRPr sz="1000">
                 <a:solidFill>
                   <a:schemeClr val="tx1">
-                    <a:tint val="75000"/>
+                    <a:lumMod val="95000"/>
                   </a:schemeClr>
                 </a:solidFill>
+                <a:effectLst>
+                  <a:outerShdw blurRad="50800" dist="38100" dir="2700000" algn="tl" rotWithShape="0">
+                    <a:schemeClr val="bg1">
+                      <a:alpha val="43000"/>
+                    </a:schemeClr>
+                  </a:outerShdw>
+                </a:effectLst>
               </a:defRPr>
             </a:lvl1pPr>
           </a:lstStyle>
           <a:p>
             <a:fld id="{816A8EE7-6A8D-452B-B8C3-E64C291F1CAD}" type="datetimeFigureOut">
               <a:rPr lang="en-US" smtClean="0"/>
-              <a:t>11/3/2018</a:t>
+              <a:t>11/7/2018</a:t>
             </a:fld>
             <a:endParaRPr lang="en-US" dirty="0"/>
           </a:p>
@@ -2591,8 +5372,8 @@
         </p:nvSpPr>
         <p:spPr>
           <a:xfrm>
-            <a:off x="4038600" y="6356350"/>
-            <a:ext cx="4114800" cy="365125"/>
+            <a:off x="913795" y="5883275"/>
+            <a:ext cx="6672865" cy="365125"/>
           </a:xfrm>
           <a:prstGeom prst="rect">
             <a:avLst/>
@@ -2601,13 +5382,20 @@
         <p:txBody>
           <a:bodyPr vert="horz" lIns="91440" tIns="45720" rIns="91440" bIns="45720" rtlCol="0" anchor="ctr"/>
           <a:lstStyle>
-            <a:lvl1pPr algn="ctr">
-              <a:defRPr sz="1200">
+            <a:lvl1pPr algn="l">
+              <a:defRPr sz="1000">
                 <a:solidFill>
                   <a:schemeClr val="tx1">
-                    <a:tint val="75000"/>
+                    <a:lumMod val="95000"/>
                   </a:schemeClr>
                 </a:solidFill>
+                <a:effectLst>
+                  <a:outerShdw blurRad="50800" dist="38100" dir="2700000" algn="tl" rotWithShape="0">
+                    <a:schemeClr val="bg1">
+                      <a:alpha val="43000"/>
+                    </a:schemeClr>
+                  </a:outerShdw>
+                </a:effectLst>
               </a:defRPr>
             </a:lvl1pPr>
           </a:lstStyle>
@@ -2628,8 +5416,8 @@
         </p:nvSpPr>
         <p:spPr>
           <a:xfrm>
-            <a:off x="8610600" y="6356350"/>
-            <a:ext cx="2743200" cy="365125"/>
+            <a:off x="10514011" y="5883275"/>
+            <a:ext cx="753545" cy="365125"/>
           </a:xfrm>
           <a:prstGeom prst="rect">
             <a:avLst/>
@@ -2639,12 +5427,19 @@
           <a:bodyPr vert="horz" lIns="91440" tIns="45720" rIns="91440" bIns="45720" rtlCol="0" anchor="ctr"/>
           <a:lstStyle>
             <a:lvl1pPr algn="r">
-              <a:defRPr sz="1200">
+              <a:defRPr sz="1000">
                 <a:solidFill>
                   <a:schemeClr val="tx1">
-                    <a:tint val="75000"/>
+                    <a:lumMod val="95000"/>
                   </a:schemeClr>
                 </a:solidFill>
+                <a:effectLst>
+                  <a:outerShdw blurRad="50800" dist="38100" dir="2700000" algn="tl" rotWithShape="0">
+                    <a:schemeClr val="bg1">
+                      <a:alpha val="43000"/>
+                    </a:schemeClr>
+                  </a:outerShdw>
+                </a:effectLst>
               </a:defRPr>
             </a:lvl1pPr>
           </a:lstStyle>
@@ -2660,202 +5455,457 @@
     </p:spTree>
     <p:extLst>
       <p:ext uri="{BB962C8B-B14F-4D97-AF65-F5344CB8AC3E}">
-        <p14:creationId xmlns:p14="http://schemas.microsoft.com/office/powerpoint/2010/main" val="2100163078"/>
+        <p14:creationId xmlns:p14="http://schemas.microsoft.com/office/powerpoint/2010/main" val="804746406"/>
       </p:ext>
     </p:extLst>
   </p:cSld>
-  <p:clrMap bg1="lt1" tx1="dk1" bg2="lt2" tx2="dk2" accent1="accent1" accent2="accent2" accent3="accent3" accent4="accent4" accent5="accent5" accent6="accent6" hlink="hlink" folHlink="folHlink"/>
+  <p:clrMap bg1="dk1" tx1="lt1" bg2="dk2" tx2="lt2" accent1="accent1" accent2="accent2" accent3="accent3" accent4="accent4" accent5="accent5" accent6="accent6" hlink="hlink" folHlink="folHlink"/>
   <p:sldLayoutIdLst>
-    <p:sldLayoutId id="2147483649" r:id="rId1"/>
-    <p:sldLayoutId id="2147483650" r:id="rId2"/>
-    <p:sldLayoutId id="2147483651" r:id="rId3"/>
-    <p:sldLayoutId id="2147483652" r:id="rId4"/>
-    <p:sldLayoutId id="2147483653" r:id="rId5"/>
-    <p:sldLayoutId id="2147483654" r:id="rId6"/>
-    <p:sldLayoutId id="2147483655" r:id="rId7"/>
-    <p:sldLayoutId id="2147483656" r:id="rId8"/>
-    <p:sldLayoutId id="2147483657" r:id="rId9"/>
-    <p:sldLayoutId id="2147483658" r:id="rId10"/>
-    <p:sldLayoutId id="2147483659" r:id="rId11"/>
+    <p:sldLayoutId id="2147483661" r:id="rId1"/>
+    <p:sldLayoutId id="2147483662" r:id="rId2"/>
+    <p:sldLayoutId id="2147483663" r:id="rId3"/>
+    <p:sldLayoutId id="2147483664" r:id="rId4"/>
+    <p:sldLayoutId id="2147483665" r:id="rId5"/>
+    <p:sldLayoutId id="2147483666" r:id="rId6"/>
+    <p:sldLayoutId id="2147483667" r:id="rId7"/>
+    <p:sldLayoutId id="2147483668" r:id="rId8"/>
+    <p:sldLayoutId id="2147483669" r:id="rId9"/>
+    <p:sldLayoutId id="2147483670" r:id="rId10"/>
+    <p:sldLayoutId id="2147483671" r:id="rId11"/>
+    <p:sldLayoutId id="2147483672" r:id="rId12"/>
+    <p:sldLayoutId id="2147483673" r:id="rId13"/>
+    <p:sldLayoutId id="2147483674" r:id="rId14"/>
+    <p:sldLayoutId id="2147483675" r:id="rId15"/>
+    <p:sldLayoutId id="2147483676" r:id="rId16"/>
+    <p:sldLayoutId id="2147483677" r:id="rId17"/>
   </p:sldLayoutIdLst>
   <p:txStyles>
     <p:titleStyle>
-      <a:lvl1pPr algn="l" defTabSz="914400" rtl="0" eaLnBrk="1" latinLnBrk="0" hangingPunct="1">
-        <a:lnSpc>
-          <a:spcPct val="90000"/>
-        </a:lnSpc>
+      <a:lvl1pPr algn="ctr" defTabSz="457200" rtl="0" eaLnBrk="1" latinLnBrk="0" hangingPunct="1">
         <a:spcBef>
           <a:spcPct val="0"/>
         </a:spcBef>
         <a:buNone/>
-        <a:defRPr sz="4400" kern="1200">
+        <a:defRPr sz="4000" kern="1200">
+          <a:ln>
+            <a:solidFill>
+              <a:schemeClr val="bg1">
+                <a:lumMod val="75000"/>
+                <a:lumOff val="25000"/>
+                <a:alpha val="10000"/>
+              </a:schemeClr>
+            </a:solidFill>
+          </a:ln>
           <a:solidFill>
-            <a:schemeClr val="tx1"/>
+            <a:schemeClr val="tx2"/>
           </a:solidFill>
+          <a:effectLst>
+            <a:outerShdw blurRad="9525" dist="25400" dir="14640000" algn="tl" rotWithShape="0">
+              <a:schemeClr val="bg1">
+                <a:alpha val="30000"/>
+              </a:schemeClr>
+            </a:outerShdw>
+          </a:effectLst>
           <a:latin typeface="+mj-lt"/>
           <a:ea typeface="+mj-ea"/>
-          <a:cs typeface="+mj-cs"/>
+          <a:cs typeface="Trebuchet MS"/>
         </a:defRPr>
       </a:lvl1pPr>
+      <a:lvl2pPr eaLnBrk="1" hangingPunct="1">
+        <a:defRPr>
+          <a:solidFill>
+            <a:schemeClr val="tx2"/>
+          </a:solidFill>
+        </a:defRPr>
+      </a:lvl2pPr>
+      <a:lvl3pPr eaLnBrk="1" hangingPunct="1">
+        <a:defRPr>
+          <a:solidFill>
+            <a:schemeClr val="tx2"/>
+          </a:solidFill>
+        </a:defRPr>
+      </a:lvl3pPr>
+      <a:lvl4pPr eaLnBrk="1" hangingPunct="1">
+        <a:defRPr>
+          <a:solidFill>
+            <a:schemeClr val="tx2"/>
+          </a:solidFill>
+        </a:defRPr>
+      </a:lvl4pPr>
+      <a:lvl5pPr eaLnBrk="1" hangingPunct="1">
+        <a:defRPr>
+          <a:solidFill>
+            <a:schemeClr val="tx2"/>
+          </a:solidFill>
+        </a:defRPr>
+      </a:lvl5pPr>
+      <a:lvl6pPr eaLnBrk="1" hangingPunct="1">
+        <a:defRPr>
+          <a:solidFill>
+            <a:schemeClr val="tx2"/>
+          </a:solidFill>
+        </a:defRPr>
+      </a:lvl6pPr>
+      <a:lvl7pPr eaLnBrk="1" hangingPunct="1">
+        <a:defRPr>
+          <a:solidFill>
+            <a:schemeClr val="tx2"/>
+          </a:solidFill>
+        </a:defRPr>
+      </a:lvl7pPr>
+      <a:lvl8pPr eaLnBrk="1" hangingPunct="1">
+        <a:defRPr>
+          <a:solidFill>
+            <a:schemeClr val="tx2"/>
+          </a:solidFill>
+        </a:defRPr>
+      </a:lvl8pPr>
+      <a:lvl9pPr eaLnBrk="1" hangingPunct="1">
+        <a:defRPr>
+          <a:solidFill>
+            <a:schemeClr val="tx2"/>
+          </a:solidFill>
+        </a:defRPr>
+      </a:lvl9pPr>
     </p:titleStyle>
     <p:bodyStyle>
-      <a:lvl1pPr marL="228600" indent="-228600" algn="l" defTabSz="914400" rtl="0" eaLnBrk="1" latinLnBrk="0" hangingPunct="1">
-        <a:lnSpc>
-          <a:spcPct val="90000"/>
-        </a:lnSpc>
+      <a:lvl1pPr marL="342900" indent="-306000" algn="l" defTabSz="457200" rtl="0" eaLnBrk="1" latinLnBrk="0" hangingPunct="1">
         <a:spcBef>
-          <a:spcPts val="1000"/>
+          <a:spcPct val="20000"/>
         </a:spcBef>
-        <a:buFont typeface="Arial" panose="020B0604020202020204" pitchFamily="34" charset="0"/>
-        <a:buChar char="•"/>
-        <a:defRPr sz="2800" kern="1200">
+        <a:spcAft>
+          <a:spcPts val="600"/>
+        </a:spcAft>
+        <a:buClr>
+          <a:schemeClr val="tx2"/>
+        </a:buClr>
+        <a:buSzPct val="70000"/>
+        <a:buFont typeface="Wingdings 2" charset="2"/>
+        <a:buChar char=""/>
+        <a:defRPr sz="2000" kern="1200">
+          <a:ln>
+            <a:solidFill>
+              <a:schemeClr val="bg1">
+                <a:lumMod val="75000"/>
+                <a:lumOff val="25000"/>
+                <a:alpha val="10000"/>
+              </a:schemeClr>
+            </a:solidFill>
+          </a:ln>
           <a:solidFill>
-            <a:schemeClr val="tx1"/>
+            <a:schemeClr val="tx2"/>
           </a:solidFill>
+          <a:effectLst>
+            <a:outerShdw blurRad="9525" dist="25400" dir="14640000" algn="tl" rotWithShape="0">
+              <a:schemeClr val="bg1">
+                <a:alpha val="30000"/>
+              </a:schemeClr>
+            </a:outerShdw>
+          </a:effectLst>
           <a:latin typeface="+mn-lt"/>
           <a:ea typeface="+mn-ea"/>
           <a:cs typeface="+mn-cs"/>
         </a:defRPr>
       </a:lvl1pPr>
-      <a:lvl2pPr marL="685800" indent="-228600" algn="l" defTabSz="914400" rtl="0" eaLnBrk="1" latinLnBrk="0" hangingPunct="1">
-        <a:lnSpc>
-          <a:spcPct val="90000"/>
-        </a:lnSpc>
+      <a:lvl2pPr marL="720000" indent="-270000" algn="l" defTabSz="457200" rtl="0" eaLnBrk="1" latinLnBrk="0" hangingPunct="1">
         <a:spcBef>
-          <a:spcPts val="500"/>
+          <a:spcPct val="20000"/>
         </a:spcBef>
-        <a:buFont typeface="Arial" panose="020B0604020202020204" pitchFamily="34" charset="0"/>
-        <a:buChar char="•"/>
-        <a:defRPr sz="2400" kern="1200">
+        <a:spcAft>
+          <a:spcPts val="600"/>
+        </a:spcAft>
+        <a:buClr>
+          <a:schemeClr val="tx2"/>
+        </a:buClr>
+        <a:buSzPct val="70000"/>
+        <a:buFont typeface="Wingdings 2" charset="2"/>
+        <a:buChar char=""/>
+        <a:defRPr sz="1800" kern="1200">
+          <a:ln>
+            <a:solidFill>
+              <a:schemeClr val="bg1">
+                <a:lumMod val="75000"/>
+                <a:lumOff val="25000"/>
+                <a:alpha val="10000"/>
+              </a:schemeClr>
+            </a:solidFill>
+          </a:ln>
           <a:solidFill>
-            <a:schemeClr val="tx1"/>
+            <a:schemeClr val="tx2"/>
           </a:solidFill>
+          <a:effectLst>
+            <a:outerShdw blurRad="9525" dist="25400" dir="14640000" algn="tl" rotWithShape="0">
+              <a:schemeClr val="bg1">
+                <a:alpha val="30000"/>
+              </a:schemeClr>
+            </a:outerShdw>
+          </a:effectLst>
           <a:latin typeface="+mn-lt"/>
           <a:ea typeface="+mn-ea"/>
           <a:cs typeface="+mn-cs"/>
         </a:defRPr>
       </a:lvl2pPr>
-      <a:lvl3pPr marL="1143000" indent="-228600" algn="l" defTabSz="914400" rtl="0" eaLnBrk="1" latinLnBrk="0" hangingPunct="1">
-        <a:lnSpc>
-          <a:spcPct val="90000"/>
-        </a:lnSpc>
+      <a:lvl3pPr marL="1026000" indent="-216000" algn="l" defTabSz="457200" rtl="0" eaLnBrk="1" latinLnBrk="0" hangingPunct="1">
         <a:spcBef>
-          <a:spcPts val="500"/>
+          <a:spcPct val="20000"/>
         </a:spcBef>
-        <a:buFont typeface="Arial" panose="020B0604020202020204" pitchFamily="34" charset="0"/>
-        <a:buChar char="•"/>
-        <a:defRPr sz="2000" kern="1200">
+        <a:spcAft>
+          <a:spcPts val="600"/>
+        </a:spcAft>
+        <a:buClr>
+          <a:schemeClr val="tx2"/>
+        </a:buClr>
+        <a:buSzPct val="70000"/>
+        <a:buFont typeface="Wingdings 2" charset="2"/>
+        <a:buChar char=""/>
+        <a:defRPr sz="1600" kern="1200">
+          <a:ln>
+            <a:solidFill>
+              <a:schemeClr val="bg1">
+                <a:lumMod val="75000"/>
+                <a:lumOff val="25000"/>
+                <a:alpha val="10000"/>
+              </a:schemeClr>
+            </a:solidFill>
+          </a:ln>
           <a:solidFill>
-            <a:schemeClr val="tx1"/>
+            <a:schemeClr val="tx2"/>
           </a:solidFill>
+          <a:effectLst>
+            <a:outerShdw blurRad="9525" dist="25400" dir="14640000" algn="tl" rotWithShape="0">
+              <a:schemeClr val="bg1">
+                <a:alpha val="30000"/>
+              </a:schemeClr>
+            </a:outerShdw>
+          </a:effectLst>
           <a:latin typeface="+mn-lt"/>
           <a:ea typeface="+mn-ea"/>
           <a:cs typeface="+mn-cs"/>
         </a:defRPr>
       </a:lvl3pPr>
-      <a:lvl4pPr marL="1600200" indent="-228600" algn="l" defTabSz="914400" rtl="0" eaLnBrk="1" latinLnBrk="0" hangingPunct="1">
-        <a:lnSpc>
-          <a:spcPct val="90000"/>
-        </a:lnSpc>
+      <a:lvl4pPr marL="1386000" indent="-216000" algn="l" defTabSz="457200" rtl="0" eaLnBrk="1" latinLnBrk="0" hangingPunct="1">
         <a:spcBef>
-          <a:spcPts val="500"/>
+          <a:spcPct val="20000"/>
         </a:spcBef>
-        <a:buFont typeface="Arial" panose="020B0604020202020204" pitchFamily="34" charset="0"/>
-        <a:buChar char="•"/>
-        <a:defRPr sz="1800" kern="1200">
+        <a:spcAft>
+          <a:spcPts val="600"/>
+        </a:spcAft>
+        <a:buClr>
+          <a:schemeClr val="tx2"/>
+        </a:buClr>
+        <a:buSzPct val="70000"/>
+        <a:buFont typeface="Wingdings 2" charset="2"/>
+        <a:buChar char=""/>
+        <a:defRPr sz="1400" kern="1200">
+          <a:ln>
+            <a:solidFill>
+              <a:schemeClr val="bg1">
+                <a:lumMod val="75000"/>
+                <a:lumOff val="25000"/>
+                <a:alpha val="10000"/>
+              </a:schemeClr>
+            </a:solidFill>
+          </a:ln>
           <a:solidFill>
-            <a:schemeClr val="tx1"/>
+            <a:schemeClr val="tx2"/>
           </a:solidFill>
+          <a:effectLst>
+            <a:outerShdw blurRad="9525" dist="25400" dir="14640000" algn="tl" rotWithShape="0">
+              <a:schemeClr val="bg1">
+                <a:alpha val="30000"/>
+              </a:schemeClr>
+            </a:outerShdw>
+          </a:effectLst>
           <a:latin typeface="+mn-lt"/>
           <a:ea typeface="+mn-ea"/>
           <a:cs typeface="+mn-cs"/>
         </a:defRPr>
       </a:lvl4pPr>
-      <a:lvl5pPr marL="2057400" indent="-228600" algn="l" defTabSz="914400" rtl="0" eaLnBrk="1" latinLnBrk="0" hangingPunct="1">
-        <a:lnSpc>
-          <a:spcPct val="90000"/>
-        </a:lnSpc>
+      <a:lvl5pPr marL="1674000" indent="-216000" algn="l" defTabSz="457200" rtl="0" eaLnBrk="1" latinLnBrk="0" hangingPunct="1">
         <a:spcBef>
-          <a:spcPts val="500"/>
+          <a:spcPct val="20000"/>
         </a:spcBef>
-        <a:buFont typeface="Arial" panose="020B0604020202020204" pitchFamily="34" charset="0"/>
-        <a:buChar char="•"/>
-        <a:defRPr sz="1800" kern="1200">
+        <a:spcAft>
+          <a:spcPts val="600"/>
+        </a:spcAft>
+        <a:buClr>
+          <a:schemeClr val="tx2"/>
+        </a:buClr>
+        <a:buSzPct val="70000"/>
+        <a:buFont typeface="Wingdings 2" charset="2"/>
+        <a:buChar char=""/>
+        <a:defRPr sz="1400" kern="1200">
+          <a:ln>
+            <a:solidFill>
+              <a:schemeClr val="bg1">
+                <a:lumMod val="75000"/>
+                <a:lumOff val="25000"/>
+                <a:alpha val="10000"/>
+              </a:schemeClr>
+            </a:solidFill>
+          </a:ln>
           <a:solidFill>
-            <a:schemeClr val="tx1"/>
+            <a:schemeClr val="tx2"/>
           </a:solidFill>
+          <a:effectLst>
+            <a:outerShdw blurRad="9525" dist="25400" dir="14640000" algn="tl" rotWithShape="0">
+              <a:schemeClr val="bg1">
+                <a:alpha val="30000"/>
+              </a:schemeClr>
+            </a:outerShdw>
+          </a:effectLst>
           <a:latin typeface="+mn-lt"/>
           <a:ea typeface="+mn-ea"/>
           <a:cs typeface="+mn-cs"/>
         </a:defRPr>
       </a:lvl5pPr>
-      <a:lvl6pPr marL="2514600" indent="-228600" algn="l" defTabSz="914400" rtl="0" eaLnBrk="1" latinLnBrk="0" hangingPunct="1">
-        <a:lnSpc>
-          <a:spcPct val="90000"/>
-        </a:lnSpc>
+      <a:lvl6pPr marL="2014600" indent="-228600" algn="l" defTabSz="457200" rtl="0" eaLnBrk="1" latinLnBrk="0" hangingPunct="1">
         <a:spcBef>
-          <a:spcPts val="500"/>
+          <a:spcPct val="20000"/>
         </a:spcBef>
-        <a:buFont typeface="Arial" panose="020B0604020202020204" pitchFamily="34" charset="0"/>
-        <a:buChar char="•"/>
-        <a:defRPr sz="1800" kern="1200">
+        <a:spcAft>
+          <a:spcPts val="600"/>
+        </a:spcAft>
+        <a:buClr>
+          <a:schemeClr val="tx2"/>
+        </a:buClr>
+        <a:buSzPct val="70000"/>
+        <a:buFont typeface="Wingdings 2" charset="2"/>
+        <a:buChar char=""/>
+        <a:defRPr sz="1400" kern="1200">
+          <a:ln>
+            <a:solidFill>
+              <a:schemeClr val="bg1">
+                <a:lumMod val="75000"/>
+                <a:lumOff val="25000"/>
+                <a:alpha val="10000"/>
+              </a:schemeClr>
+            </a:solidFill>
+          </a:ln>
           <a:solidFill>
-            <a:schemeClr val="tx1"/>
+            <a:schemeClr val="tx2"/>
           </a:solidFill>
+          <a:effectLst>
+            <a:outerShdw blurRad="9525" dist="25400" dir="14640000" algn="tl" rotWithShape="0">
+              <a:schemeClr val="bg1">
+                <a:alpha val="30000"/>
+              </a:schemeClr>
+            </a:outerShdw>
+          </a:effectLst>
           <a:latin typeface="+mn-lt"/>
           <a:ea typeface="+mn-ea"/>
           <a:cs typeface="+mn-cs"/>
         </a:defRPr>
       </a:lvl6pPr>
-      <a:lvl7pPr marL="2971800" indent="-228600" algn="l" defTabSz="914400" rtl="0" eaLnBrk="1" latinLnBrk="0" hangingPunct="1">
-        <a:lnSpc>
-          <a:spcPct val="90000"/>
-        </a:lnSpc>
+      <a:lvl7pPr marL="2401800" indent="-228600" algn="l" defTabSz="457200" rtl="0" eaLnBrk="1" latinLnBrk="0" hangingPunct="1">
         <a:spcBef>
-          <a:spcPts val="500"/>
+          <a:spcPct val="20000"/>
         </a:spcBef>
-        <a:buFont typeface="Arial" panose="020B0604020202020204" pitchFamily="34" charset="0"/>
-        <a:buChar char="•"/>
-        <a:defRPr sz="1800" kern="1200">
+        <a:spcAft>
+          <a:spcPts val="600"/>
+        </a:spcAft>
+        <a:buClr>
+          <a:schemeClr val="tx2"/>
+        </a:buClr>
+        <a:buSzPct val="70000"/>
+        <a:buFont typeface="Wingdings 2" charset="2"/>
+        <a:buChar char=""/>
+        <a:defRPr sz="1400" kern="1200">
+          <a:ln>
+            <a:solidFill>
+              <a:schemeClr val="bg1">
+                <a:lumMod val="75000"/>
+                <a:lumOff val="25000"/>
+                <a:alpha val="10000"/>
+              </a:schemeClr>
+            </a:solidFill>
+          </a:ln>
           <a:solidFill>
-            <a:schemeClr val="tx1"/>
+            <a:schemeClr val="tx2"/>
           </a:solidFill>
+          <a:effectLst>
+            <a:outerShdw blurRad="9525" dist="25400" dir="14640000" algn="tl" rotWithShape="0">
+              <a:schemeClr val="bg1">
+                <a:alpha val="30000"/>
+              </a:schemeClr>
+            </a:outerShdw>
+          </a:effectLst>
           <a:latin typeface="+mn-lt"/>
           <a:ea typeface="+mn-ea"/>
           <a:cs typeface="+mn-cs"/>
         </a:defRPr>
       </a:lvl7pPr>
-      <a:lvl8pPr marL="3429000" indent="-228600" algn="l" defTabSz="914400" rtl="0" eaLnBrk="1" latinLnBrk="0" hangingPunct="1">
-        <a:lnSpc>
-          <a:spcPct val="90000"/>
-        </a:lnSpc>
+      <a:lvl8pPr marL="2789000" indent="-228600" algn="l" defTabSz="457200" rtl="0" eaLnBrk="1" latinLnBrk="0" hangingPunct="1">
         <a:spcBef>
-          <a:spcPts val="500"/>
+          <a:spcPct val="20000"/>
         </a:spcBef>
-        <a:buFont typeface="Arial" panose="020B0604020202020204" pitchFamily="34" charset="0"/>
-        <a:buChar char="•"/>
-        <a:defRPr sz="1800" kern="1200">
+        <a:spcAft>
+          <a:spcPts val="600"/>
+        </a:spcAft>
+        <a:buClr>
+          <a:schemeClr val="tx2"/>
+        </a:buClr>
+        <a:buSzPct val="70000"/>
+        <a:buFont typeface="Wingdings 2" charset="2"/>
+        <a:buChar char=""/>
+        <a:defRPr sz="1400" kern="1200">
+          <a:ln>
+            <a:solidFill>
+              <a:schemeClr val="bg1">
+                <a:lumMod val="75000"/>
+                <a:lumOff val="25000"/>
+                <a:alpha val="10000"/>
+              </a:schemeClr>
+            </a:solidFill>
+          </a:ln>
           <a:solidFill>
-            <a:schemeClr val="tx1"/>
+            <a:schemeClr val="tx2"/>
           </a:solidFill>
+          <a:effectLst>
+            <a:outerShdw blurRad="9525" dist="25400" dir="14640000" algn="tl" rotWithShape="0">
+              <a:schemeClr val="bg1">
+                <a:alpha val="30000"/>
+              </a:schemeClr>
+            </a:outerShdw>
+          </a:effectLst>
           <a:latin typeface="+mn-lt"/>
           <a:ea typeface="+mn-ea"/>
           <a:cs typeface="+mn-cs"/>
         </a:defRPr>
       </a:lvl8pPr>
-      <a:lvl9pPr marL="3886200" indent="-228600" algn="l" defTabSz="914400" rtl="0" eaLnBrk="1" latinLnBrk="0" hangingPunct="1">
-        <a:lnSpc>
-          <a:spcPct val="90000"/>
-        </a:lnSpc>
+      <a:lvl9pPr marL="3106200" indent="-228600" algn="l" defTabSz="457200" rtl="0" eaLnBrk="1" latinLnBrk="0" hangingPunct="1">
         <a:spcBef>
-          <a:spcPts val="500"/>
+          <a:spcPct val="20000"/>
         </a:spcBef>
-        <a:buFont typeface="Arial" panose="020B0604020202020204" pitchFamily="34" charset="0"/>
-        <a:buChar char="•"/>
-        <a:defRPr sz="1800" kern="1200">
+        <a:spcAft>
+          <a:spcPts val="600"/>
+        </a:spcAft>
+        <a:buClr>
+          <a:schemeClr val="tx2"/>
+        </a:buClr>
+        <a:buSzPct val="70000"/>
+        <a:buFont typeface="Wingdings 2" charset="2"/>
+        <a:buChar char=""/>
+        <a:defRPr sz="1400" kern="1200">
+          <a:ln>
+            <a:solidFill>
+              <a:schemeClr val="bg1">
+                <a:lumMod val="75000"/>
+                <a:lumOff val="25000"/>
+                <a:alpha val="10000"/>
+              </a:schemeClr>
+            </a:solidFill>
+          </a:ln>
           <a:solidFill>
-            <a:schemeClr val="tx1"/>
+            <a:schemeClr val="tx2"/>
           </a:solidFill>
+          <a:effectLst>
+            <a:outerShdw blurRad="9525" dist="25400" dir="14640000" algn="tl" rotWithShape="0">
+              <a:schemeClr val="bg1">
+                <a:alpha val="30000"/>
+              </a:schemeClr>
+            </a:outerShdw>
+          </a:effectLst>
           <a:latin typeface="+mn-lt"/>
           <a:ea typeface="+mn-ea"/>
           <a:cs typeface="+mn-cs"/>
@@ -2866,7 +5916,7 @@
       <a:defPPr>
         <a:defRPr lang="en-US"/>
       </a:defPPr>
-      <a:lvl1pPr marL="0" algn="l" defTabSz="914400" rtl="0" eaLnBrk="1" latinLnBrk="0" hangingPunct="1">
+      <a:lvl1pPr marL="0" algn="l" defTabSz="457200" rtl="0" eaLnBrk="1" latinLnBrk="0" hangingPunct="1">
         <a:defRPr sz="1800" kern="1200">
           <a:solidFill>
             <a:schemeClr val="tx1"/>
@@ -2876,7 +5926,7 @@
           <a:cs typeface="+mn-cs"/>
         </a:defRPr>
       </a:lvl1pPr>
-      <a:lvl2pPr marL="457200" algn="l" defTabSz="914400" rtl="0" eaLnBrk="1" latinLnBrk="0" hangingPunct="1">
+      <a:lvl2pPr marL="457200" algn="l" defTabSz="457200" rtl="0" eaLnBrk="1" latinLnBrk="0" hangingPunct="1">
         <a:defRPr sz="1800" kern="1200">
           <a:solidFill>
             <a:schemeClr val="tx1"/>
@@ -2886,7 +5936,7 @@
           <a:cs typeface="+mn-cs"/>
         </a:defRPr>
       </a:lvl2pPr>
-      <a:lvl3pPr marL="914400" algn="l" defTabSz="914400" rtl="0" eaLnBrk="1" latinLnBrk="0" hangingPunct="1">
+      <a:lvl3pPr marL="914400" algn="l" defTabSz="457200" rtl="0" eaLnBrk="1" latinLnBrk="0" hangingPunct="1">
         <a:defRPr sz="1800" kern="1200">
           <a:solidFill>
             <a:schemeClr val="tx1"/>
@@ -2896,7 +5946,7 @@
           <a:cs typeface="+mn-cs"/>
         </a:defRPr>
       </a:lvl3pPr>
-      <a:lvl4pPr marL="1371600" algn="l" defTabSz="914400" rtl="0" eaLnBrk="1" latinLnBrk="0" hangingPunct="1">
+      <a:lvl4pPr marL="1371600" algn="l" defTabSz="457200" rtl="0" eaLnBrk="1" latinLnBrk="0" hangingPunct="1">
         <a:defRPr sz="1800" kern="1200">
           <a:solidFill>
             <a:schemeClr val="tx1"/>
@@ -2906,7 +5956,7 @@
           <a:cs typeface="+mn-cs"/>
         </a:defRPr>
       </a:lvl4pPr>
-      <a:lvl5pPr marL="1828800" algn="l" defTabSz="914400" rtl="0" eaLnBrk="1" latinLnBrk="0" hangingPunct="1">
+      <a:lvl5pPr marL="1828800" algn="l" defTabSz="457200" rtl="0" eaLnBrk="1" latinLnBrk="0" hangingPunct="1">
         <a:defRPr sz="1800" kern="1200">
           <a:solidFill>
             <a:schemeClr val="tx1"/>
@@ -2916,7 +5966,7 @@
           <a:cs typeface="+mn-cs"/>
         </a:defRPr>
       </a:lvl5pPr>
-      <a:lvl6pPr marL="2286000" algn="l" defTabSz="914400" rtl="0" eaLnBrk="1" latinLnBrk="0" hangingPunct="1">
+      <a:lvl6pPr marL="2286000" algn="l" defTabSz="457200" rtl="0" eaLnBrk="1" latinLnBrk="0" hangingPunct="1">
         <a:defRPr sz="1800" kern="1200">
           <a:solidFill>
             <a:schemeClr val="tx1"/>
@@ -2926,7 +5976,7 @@
           <a:cs typeface="+mn-cs"/>
         </a:defRPr>
       </a:lvl6pPr>
-      <a:lvl7pPr marL="2743200" algn="l" defTabSz="914400" rtl="0" eaLnBrk="1" latinLnBrk="0" hangingPunct="1">
+      <a:lvl7pPr marL="2743200" algn="l" defTabSz="457200" rtl="0" eaLnBrk="1" latinLnBrk="0" hangingPunct="1">
         <a:defRPr sz="1800" kern="1200">
           <a:solidFill>
             <a:schemeClr val="tx1"/>
@@ -2936,7 +5986,7 @@
           <a:cs typeface="+mn-cs"/>
         </a:defRPr>
       </a:lvl7pPr>
-      <a:lvl8pPr marL="3200400" algn="l" defTabSz="914400" rtl="0" eaLnBrk="1" latinLnBrk="0" hangingPunct="1">
+      <a:lvl8pPr marL="3200400" algn="l" defTabSz="457200" rtl="0" eaLnBrk="1" latinLnBrk="0" hangingPunct="1">
         <a:defRPr sz="1800" kern="1200">
           <a:solidFill>
             <a:schemeClr val="tx1"/>
@@ -2946,7 +5996,7 @@
           <a:cs typeface="+mn-cs"/>
         </a:defRPr>
       </a:lvl8pPr>
-      <a:lvl9pPr marL="3657600" algn="l" defTabSz="914400" rtl="0" eaLnBrk="1" latinLnBrk="0" hangingPunct="1">
+      <a:lvl9pPr marL="3657600" algn="l" defTabSz="457200" rtl="0" eaLnBrk="1" latinLnBrk="0" hangingPunct="1">
         <a:defRPr sz="1800" kern="1200">
           <a:solidFill>
             <a:schemeClr val="tx1"/>
@@ -2964,6 +6014,26 @@
 <file path=ppt/slides/slide1.xml><?xml version="1.0" encoding="utf-8"?>
 <p:sld xmlns:a="http://schemas.openxmlformats.org/drawingml/2006/main" xmlns:r="http://schemas.openxmlformats.org/officeDocument/2006/relationships" xmlns:p="http://schemas.openxmlformats.org/presentationml/2006/main">
   <p:cSld>
+    <p:bg>
+      <p:bgPr>
+        <a:blipFill rotWithShape="1">
+          <a:blip r:embed="rId2">
+            <a:duotone>
+              <a:schemeClr val="bg2">
+                <a:shade val="80000"/>
+                <a:lumMod val="80000"/>
+              </a:schemeClr>
+              <a:schemeClr val="bg2">
+                <a:tint val="98000"/>
+              </a:schemeClr>
+            </a:duotone>
+            <a:extLst/>
+          </a:blip>
+          <a:stretch/>
+        </a:blipFill>
+        <a:effectLst/>
+      </p:bgPr>
+    </p:bg>
     <p:spTree>
       <p:nvGrpSpPr>
         <p:cNvPr id="1" name=""/>
@@ -2978,6 +6048,66 @@
           <a:chExt cx="0" cy="0"/>
         </a:xfrm>
       </p:grpSpPr>
+      <p:sp useBgFill="1">
+        <p:nvSpPr>
+          <p:cNvPr id="8" name="Rectangle 7">
+            <a:extLst>
+              <a:ext uri="{FF2B5EF4-FFF2-40B4-BE49-F238E27FC236}">
+                <a16:creationId xmlns:a16="http://schemas.microsoft.com/office/drawing/2014/main" id="{2124007E-BA57-41B2-8C6B-5E99927F2247}"/>
+              </a:ext>
+              <a:ext uri="{C183D7F6-B498-43B3-948B-1728B52AA6E4}">
+                <adec:decorative xmlns:adec="http://schemas.microsoft.com/office/drawing/2017/decorative" val="1"/>
+              </a:ext>
+            </a:extLst>
+          </p:cNvPr>
+          <p:cNvSpPr>
+            <a:spLocks noGrp="1" noRot="1" noChangeAspect="1" noMove="1" noResize="1" noEditPoints="1" noAdjustHandles="1" noChangeArrowheads="1" noChangeShapeType="1" noTextEdit="1"/>
+          </p:cNvSpPr>
+          <p:nvPr>
+            <p:extLst>
+              <p:ext uri="{386F3935-93C4-4BCD-93E2-E3B085C9AB24}">
+                <p16:designElem xmlns:p16="http://schemas.microsoft.com/office/powerpoint/2015/main" val="1"/>
+              </p:ext>
+            </p:extLst>
+          </p:nvPr>
+        </p:nvSpPr>
+        <p:spPr>
+          <a:xfrm>
+            <a:off x="0" y="0"/>
+            <a:ext cx="12192000" cy="6858000"/>
+          </a:xfrm>
+          <a:prstGeom prst="rect">
+            <a:avLst/>
+          </a:prstGeom>
+          <a:ln>
+            <a:noFill/>
+          </a:ln>
+        </p:spPr>
+        <p:style>
+          <a:lnRef idx="2">
+            <a:schemeClr val="accent1">
+              <a:shade val="50000"/>
+            </a:schemeClr>
+          </a:lnRef>
+          <a:fillRef idx="1">
+            <a:schemeClr val="accent1"/>
+          </a:fillRef>
+          <a:effectRef idx="0">
+            <a:schemeClr val="accent1"/>
+          </a:effectRef>
+          <a:fontRef idx="minor">
+            <a:schemeClr val="lt1"/>
+          </a:fontRef>
+        </p:style>
+        <p:txBody>
+          <a:bodyPr rtlCol="0" anchor="ctr"/>
+          <a:lstStyle/>
+          <a:p>
+            <a:pPr algn="ctr"/>
+            <a:endParaRPr lang="en-US"/>
+          </a:p>
+        </p:txBody>
+      </p:sp>
       <p:sp>
         <p:nvSpPr>
           <p:cNvPr id="2" name="Title 1"/>
@@ -2988,15 +6118,100 @@
             <p:ph type="ctrTitle"/>
           </p:nvPr>
         </p:nvSpPr>
-        <p:spPr/>
-        <p:txBody>
-          <a:bodyPr/>
-          <a:lstStyle/>
-          <a:p>
-            <a:r>
-              <a:rPr lang="en-US" dirty="0" smtClean="0"/>
+        <p:spPr>
+          <a:xfrm>
+            <a:off x="769207" y="1099456"/>
+            <a:ext cx="6243636" cy="4625558"/>
+          </a:xfrm>
+          <a:effectLst/>
+        </p:spPr>
+        <p:txBody>
+          <a:bodyPr anchor="ctr">
+            <a:normAutofit/>
+          </a:bodyPr>
+          <a:lstStyle/>
+          <a:p>
+            <a:pPr algn="l"/>
+            <a:r>
+              <a:rPr lang="en-US">
+                <a:solidFill>
+                  <a:schemeClr val="tx1"/>
+                </a:solidFill>
+              </a:rPr>
               <a:t>HECC 2018</a:t>
             </a:r>
+          </a:p>
+        </p:txBody>
+      </p:sp>
+      <p:sp>
+        <p:nvSpPr>
+          <p:cNvPr id="10" name="Rectangle 9">
+            <a:extLst>
+              <a:ext uri="{FF2B5EF4-FFF2-40B4-BE49-F238E27FC236}">
+                <a16:creationId xmlns:a16="http://schemas.microsoft.com/office/drawing/2014/main" id="{8DEB9D55-38C8-45B4-BB2D-4FDBBDB08C37}"/>
+              </a:ext>
+              <a:ext uri="{C183D7F6-B498-43B3-948B-1728B52AA6E4}">
+                <adec:decorative xmlns:adec="http://schemas.microsoft.com/office/drawing/2017/decorative" val="1"/>
+              </a:ext>
+            </a:extLst>
+          </p:cNvPr>
+          <p:cNvSpPr>
+            <a:spLocks noGrp="1" noRot="1" noChangeAspect="1" noMove="1" noResize="1" noEditPoints="1" noAdjustHandles="1" noChangeArrowheads="1" noChangeShapeType="1" noTextEdit="1"/>
+          </p:cNvSpPr>
+          <p:nvPr>
+            <p:extLst>
+              <p:ext uri="{386F3935-93C4-4BCD-93E2-E3B085C9AB24}">
+                <p16:designElem xmlns:p16="http://schemas.microsoft.com/office/powerpoint/2015/main" val="1"/>
+              </p:ext>
+            </p:extLst>
+          </p:nvPr>
+        </p:nvSpPr>
+        <p:spPr>
+          <a:xfrm>
+            <a:off x="7537704" y="0"/>
+            <a:ext cx="4654296" cy="6858000"/>
+          </a:xfrm>
+          <a:prstGeom prst="rect">
+            <a:avLst/>
+          </a:prstGeom>
+          <a:solidFill>
+            <a:schemeClr val="tx1">
+              <a:lumMod val="95000"/>
+              <a:alpha val="90000"/>
+            </a:schemeClr>
+          </a:solidFill>
+          <a:ln>
+            <a:noFill/>
+          </a:ln>
+          <a:effectLst>
+            <a:outerShdw blurRad="50800" dist="38100" dir="10800000" algn="l" rotWithShape="0">
+              <a:prstClr val="black">
+                <a:alpha val="40000"/>
+              </a:prstClr>
+            </a:outerShdw>
+          </a:effectLst>
+        </p:spPr>
+        <p:style>
+          <a:lnRef idx="2">
+            <a:schemeClr val="accent1">
+              <a:shade val="50000"/>
+            </a:schemeClr>
+          </a:lnRef>
+          <a:fillRef idx="1">
+            <a:schemeClr val="accent1"/>
+          </a:fillRef>
+          <a:effectRef idx="0">
+            <a:schemeClr val="accent1"/>
+          </a:effectRef>
+          <a:fontRef idx="minor">
+            <a:schemeClr val="lt1"/>
+          </a:fontRef>
+        </p:style>
+        <p:txBody>
+          <a:bodyPr rtlCol="0" anchor="ctr"/>
+          <a:lstStyle/>
+          <a:p>
+            <a:pPr algn="ctr"/>
             <a:endParaRPr lang="en-US" dirty="0"/>
           </a:p>
         </p:txBody>
@@ -3011,26 +6226,39 @@
             <p:ph type="subTitle" idx="1"/>
           </p:nvPr>
         </p:nvSpPr>
-        <p:spPr/>
-        <p:txBody>
-          <a:bodyPr/>
-          <a:lstStyle/>
-          <a:p>
-            <a:r>
-              <a:rPr lang="en-US" dirty="0"/>
-              <a:t>2053 - Deploying Windows 10 With MDT (Part 1</a:t>
-            </a:r>
-            <a:r>
-              <a:rPr lang="en-US" dirty="0" smtClean="0"/>
-              <a:t>)</a:t>
-            </a:r>
-          </a:p>
-          <a:p>
-            <a:r>
-              <a:rPr lang="en-US" sz="2000" dirty="0" smtClean="0"/>
+        <p:spPr>
+          <a:xfrm>
+            <a:off x="7782049" y="1112685"/>
+            <a:ext cx="2935320" cy="4632630"/>
+          </a:xfrm>
+          <a:effectLst/>
+        </p:spPr>
+        <p:txBody>
+          <a:bodyPr anchor="ctr">
+            <a:normAutofit/>
+          </a:bodyPr>
+          <a:lstStyle/>
+          <a:p>
+            <a:pPr algn="l"/>
+            <a:r>
+              <a:rPr lang="en-US" sz="2400">
+                <a:solidFill>
+                  <a:schemeClr val="bg2"/>
+                </a:solidFill>
+              </a:rPr>
+              <a:t>2053 - Deploying Windows 10 With MDT (Part 1)</a:t>
+            </a:r>
+          </a:p>
+          <a:p>
+            <a:pPr algn="l"/>
+            <a:r>
+              <a:rPr lang="en-US" sz="2400">
+                <a:solidFill>
+                  <a:schemeClr val="bg2"/>
+                </a:solidFill>
+              </a:rPr>
               <a:t>Section 3</a:t>
             </a:r>
-            <a:endParaRPr lang="en-US" sz="2000" dirty="0"/>
           </a:p>
         </p:txBody>
       </p:sp>
@@ -3044,13 +6272,6 @@
   <p:clrMapOvr>
     <a:masterClrMapping/>
   </p:clrMapOvr>
-  <p:timing>
-    <p:tnLst>
-      <p:par>
-        <p:cTn id="1" dur="indefinite" restart="never" nodeType="tmRoot"/>
-      </p:par>
-    </p:tnLst>
-  </p:timing>
 </p:sld>
 </file>
 
@@ -3093,14 +6314,14 @@
           <a:p>
             <a:pPr algn="ctr"/>
             <a:r>
-              <a:rPr lang="en-US" sz="13800" dirty="0" smtClean="0"/>
+              <a:rPr lang="en-US" sz="13800" dirty="0"/>
               <a:t>Thanks</a:t>
             </a:r>
             <a:br>
-              <a:rPr lang="en-US" sz="13800" dirty="0" smtClean="0"/>
+              <a:rPr lang="en-US" sz="13800" dirty="0"/>
             </a:br>
             <a:r>
-              <a:rPr lang="en-US" sz="3200" dirty="0" smtClean="0"/>
+              <a:rPr lang="en-US" sz="3200" dirty="0"/>
               <a:t>Please fill out class evaluation</a:t>
             </a:r>
             <a:endParaRPr lang="en-US" dirty="0"/>
@@ -3117,13 +6338,6 @@
   <p:clrMapOvr>
     <a:masterClrMapping/>
   </p:clrMapOvr>
-  <p:timing>
-    <p:tnLst>
-      <p:par>
-        <p:cTn id="1" dur="indefinite" restart="never" nodeType="tmRoot"/>
-      </p:par>
-    </p:tnLst>
-  </p:timing>
 </p:sld>
 </file>
 
@@ -3165,10 +6379,9 @@
           <a:lstStyle/>
           <a:p>
             <a:r>
-              <a:rPr lang="en-US" dirty="0" smtClean="0"/>
+              <a:rPr lang="en-US" dirty="0"/>
               <a:t>Agenda</a:t>
             </a:r>
-            <a:endParaRPr lang="en-US" dirty="0"/>
           </a:p>
         </p:txBody>
       </p:sp>
@@ -3198,17 +6411,12 @@
               <a:rPr lang="en-US" dirty="0"/>
               <a:t>Build, Capture, Automation</a:t>
             </a:r>
-            <a:endParaRPr lang="en-US" dirty="0" smtClean="0"/>
           </a:p>
           <a:p>
             <a:pPr lvl="1"/>
             <a:r>
               <a:rPr lang="en-US" dirty="0"/>
-              <a:t>Build and </a:t>
-            </a:r>
-            <a:r>
-              <a:rPr lang="en-US" dirty="0" smtClean="0"/>
-              <a:t>Capture</a:t>
+              <a:t>Build and Capture</a:t>
             </a:r>
           </a:p>
           <a:p>
@@ -3217,66 +6425,53 @@
               <a:rPr lang="en-US" dirty="0"/>
               <a:t>Image Factory </a:t>
             </a:r>
-            <a:endParaRPr lang="en-US" dirty="0" smtClean="0"/>
           </a:p>
           <a:p>
             <a:pPr lvl="2"/>
             <a:r>
-              <a:rPr lang="en-US" dirty="0" smtClean="0"/>
-              <a:t>Factory </a:t>
-            </a:r>
-            <a:r>
               <a:rPr lang="en-US" dirty="0"/>
-              <a:t>Setup</a:t>
+              <a:t>Factory Setup</a:t>
             </a:r>
           </a:p>
           <a:p>
             <a:pPr lvl="2"/>
             <a:r>
-              <a:rPr lang="en-US" dirty="0" smtClean="0"/>
+              <a:rPr lang="en-US" dirty="0"/>
               <a:t>Process</a:t>
             </a:r>
           </a:p>
           <a:p>
             <a:pPr lvl="1"/>
             <a:r>
-              <a:rPr lang="en-US" dirty="0" smtClean="0"/>
+              <a:rPr lang="en-US" dirty="0"/>
               <a:t>Demo</a:t>
             </a:r>
           </a:p>
           <a:p>
             <a:pPr lvl="1"/>
             <a:r>
-              <a:rPr lang="en-US" dirty="0" smtClean="0"/>
+              <a:rPr lang="en-US" dirty="0"/>
               <a:t>Questions</a:t>
             </a:r>
           </a:p>
           <a:p>
             <a:pPr lvl="1"/>
             <a:r>
-              <a:rPr lang="en-US" dirty="0" smtClean="0"/>
-              <a:t>Class </a:t>
-            </a:r>
-            <a:r>
               <a:rPr lang="en-US" dirty="0"/>
-              <a:t>files and slide </a:t>
-            </a:r>
-            <a:r>
-              <a:rPr lang="en-US" dirty="0" smtClean="0"/>
-              <a:t>deck</a:t>
+              <a:t>Class files and slide deck</a:t>
             </a:r>
           </a:p>
           <a:p>
             <a:pPr lvl="1"/>
             <a:r>
-              <a:rPr lang="en-US" smtClean="0"/>
+              <a:rPr lang="en-US"/>
               <a:t>Feedback</a:t>
             </a:r>
             <a:endParaRPr lang="en-US" dirty="0"/>
           </a:p>
           <a:p>
             <a:pPr lvl="1"/>
-            <a:endParaRPr lang="en-US" dirty="0" smtClean="0"/>
+            <a:endParaRPr lang="en-US" dirty="0"/>
           </a:p>
         </p:txBody>
       </p:sp>
@@ -3290,13 +6485,6 @@
   <p:clrMapOvr>
     <a:masterClrMapping/>
   </p:clrMapOvr>
-  <p:timing>
-    <p:tnLst>
-      <p:par>
-        <p:cTn id="1" dur="indefinite" restart="never" nodeType="tmRoot"/>
-      </p:par>
-    </p:tnLst>
-  </p:timing>
 </p:sld>
 </file>
 
@@ -3327,39 +6515,42 @@
             <p:ph type="title"/>
           </p:nvPr>
         </p:nvSpPr>
+        <p:spPr>
+          <a:xfrm>
+            <a:off x="913795" y="609600"/>
+            <a:ext cx="10353762" cy="970450"/>
+          </a:xfrm>
+        </p:spPr>
+        <p:txBody>
+          <a:bodyPr/>
+          <a:lstStyle/>
+          <a:p>
+            <a:r>
+              <a:rPr lang="en-US" dirty="0"/>
+              <a:t>Build and Capture</a:t>
+            </a:r>
+          </a:p>
+        </p:txBody>
+      </p:sp>
+      <p:sp>
+        <p:nvSpPr>
+          <p:cNvPr id="3" name="Content Placeholder 2"/>
+          <p:cNvSpPr>
+            <a:spLocks noGrp="1"/>
+          </p:cNvSpPr>
+          <p:nvPr>
+            <p:ph idx="1"/>
+          </p:nvPr>
+        </p:nvSpPr>
         <p:spPr/>
         <p:txBody>
           <a:bodyPr/>
           <a:lstStyle/>
           <a:p>
             <a:r>
-              <a:rPr lang="en-US" dirty="0" smtClean="0"/>
-              <a:t>Build and Capture</a:t>
-            </a:r>
-            <a:endParaRPr lang="en-US" dirty="0"/>
-          </a:p>
-        </p:txBody>
-      </p:sp>
-      <p:sp>
-        <p:nvSpPr>
-          <p:cNvPr id="3" name="Content Placeholder 2"/>
-          <p:cNvSpPr>
-            <a:spLocks noGrp="1"/>
-          </p:cNvSpPr>
-          <p:nvPr>
-            <p:ph idx="1"/>
-          </p:nvPr>
-        </p:nvSpPr>
-        <p:spPr/>
-        <p:txBody>
-          <a:bodyPr/>
-          <a:lstStyle/>
-          <a:p>
-            <a:r>
-              <a:rPr lang="en-US" dirty="0" smtClean="0"/>
+              <a:rPr lang="en-US" dirty="0"/>
               <a:t>Configure WinPE settings</a:t>
             </a:r>
-            <a:endParaRPr lang="en-US" dirty="0"/>
           </a:p>
         </p:txBody>
       </p:sp>
@@ -3379,8 +6570,8 @@
         </p:blipFill>
         <p:spPr>
           <a:xfrm>
-            <a:off x="5619236" y="2153787"/>
-            <a:ext cx="5852996" cy="3468442"/>
+            <a:off x="5619236" y="2383203"/>
+            <a:ext cx="5465857" cy="3239026"/>
           </a:xfrm>
           <a:prstGeom prst="rect">
             <a:avLst/>
@@ -3403,8 +6594,8 @@
         </p:blipFill>
         <p:spPr>
           <a:xfrm>
-            <a:off x="5284067" y="1173722"/>
-            <a:ext cx="6523334" cy="5428572"/>
+            <a:off x="5284067" y="1532788"/>
+            <a:ext cx="6091856" cy="5069506"/>
           </a:xfrm>
           <a:prstGeom prst="rect">
             <a:avLst/>
@@ -3427,8 +6618,8 @@
         </p:blipFill>
         <p:spPr>
           <a:xfrm>
-            <a:off x="5284067" y="1173722"/>
-            <a:ext cx="6523334" cy="5428572"/>
+            <a:off x="5284067" y="1532788"/>
+            <a:ext cx="6091856" cy="5069506"/>
           </a:xfrm>
           <a:prstGeom prst="rect">
             <a:avLst/>
@@ -3451,8 +6642,8 @@
         </p:blipFill>
         <p:spPr>
           <a:xfrm>
-            <a:off x="5284067" y="1173722"/>
-            <a:ext cx="6523334" cy="5428572"/>
+            <a:off x="5284067" y="1532788"/>
+            <a:ext cx="6091856" cy="5069506"/>
           </a:xfrm>
           <a:prstGeom prst="rect">
             <a:avLst/>
@@ -3475,8 +6666,8 @@
         </p:blipFill>
         <p:spPr>
           <a:xfrm>
-            <a:off x="5284067" y="1173722"/>
-            <a:ext cx="6523334" cy="5428572"/>
+            <a:off x="5284067" y="1532788"/>
+            <a:ext cx="6091856" cy="5069506"/>
           </a:xfrm>
           <a:prstGeom prst="rect">
             <a:avLst/>
@@ -3739,10 +6930,9 @@
           <a:lstStyle/>
           <a:p>
             <a:r>
-              <a:rPr lang="en-US" dirty="0" smtClean="0"/>
+              <a:rPr lang="en-US" dirty="0"/>
               <a:t>Build and Capture</a:t>
             </a:r>
-            <a:endParaRPr lang="en-US" dirty="0"/>
           </a:p>
         </p:txBody>
       </p:sp>
@@ -3762,10 +6952,9 @@
           <a:lstStyle/>
           <a:p>
             <a:r>
-              <a:rPr lang="en-US" dirty="0" smtClean="0"/>
+              <a:rPr lang="en-US" dirty="0"/>
               <a:t>After all changes are made update deployment share</a:t>
             </a:r>
-            <a:endParaRPr lang="en-US" dirty="0"/>
           </a:p>
         </p:txBody>
       </p:sp>
@@ -3803,13 +6992,6 @@
   <p:clrMapOvr>
     <a:masterClrMapping/>
   </p:clrMapOvr>
-  <p:timing>
-    <p:tnLst>
-      <p:par>
-        <p:cTn id="1" dur="indefinite" restart="never" nodeType="tmRoot"/>
-      </p:par>
-    </p:tnLst>
-  </p:timing>
 </p:sld>
 </file>
 
@@ -3868,48 +7050,47 @@
           <a:lstStyle/>
           <a:p>
             <a:r>
-              <a:rPr lang="en-US" dirty="0" smtClean="0"/>
+              <a:rPr lang="en-US" dirty="0"/>
               <a:t>Create a new Hyper-V on build machine</a:t>
             </a:r>
           </a:p>
           <a:p>
             <a:r>
-              <a:rPr lang="en-US" dirty="0" smtClean="0"/>
+              <a:rPr lang="en-US" dirty="0"/>
               <a:t>2 Processors makes a big difference</a:t>
             </a:r>
           </a:p>
           <a:p>
             <a:r>
-              <a:rPr lang="en-US" dirty="0" smtClean="0"/>
+              <a:rPr lang="en-US" dirty="0"/>
               <a:t>Only need 4 GB of ram</a:t>
             </a:r>
           </a:p>
           <a:p>
             <a:r>
-              <a:rPr lang="en-US" dirty="0" smtClean="0"/>
+              <a:rPr lang="en-US" dirty="0"/>
               <a:t>Mount HECC Build Lab x64.iso from %</a:t>
             </a:r>
             <a:r>
-              <a:rPr lang="en-US" dirty="0" err="1" smtClean="0"/>
+              <a:rPr lang="en-US" dirty="0" err="1"/>
               <a:t>DeploymentShare</a:t>
             </a:r>
             <a:r>
-              <a:rPr lang="en-US" dirty="0" smtClean="0"/>
+              <a:rPr lang="en-US" dirty="0"/>
               <a:t>%\Boot\</a:t>
             </a:r>
           </a:p>
           <a:p>
             <a:r>
-              <a:rPr lang="en-US" dirty="0" smtClean="0"/>
+              <a:rPr lang="en-US" dirty="0"/>
               <a:t>Power on VM </a:t>
             </a:r>
           </a:p>
           <a:p>
             <a:r>
-              <a:rPr lang="en-US" dirty="0" smtClean="0"/>
+              <a:rPr lang="en-US" dirty="0"/>
               <a:t>Select you Task Sequence</a:t>
             </a:r>
-            <a:endParaRPr lang="en-US" dirty="0"/>
           </a:p>
         </p:txBody>
       </p:sp>
@@ -3923,13 +7104,6 @@
   <p:clrMapOvr>
     <a:masterClrMapping/>
   </p:clrMapOvr>
-  <p:timing>
-    <p:tnLst>
-      <p:par>
-        <p:cTn id="1" dur="indefinite" restart="never" nodeType="tmRoot"/>
-      </p:par>
-    </p:tnLst>
-  </p:timing>
 </p:sld>
 </file>
 
@@ -3966,10 +7140,9 @@
           <a:lstStyle/>
           <a:p>
             <a:r>
-              <a:rPr lang="en-US" dirty="0" smtClean="0"/>
+              <a:rPr lang="en-US" dirty="0"/>
               <a:t>Image Factory</a:t>
             </a:r>
-            <a:endParaRPr lang="en-US" dirty="0"/>
           </a:p>
         </p:txBody>
       </p:sp>
@@ -3989,13 +7162,13 @@
           <a:lstStyle/>
           <a:p>
             <a:r>
-              <a:rPr lang="en-US" dirty="0" smtClean="0"/>
+              <a:rPr lang="en-US" dirty="0"/>
               <a:t>This is a way to Automate building all of your images</a:t>
             </a:r>
           </a:p>
           <a:p>
             <a:r>
-              <a:rPr lang="en-US" dirty="0" smtClean="0"/>
+              <a:rPr lang="en-US" dirty="0"/>
               <a:t>Can be found here</a:t>
             </a:r>
           </a:p>
@@ -4005,15 +7178,9 @@
               <a:rPr lang="en-US" sz="2000" dirty="0">
                 <a:hlinkClick r:id="rId2"/>
               </a:rPr>
-              <a:t>https://</a:t>
-            </a:r>
-            <a:r>
-              <a:rPr lang="en-US" sz="2000" dirty="0" smtClean="0">
-                <a:hlinkClick r:id="rId2"/>
-              </a:rPr>
-              <a:t>github.com/DeploymentBunny/IMF4</a:t>
-            </a:r>
-            <a:endParaRPr lang="en-US" sz="2000" dirty="0" smtClean="0"/>
+              <a:t>https://github.com/DeploymentBunny/IMF4</a:t>
+            </a:r>
+            <a:endParaRPr lang="en-US" sz="2000" dirty="0"/>
           </a:p>
         </p:txBody>
       </p:sp>
@@ -4071,10 +7238,9 @@
           <a:p>
             <a:pPr algn="ctr"/>
             <a:r>
-              <a:rPr lang="en-US" sz="16600" dirty="0" smtClean="0"/>
+              <a:rPr lang="en-US" sz="16600" dirty="0"/>
               <a:t>Demo</a:t>
             </a:r>
-            <a:endParaRPr lang="en-US" sz="16600" dirty="0"/>
           </a:p>
         </p:txBody>
       </p:sp>
@@ -4088,13 +7254,6 @@
   <p:clrMapOvr>
     <a:masterClrMapping/>
   </p:clrMapOvr>
-  <p:timing>
-    <p:tnLst>
-      <p:par>
-        <p:cTn id="1" dur="indefinite" restart="never" nodeType="tmRoot"/>
-      </p:par>
-    </p:tnLst>
-  </p:timing>
 </p:sld>
 </file>
 
@@ -4139,10 +7298,9 @@
           <a:p>
             <a:pPr algn="ctr"/>
             <a:r>
-              <a:rPr lang="en-US" sz="13800" dirty="0" smtClean="0"/>
+              <a:rPr lang="en-US" sz="13800" dirty="0"/>
               <a:t>Questions</a:t>
             </a:r>
-            <a:endParaRPr lang="en-US" sz="13800" dirty="0"/>
           </a:p>
         </p:txBody>
       </p:sp>
@@ -4156,13 +7314,6 @@
   <p:clrMapOvr>
     <a:masterClrMapping/>
   </p:clrMapOvr>
-  <p:timing>
-    <p:tnLst>
-      <p:par>
-        <p:cTn id="1" dur="indefinite" restart="never" nodeType="tmRoot"/>
-      </p:par>
-    </p:tnLst>
-  </p:timing>
 </p:sld>
 </file>
 
@@ -4199,10 +7350,9 @@
           <a:lstStyle/>
           <a:p>
             <a:r>
-              <a:rPr lang="en-US" dirty="0" smtClean="0"/>
+              <a:rPr lang="en-US" dirty="0"/>
               <a:t>Class files and slide deck</a:t>
             </a:r>
-            <a:endParaRPr lang="en-US" dirty="0"/>
           </a:p>
         </p:txBody>
       </p:sp>
@@ -4222,7 +7372,7 @@
           <a:lstStyle/>
           <a:p>
             <a:r>
-              <a:rPr lang="en-US" dirty="0" smtClean="0"/>
+              <a:rPr lang="en-US" dirty="0"/>
               <a:t>All the files used for class and slide deck can be found on my GitHub account.</a:t>
             </a:r>
           </a:p>
@@ -4231,47 +7381,41 @@
               <a:rPr lang="en-US" dirty="0">
                 <a:hlinkClick r:id="rId2"/>
               </a:rPr>
-              <a:t>https://</a:t>
-            </a:r>
-            <a:r>
-              <a:rPr lang="en-US" dirty="0" smtClean="0">
-                <a:hlinkClick r:id="rId2"/>
-              </a:rPr>
-              <a:t>github.com/jryanwall/HECC-2018</a:t>
-            </a:r>
-            <a:endParaRPr lang="en-US" dirty="0" smtClean="0"/>
-          </a:p>
-          <a:p>
-            <a:r>
-              <a:rPr lang="en-US" dirty="0" smtClean="0"/>
+              <a:t>https://github.com/jryanwall/HECC-2018</a:t>
+            </a:r>
+            <a:endParaRPr lang="en-US" dirty="0"/>
+          </a:p>
+          <a:p>
+            <a:r>
+              <a:rPr lang="en-US" dirty="0"/>
               <a:t>If you don’t find something or have questions shoot me an email or hit me up on Twitter</a:t>
             </a:r>
           </a:p>
           <a:p>
             <a:pPr lvl="1"/>
             <a:r>
-              <a:rPr lang="en-US" dirty="0" smtClean="0">
+              <a:rPr lang="en-US" dirty="0">
                 <a:hlinkClick r:id="rId3"/>
               </a:rPr>
               <a:t>rwall@hccsc.k12.in.us</a:t>
             </a:r>
-            <a:endParaRPr lang="en-US" dirty="0" smtClean="0"/>
+            <a:endParaRPr lang="en-US" dirty="0"/>
           </a:p>
           <a:p>
             <a:pPr lvl="1"/>
             <a:r>
-              <a:rPr lang="en-US" dirty="0" smtClean="0">
+              <a:rPr lang="en-US" dirty="0">
                 <a:hlinkClick r:id="rId4"/>
               </a:rPr>
               <a:t>@</a:t>
             </a:r>
             <a:r>
-              <a:rPr lang="en-US" dirty="0" err="1" smtClean="0">
+              <a:rPr lang="en-US" dirty="0" err="1">
                 <a:hlinkClick r:id="rId4"/>
               </a:rPr>
               <a:t>JRyanWall</a:t>
             </a:r>
-            <a:endParaRPr lang="en-US" dirty="0" smtClean="0"/>
+            <a:endParaRPr lang="en-US" dirty="0"/>
           </a:p>
           <a:p>
             <a:pPr lvl="1"/>
@@ -4279,7 +7423,7 @@
           </a:p>
           <a:p>
             <a:r>
-              <a:rPr lang="en-US" dirty="0" smtClean="0"/>
+              <a:rPr lang="en-US" dirty="0"/>
               <a:t>I also have a list on Twitter of related to OSD</a:t>
             </a:r>
           </a:p>
@@ -4289,15 +7433,9 @@
               <a:rPr lang="en-US" dirty="0">
                 <a:hlinkClick r:id="rId5"/>
               </a:rPr>
-              <a:t>https://</a:t>
-            </a:r>
-            <a:r>
-              <a:rPr lang="en-US" dirty="0" smtClean="0">
-                <a:hlinkClick r:id="rId5"/>
-              </a:rPr>
-              <a:t>twitter.com/jryanwall/lists/deployment</a:t>
-            </a:r>
-            <a:endParaRPr lang="en-US" dirty="0" smtClean="0"/>
+              <a:t>https://twitter.com/jryanwall/lists/deployment</a:t>
+            </a:r>
+            <a:endParaRPr lang="en-US" dirty="0"/>
           </a:p>
           <a:p>
             <a:pPr marL="457200" lvl="1" indent="0">
@@ -4321,9 +7459,9 @@
 </file>
 
 <file path=ppt/theme/theme1.xml><?xml version="1.0" encoding="utf-8"?>
-<a:theme xmlns:a="http://schemas.openxmlformats.org/drawingml/2006/main" name="Office Theme">
+<a:theme xmlns:a="http://schemas.openxmlformats.org/drawingml/2006/main" name="Slate">
   <a:themeElements>
-    <a:clrScheme name="Office">
+    <a:clrScheme name="Slate">
       <a:dk1>
         <a:sysClr val="windowText" lastClr="000000"/>
       </a:dk1>
@@ -4331,52 +7469,52 @@
         <a:sysClr val="window" lastClr="FFFFFF"/>
       </a:lt1>
       <a:dk2>
-        <a:srgbClr val="44546A"/>
+        <a:srgbClr val="212123"/>
       </a:dk2>
       <a:lt2>
-        <a:srgbClr val="E7E6E6"/>
+        <a:srgbClr val="DADADA"/>
       </a:lt2>
       <a:accent1>
-        <a:srgbClr val="5B9BD5"/>
+        <a:srgbClr val="BC451B"/>
       </a:accent1>
       <a:accent2>
-        <a:srgbClr val="ED7D31"/>
+        <a:srgbClr val="D3BA68"/>
       </a:accent2>
       <a:accent3>
-        <a:srgbClr val="A5A5A5"/>
+        <a:srgbClr val="BB8640"/>
       </a:accent3>
       <a:accent4>
-        <a:srgbClr val="FFC000"/>
+        <a:srgbClr val="AD9277"/>
       </a:accent4>
       <a:accent5>
-        <a:srgbClr val="4472C4"/>
+        <a:srgbClr val="A55A43"/>
       </a:accent5>
       <a:accent6>
-        <a:srgbClr val="70AD47"/>
+        <a:srgbClr val="AD9D7B"/>
       </a:accent6>
       <a:hlink>
-        <a:srgbClr val="0563C1"/>
+        <a:srgbClr val="E98052"/>
       </a:hlink>
       <a:folHlink>
-        <a:srgbClr val="954F72"/>
+        <a:srgbClr val="F4B69B"/>
       </a:folHlink>
     </a:clrScheme>
-    <a:fontScheme name="Office">
+    <a:fontScheme name="Slate">
       <a:majorFont>
-        <a:latin typeface="Calibri Light" panose="020F0302020204030204"/>
+        <a:latin typeface="Calisto MT" panose="02040603050505030304"/>
         <a:ea typeface=""/>
         <a:cs typeface=""/>
-        <a:font script="Jpan" typeface="游ゴシック Light"/>
-        <a:font script="Hang" typeface="맑은 고딕"/>
-        <a:font script="Hans" typeface="等线 Light"/>
-        <a:font script="Hant" typeface="新細明體"/>
-        <a:font script="Arab" typeface="Times New Roman"/>
-        <a:font script="Hebr" typeface="Times New Roman"/>
-        <a:font script="Thai" typeface="Angsana New"/>
+        <a:font script="Jpan" typeface="ＭＳ Ｐゴシック"/>
+        <a:font script="Hang" typeface="돋움"/>
+        <a:font script="Hans" typeface="方正舒体"/>
+        <a:font script="Hant" typeface="微軟正黑體"/>
+        <a:font script="Arab" typeface="Arial"/>
+        <a:font script="Hebr" typeface="Arial"/>
+        <a:font script="Thai" typeface="Cordia New"/>
         <a:font script="Ethi" typeface="Nyala"/>
         <a:font script="Beng" typeface="Vrinda"/>
         <a:font script="Gujr" typeface="Shruti"/>
-        <a:font script="Khmr" typeface="MoolBoran"/>
+        <a:font script="Khmr" typeface="DaunPenh"/>
         <a:font script="Knda" typeface="Tunga"/>
         <a:font script="Guru" typeface="Raavi"/>
         <a:font script="Cans" typeface="Euphemia"/>
@@ -4393,18 +7531,18 @@
         <a:font script="Laoo" typeface="DokChampa"/>
         <a:font script="Sinh" typeface="Iskoola Pota"/>
         <a:font script="Mong" typeface="Mongolian Baiti"/>
-        <a:font script="Viet" typeface="Times New Roman"/>
+        <a:font script="Viet" typeface="Arial"/>
         <a:font script="Uigh" typeface="Microsoft Uighur"/>
         <a:font script="Geor" typeface="Sylfaen"/>
       </a:majorFont>
       <a:minorFont>
-        <a:latin typeface="Calibri" panose="020F0502020204030204"/>
+        <a:latin typeface="Calisto MT" panose="02040603050505030304"/>
         <a:ea typeface=""/>
         <a:cs typeface=""/>
-        <a:font script="Jpan" typeface="游ゴシック"/>
-        <a:font script="Hang" typeface="맑은 고딕"/>
-        <a:font script="Hans" typeface="等线"/>
-        <a:font script="Hant" typeface="新細明體"/>
+        <a:font script="Jpan" typeface="ＭＳ Ｐゴシック"/>
+        <a:font script="Hang" typeface="돋움"/>
+        <a:font script="Hans" typeface="方正舒体"/>
+        <a:font script="Hant" typeface="微軟正黑體"/>
         <a:font script="Arab" typeface="Arial"/>
         <a:font script="Hebr" typeface="Arial"/>
         <a:font script="Thai" typeface="Cordia New"/>
@@ -4433,7 +7571,7 @@
         <a:font script="Geor" typeface="Sylfaen"/>
       </a:minorFont>
     </a:fontScheme>
-    <a:fmtScheme name="Office">
+    <a:fmtScheme name="Slate">
       <a:fillStyleLst>
         <a:solidFill>
           <a:schemeClr val="phClr"/>
@@ -4442,23 +7580,13 @@
           <a:gsLst>
             <a:gs pos="0">
               <a:schemeClr val="phClr">
+                <a:tint val="60000"/>
                 <a:lumMod val="110000"/>
-                <a:satMod val="105000"/>
-                <a:tint val="67000"/>
-              </a:schemeClr>
-            </a:gs>
-            <a:gs pos="50000">
-              <a:schemeClr val="phClr">
-                <a:lumMod val="105000"/>
-                <a:satMod val="103000"/>
-                <a:tint val="73000"/>
               </a:schemeClr>
             </a:gs>
             <a:gs pos="100000">
               <a:schemeClr val="phClr">
-                <a:lumMod val="105000"/>
-                <a:satMod val="109000"/>
-                <a:tint val="81000"/>
+                <a:tint val="88000"/>
               </a:schemeClr>
             </a:gs>
           </a:gsLst>
@@ -4468,23 +7596,14 @@
           <a:gsLst>
             <a:gs pos="0">
               <a:schemeClr val="phClr">
-                <a:satMod val="103000"/>
-                <a:lumMod val="102000"/>
-                <a:tint val="94000"/>
-              </a:schemeClr>
-            </a:gs>
-            <a:gs pos="50000">
-              <a:schemeClr val="phClr">
-                <a:satMod val="110000"/>
-                <a:lumMod val="100000"/>
-                <a:shade val="100000"/>
+                <a:tint val="96000"/>
+                <a:lumMod val="104000"/>
               </a:schemeClr>
             </a:gs>
             <a:gs pos="100000">
               <a:schemeClr val="phClr">
-                <a:lumMod val="99000"/>
-                <a:satMod val="120000"/>
-                <a:shade val="78000"/>
+                <a:shade val="90000"/>
+                <a:lumMod val="90000"/>
               </a:schemeClr>
             </a:gs>
           </a:gsLst>
@@ -4492,26 +7611,25 @@
         </a:gradFill>
       </a:fillStyleLst>
       <a:lnStyleLst>
-        <a:ln w="6350" cap="flat" cmpd="sng" algn="ctr">
+        <a:ln w="9525" cap="rnd" cmpd="sng" algn="ctr">
+          <a:solidFill>
+            <a:schemeClr val="phClr">
+              <a:shade val="90000"/>
+            </a:schemeClr>
+          </a:solidFill>
+          <a:prstDash val="solid"/>
+        </a:ln>
+        <a:ln w="15875" cap="rnd" cmpd="sng" algn="ctr">
           <a:solidFill>
             <a:schemeClr val="phClr"/>
           </a:solidFill>
           <a:prstDash val="solid"/>
-          <a:miter lim="800000"/>
         </a:ln>
-        <a:ln w="12700" cap="flat" cmpd="sng" algn="ctr">
+        <a:ln w="25400" cap="rnd" cmpd="sng" algn="ctr">
           <a:solidFill>
             <a:schemeClr val="phClr"/>
           </a:solidFill>
           <a:prstDash val="solid"/>
-          <a:miter lim="800000"/>
-        </a:ln>
-        <a:ln w="19050" cap="flat" cmpd="sng" algn="ctr">
-          <a:solidFill>
-            <a:schemeClr val="phClr"/>
-          </a:solidFill>
-          <a:prstDash val="solid"/>
-          <a:miter lim="800000"/>
         </a:ln>
       </a:lnStyleLst>
       <a:effectStyleLst>
@@ -4519,16 +7637,33 @@
           <a:effectLst/>
         </a:effectStyle>
         <a:effectStyle>
-          <a:effectLst/>
+          <a:effectLst>
+            <a:outerShdw blurRad="63500" dist="25400" dir="5400000" rotWithShape="0">
+              <a:srgbClr val="000000">
+                <a:alpha val="60000"/>
+              </a:srgbClr>
+            </a:outerShdw>
+          </a:effectLst>
         </a:effectStyle>
         <a:effectStyle>
           <a:effectLst>
-            <a:outerShdw blurRad="57150" dist="19050" dir="5400000" algn="ctr" rotWithShape="0">
+            <a:outerShdw blurRad="76200" dist="38100" dir="5400000" rotWithShape="0">
               <a:srgbClr val="000000">
-                <a:alpha val="63000"/>
+                <a:alpha val="75000"/>
               </a:srgbClr>
             </a:outerShdw>
           </a:effectLst>
+          <a:scene3d>
+            <a:camera prst="orthographicFront">
+              <a:rot lat="0" lon="0" rev="0"/>
+            </a:camera>
+            <a:lightRig rig="threePt" dir="t">
+              <a:rot lat="0" lon="0" rev="1200000"/>
+            </a:lightRig>
+          </a:scene3d>
+          <a:sp3d>
+            <a:bevelT w="63500" h="25400" prst="hardEdge"/>
+          </a:sp3d>
         </a:effectStyle>
       </a:effectStyleLst>
       <a:bgFillStyleLst>
@@ -4536,38 +7671,22 @@
           <a:schemeClr val="phClr"/>
         </a:solidFill>
         <a:solidFill>
-          <a:schemeClr val="phClr">
-            <a:tint val="95000"/>
-            <a:satMod val="170000"/>
-          </a:schemeClr>
+          <a:schemeClr val="phClr"/>
         </a:solidFill>
-        <a:gradFill rotWithShape="1">
-          <a:gsLst>
-            <a:gs pos="0">
+        <a:blipFill rotWithShape="1">
+          <a:blip xmlns:r="http://schemas.openxmlformats.org/officeDocument/2006/relationships" r:embed="rId1">
+            <a:duotone>
               <a:schemeClr val="phClr">
-                <a:tint val="93000"/>
-                <a:satMod val="150000"/>
-                <a:shade val="98000"/>
-                <a:lumMod val="102000"/>
+                <a:shade val="80000"/>
+                <a:lumMod val="80000"/>
               </a:schemeClr>
-            </a:gs>
-            <a:gs pos="50000">
               <a:schemeClr val="phClr">
                 <a:tint val="98000"/>
-                <a:satMod val="130000"/>
-                <a:shade val="90000"/>
-                <a:lumMod val="103000"/>
               </a:schemeClr>
-            </a:gs>
-            <a:gs pos="100000">
-              <a:schemeClr val="phClr">
-                <a:shade val="63000"/>
-                <a:satMod val="120000"/>
-              </a:schemeClr>
-            </a:gs>
-          </a:gsLst>
-          <a:lin ang="5400000" scaled="0"/>
-        </a:gradFill>
+            </a:duotone>
+          </a:blip>
+          <a:stretch/>
+        </a:blipFill>
       </a:bgFillStyleLst>
     </a:fmtScheme>
   </a:themeElements>
@@ -4575,7 +7694,7 @@
   <a:extraClrSchemeLst/>
   <a:extLst>
     <a:ext uri="{05A4C25C-085E-4340-85A3-A5531E510DB2}">
-      <thm15:themeFamily xmlns:thm15="http://schemas.microsoft.com/office/thememl/2012/main" name="Office Theme" id="{62F939B6-93AF-4DB8-9C6B-D6C7DFDC589F}" vid="{4A3C46E8-61CC-4603-A589-7422A47A8E4A}"/>
+      <thm15:themeFamily xmlns:thm15="http://schemas.microsoft.com/office/thememl/2012/main" name="Slate" id="{C3F70B94-7CE9-428E-ADC1-3269CC2C3385}" vid="{3F2DE9A5-64E6-437C-A389-CC4477E817E8}"/>
     </a:ext>
   </a:extLst>
 </a:theme>
